--- a/Datacenter common icons.pptx
+++ b/Datacenter common icons.pptx
@@ -6,6 +6,7 @@
   </p:sldMasterIdLst>
   <p:sldIdLst>
     <p:sldId id="256" r:id="rId3"/>
+    <p:sldId id="257" r:id="rId4"/>
   </p:sldIdLst>
   <p:sldSz cx="10691813" cy="15119350"/>
   <p:notesSz cx="7559675" cy="10691813"/>
@@ -36,7 +37,7 @@
             <a:spLocks noGrp="1"/>
           </p:cNvSpPr>
           <p:nvPr>
-            <p:ph type="ftr" idx="2"/>
+            <p:ph type="ftr" idx="1"/>
           </p:nvPr>
         </p:nvSpPr>
         <p:spPr/>
@@ -56,14 +57,14 @@
             <a:spLocks noGrp="1"/>
           </p:cNvSpPr>
           <p:nvPr>
-            <p:ph type="sldNum" idx="3"/>
+            <p:ph type="sldNum" idx="2"/>
           </p:nvPr>
         </p:nvSpPr>
         <p:spPr/>
         <p:txBody>
           <a:bodyPr/>
           <a:p>
-            <a:fld id="{15F528CF-F819-405C-A90F-0E97E7F4258F}" type="slidenum">
+            <a:fld id="{CAE38034-AD33-4991-8A14-81C77975C343}" type="slidenum">
               <a:t>&lt;#&gt;</a:t>
             </a:fld>
           </a:p>
@@ -76,7 +77,7 @@
             <a:spLocks noGrp="1"/>
           </p:cNvSpPr>
           <p:nvPr>
-            <p:ph type="dt" idx="1"/>
+            <p:ph type="dt" idx="3"/>
           </p:nvPr>
         </p:nvSpPr>
         <p:spPr/>
@@ -125,7 +126,7 @@
         <p:spPr>
           <a:xfrm>
             <a:off x="534240" y="-629640"/>
-            <a:ext cx="9622440" cy="4988880"/>
+            <a:ext cx="9622080" cy="4988520"/>
           </a:xfrm>
           <a:prstGeom prst="rect">
             <a:avLst/>
@@ -143,7 +144,7 @@
             <a:pPr algn="ctr">
               <a:buNone/>
             </a:pPr>
-            <a:endParaRPr b="0" lang="es-AR" sz="11730" spc="-1" strike="noStrike">
+            <a:endParaRPr b="0" lang="es-AR" sz="4400" spc="-1" strike="noStrike">
               <a:latin typeface="Arial"/>
             </a:endParaRPr>
           </a:p>
@@ -161,8 +162,8 @@
         </p:nvSpPr>
         <p:spPr>
           <a:xfrm>
-            <a:off x="534240" y="3537000"/>
-            <a:ext cx="9622440" cy="4182480"/>
+            <a:off x="534240" y="3537720"/>
+            <a:ext cx="9622080" cy="4182480"/>
           </a:xfrm>
           <a:prstGeom prst="rect">
             <a:avLst/>
@@ -177,7 +178,7 @@
             <a:normAutofit/>
           </a:bodyPr>
           <a:p>
-            <a:endParaRPr b="0" lang="es-AR" sz="8530" spc="-1" strike="noStrike">
+            <a:endParaRPr b="0" lang="es-AR" sz="3200" spc="-1" strike="noStrike">
               <a:latin typeface="Arial"/>
             </a:endParaRPr>
           </a:p>
@@ -195,8 +196,8 @@
         </p:nvSpPr>
         <p:spPr>
           <a:xfrm>
-            <a:off x="534240" y="8117280"/>
-            <a:ext cx="9622440" cy="4182480"/>
+            <a:off x="534240" y="8118000"/>
+            <a:ext cx="9622080" cy="4182480"/>
           </a:xfrm>
           <a:prstGeom prst="rect">
             <a:avLst/>
@@ -211,7 +212,7 @@
             <a:normAutofit/>
           </a:bodyPr>
           <a:p>
-            <a:endParaRPr b="0" lang="es-AR" sz="8530" spc="-1" strike="noStrike">
+            <a:endParaRPr b="0" lang="es-AR" sz="3200" spc="-1" strike="noStrike">
               <a:latin typeface="Arial"/>
             </a:endParaRPr>
           </a:p>
@@ -224,7 +225,7 @@
             <a:spLocks noGrp="1"/>
           </p:cNvSpPr>
           <p:nvPr>
-            <p:ph type="ftr" idx="2"/>
+            <p:ph type="ftr" idx="1"/>
           </p:nvPr>
         </p:nvSpPr>
         <p:spPr/>
@@ -244,14 +245,14 @@
             <a:spLocks noGrp="1"/>
           </p:cNvSpPr>
           <p:nvPr>
-            <p:ph type="sldNum" idx="3"/>
+            <p:ph type="sldNum" idx="2"/>
           </p:nvPr>
         </p:nvSpPr>
         <p:spPr/>
         <p:txBody>
           <a:bodyPr/>
           <a:p>
-            <a:fld id="{C232FFD4-34EA-4B81-87EA-D2F2B77F1E87}" type="slidenum">
+            <a:fld id="{576C5430-74EF-4436-9A0B-4E9D45CEA5E8}" type="slidenum">
               <a:t>&lt;#&gt;</a:t>
             </a:fld>
           </a:p>
@@ -264,7 +265,7 @@
             <a:spLocks noGrp="1"/>
           </p:cNvSpPr>
           <p:nvPr>
-            <p:ph type="dt" idx="1"/>
+            <p:ph type="dt" idx="3"/>
           </p:nvPr>
         </p:nvSpPr>
         <p:spPr/>
@@ -313,7 +314,7 @@
         <p:spPr>
           <a:xfrm>
             <a:off x="534240" y="-629640"/>
-            <a:ext cx="9622440" cy="4988880"/>
+            <a:ext cx="9622080" cy="4988520"/>
           </a:xfrm>
           <a:prstGeom prst="rect">
             <a:avLst/>
@@ -331,7 +332,7 @@
             <a:pPr algn="ctr">
               <a:buNone/>
             </a:pPr>
-            <a:endParaRPr b="0" lang="es-AR" sz="11730" spc="-1" strike="noStrike">
+            <a:endParaRPr b="0" lang="es-AR" sz="4400" spc="-1" strike="noStrike">
               <a:latin typeface="Arial"/>
             </a:endParaRPr>
           </a:p>
@@ -349,7 +350,7 @@
         </p:nvSpPr>
         <p:spPr>
           <a:xfrm>
-            <a:off x="534240" y="3537000"/>
+            <a:off x="534240" y="3537720"/>
             <a:ext cx="4695480" cy="4182480"/>
           </a:xfrm>
           <a:prstGeom prst="rect">
@@ -362,10 +363,10 @@
         </p:spPr>
         <p:txBody>
           <a:bodyPr lIns="0" rIns="0" tIns="0" bIns="0" anchor="t">
-            <a:normAutofit fontScale="86000"/>
-          </a:bodyPr>
-          <a:p>
-            <a:endParaRPr b="0" lang="es-AR" sz="8530" spc="-1" strike="noStrike">
+            <a:normAutofit/>
+          </a:bodyPr>
+          <a:p>
+            <a:endParaRPr b="0" lang="es-AR" sz="3200" spc="-1" strike="noStrike">
               <a:latin typeface="Arial"/>
             </a:endParaRPr>
           </a:p>
@@ -383,7 +384,7 @@
         </p:nvSpPr>
         <p:spPr>
           <a:xfrm>
-            <a:off x="5464800" y="3537000"/>
+            <a:off x="5464800" y="3537720"/>
             <a:ext cx="4695480" cy="4182480"/>
           </a:xfrm>
           <a:prstGeom prst="rect">
@@ -396,10 +397,10 @@
         </p:spPr>
         <p:txBody>
           <a:bodyPr lIns="0" rIns="0" tIns="0" bIns="0" anchor="t">
-            <a:normAutofit fontScale="86000"/>
-          </a:bodyPr>
-          <a:p>
-            <a:endParaRPr b="0" lang="es-AR" sz="8530" spc="-1" strike="noStrike">
+            <a:normAutofit/>
+          </a:bodyPr>
+          <a:p>
+            <a:endParaRPr b="0" lang="es-AR" sz="3200" spc="-1" strike="noStrike">
               <a:latin typeface="Arial"/>
             </a:endParaRPr>
           </a:p>
@@ -417,7 +418,7 @@
         </p:nvSpPr>
         <p:spPr>
           <a:xfrm>
-            <a:off x="534240" y="8117280"/>
+            <a:off x="534240" y="8118000"/>
             <a:ext cx="4695480" cy="4182480"/>
           </a:xfrm>
           <a:prstGeom prst="rect">
@@ -430,10 +431,10 @@
         </p:spPr>
         <p:txBody>
           <a:bodyPr lIns="0" rIns="0" tIns="0" bIns="0" anchor="t">
-            <a:normAutofit fontScale="86000"/>
-          </a:bodyPr>
-          <a:p>
-            <a:endParaRPr b="0" lang="es-AR" sz="8530" spc="-1" strike="noStrike">
+            <a:normAutofit/>
+          </a:bodyPr>
+          <a:p>
+            <a:endParaRPr b="0" lang="es-AR" sz="3200" spc="-1" strike="noStrike">
               <a:latin typeface="Arial"/>
             </a:endParaRPr>
           </a:p>
@@ -451,7 +452,7 @@
         </p:nvSpPr>
         <p:spPr>
           <a:xfrm>
-            <a:off x="5464800" y="8117280"/>
+            <a:off x="5464800" y="8118000"/>
             <a:ext cx="4695480" cy="4182480"/>
           </a:xfrm>
           <a:prstGeom prst="rect">
@@ -464,10 +465,10 @@
         </p:spPr>
         <p:txBody>
           <a:bodyPr lIns="0" rIns="0" tIns="0" bIns="0" anchor="t">
-            <a:normAutofit fontScale="86000"/>
-          </a:bodyPr>
-          <a:p>
-            <a:endParaRPr b="0" lang="es-AR" sz="8530" spc="-1" strike="noStrike">
+            <a:normAutofit/>
+          </a:bodyPr>
+          <a:p>
+            <a:endParaRPr b="0" lang="es-AR" sz="3200" spc="-1" strike="noStrike">
               <a:latin typeface="Arial"/>
             </a:endParaRPr>
           </a:p>
@@ -480,7 +481,7 @@
             <a:spLocks noGrp="1"/>
           </p:cNvSpPr>
           <p:nvPr>
-            <p:ph type="ftr" idx="2"/>
+            <p:ph type="ftr" idx="1"/>
           </p:nvPr>
         </p:nvSpPr>
         <p:spPr/>
@@ -500,14 +501,14 @@
             <a:spLocks noGrp="1"/>
           </p:cNvSpPr>
           <p:nvPr>
-            <p:ph type="sldNum" idx="3"/>
+            <p:ph type="sldNum" idx="2"/>
           </p:nvPr>
         </p:nvSpPr>
         <p:spPr/>
         <p:txBody>
           <a:bodyPr/>
           <a:p>
-            <a:fld id="{58B25792-F320-4FB5-963E-89550A49997A}" type="slidenum">
+            <a:fld id="{CA13978F-ECBB-47C8-AFBE-57319D8DCF39}" type="slidenum">
               <a:t>&lt;#&gt;</a:t>
             </a:fld>
           </a:p>
@@ -520,7 +521,7 @@
             <a:spLocks noGrp="1"/>
           </p:cNvSpPr>
           <p:nvPr>
-            <p:ph type="dt" idx="1"/>
+            <p:ph type="dt" idx="3"/>
           </p:nvPr>
         </p:nvSpPr>
         <p:spPr/>
@@ -569,7 +570,7 @@
         <p:spPr>
           <a:xfrm>
             <a:off x="534240" y="-629640"/>
-            <a:ext cx="9622440" cy="4988880"/>
+            <a:ext cx="9622080" cy="4988520"/>
           </a:xfrm>
           <a:prstGeom prst="rect">
             <a:avLst/>
@@ -587,7 +588,7 @@
             <a:pPr algn="ctr">
               <a:buNone/>
             </a:pPr>
-            <a:endParaRPr b="0" lang="es-AR" sz="11730" spc="-1" strike="noStrike">
+            <a:endParaRPr b="0" lang="es-AR" sz="4400" spc="-1" strike="noStrike">
               <a:latin typeface="Arial"/>
             </a:endParaRPr>
           </a:p>
@@ -605,7 +606,7 @@
         </p:nvSpPr>
         <p:spPr>
           <a:xfrm>
-            <a:off x="534240" y="3537000"/>
+            <a:off x="534240" y="3537720"/>
             <a:ext cx="3098160" cy="4182480"/>
           </a:xfrm>
           <a:prstGeom prst="rect">
@@ -618,10 +619,10 @@
         </p:spPr>
         <p:txBody>
           <a:bodyPr lIns="0" rIns="0" tIns="0" bIns="0" anchor="t">
-            <a:normAutofit fontScale="85000"/>
-          </a:bodyPr>
-          <a:p>
-            <a:endParaRPr b="0" lang="es-AR" sz="8530" spc="-1" strike="noStrike">
+            <a:normAutofit/>
+          </a:bodyPr>
+          <a:p>
+            <a:endParaRPr b="0" lang="es-AR" sz="3200" spc="-1" strike="noStrike">
               <a:latin typeface="Arial"/>
             </a:endParaRPr>
           </a:p>
@@ -639,7 +640,7 @@
         </p:nvSpPr>
         <p:spPr>
           <a:xfrm>
-            <a:off x="3787560" y="3537000"/>
+            <a:off x="3787560" y="3537720"/>
             <a:ext cx="3098160" cy="4182480"/>
           </a:xfrm>
           <a:prstGeom prst="rect">
@@ -652,10 +653,10 @@
         </p:spPr>
         <p:txBody>
           <a:bodyPr lIns="0" rIns="0" tIns="0" bIns="0" anchor="t">
-            <a:normAutofit fontScale="85000"/>
-          </a:bodyPr>
-          <a:p>
-            <a:endParaRPr b="0" lang="es-AR" sz="8530" spc="-1" strike="noStrike">
+            <a:normAutofit/>
+          </a:bodyPr>
+          <a:p>
+            <a:endParaRPr b="0" lang="es-AR" sz="3200" spc="-1" strike="noStrike">
               <a:latin typeface="Arial"/>
             </a:endParaRPr>
           </a:p>
@@ -673,7 +674,7 @@
         </p:nvSpPr>
         <p:spPr>
           <a:xfrm>
-            <a:off x="7041240" y="3537000"/>
+            <a:off x="7041240" y="3537720"/>
             <a:ext cx="3098160" cy="4182480"/>
           </a:xfrm>
           <a:prstGeom prst="rect">
@@ -686,10 +687,10 @@
         </p:spPr>
         <p:txBody>
           <a:bodyPr lIns="0" rIns="0" tIns="0" bIns="0" anchor="t">
-            <a:normAutofit fontScale="85000"/>
-          </a:bodyPr>
-          <a:p>
-            <a:endParaRPr b="0" lang="es-AR" sz="8530" spc="-1" strike="noStrike">
+            <a:normAutofit/>
+          </a:bodyPr>
+          <a:p>
+            <a:endParaRPr b="0" lang="es-AR" sz="3200" spc="-1" strike="noStrike">
               <a:latin typeface="Arial"/>
             </a:endParaRPr>
           </a:p>
@@ -707,7 +708,7 @@
         </p:nvSpPr>
         <p:spPr>
           <a:xfrm>
-            <a:off x="534240" y="8117280"/>
+            <a:off x="534240" y="8118000"/>
             <a:ext cx="3098160" cy="4182480"/>
           </a:xfrm>
           <a:prstGeom prst="rect">
@@ -720,10 +721,10 @@
         </p:spPr>
         <p:txBody>
           <a:bodyPr lIns="0" rIns="0" tIns="0" bIns="0" anchor="t">
-            <a:normAutofit fontScale="85000"/>
-          </a:bodyPr>
-          <a:p>
-            <a:endParaRPr b="0" lang="es-AR" sz="8530" spc="-1" strike="noStrike">
+            <a:normAutofit/>
+          </a:bodyPr>
+          <a:p>
+            <a:endParaRPr b="0" lang="es-AR" sz="3200" spc="-1" strike="noStrike">
               <a:latin typeface="Arial"/>
             </a:endParaRPr>
           </a:p>
@@ -741,7 +742,7 @@
         </p:nvSpPr>
         <p:spPr>
           <a:xfrm>
-            <a:off x="3787560" y="8117280"/>
+            <a:off x="3787560" y="8118000"/>
             <a:ext cx="3098160" cy="4182480"/>
           </a:xfrm>
           <a:prstGeom prst="rect">
@@ -754,10 +755,10 @@
         </p:spPr>
         <p:txBody>
           <a:bodyPr lIns="0" rIns="0" tIns="0" bIns="0" anchor="t">
-            <a:normAutofit fontScale="85000"/>
-          </a:bodyPr>
-          <a:p>
-            <a:endParaRPr b="0" lang="es-AR" sz="8530" spc="-1" strike="noStrike">
+            <a:normAutofit/>
+          </a:bodyPr>
+          <a:p>
+            <a:endParaRPr b="0" lang="es-AR" sz="3200" spc="-1" strike="noStrike">
               <a:latin typeface="Arial"/>
             </a:endParaRPr>
           </a:p>
@@ -775,7 +776,7 @@
         </p:nvSpPr>
         <p:spPr>
           <a:xfrm>
-            <a:off x="7041240" y="8117280"/>
+            <a:off x="7041240" y="8118000"/>
             <a:ext cx="3098160" cy="4182480"/>
           </a:xfrm>
           <a:prstGeom prst="rect">
@@ -788,10 +789,10 @@
         </p:spPr>
         <p:txBody>
           <a:bodyPr lIns="0" rIns="0" tIns="0" bIns="0" anchor="t">
-            <a:normAutofit fontScale="85000"/>
-          </a:bodyPr>
-          <a:p>
-            <a:endParaRPr b="0" lang="es-AR" sz="8530" spc="-1" strike="noStrike">
+            <a:normAutofit/>
+          </a:bodyPr>
+          <a:p>
+            <a:endParaRPr b="0" lang="es-AR" sz="3200" spc="-1" strike="noStrike">
               <a:latin typeface="Arial"/>
             </a:endParaRPr>
           </a:p>
@@ -804,7 +805,7 @@
             <a:spLocks noGrp="1"/>
           </p:cNvSpPr>
           <p:nvPr>
-            <p:ph type="ftr" idx="2"/>
+            <p:ph type="ftr" idx="1"/>
           </p:nvPr>
         </p:nvSpPr>
         <p:spPr/>
@@ -824,14 +825,14 @@
             <a:spLocks noGrp="1"/>
           </p:cNvSpPr>
           <p:nvPr>
-            <p:ph type="sldNum" idx="3"/>
+            <p:ph type="sldNum" idx="2"/>
           </p:nvPr>
         </p:nvSpPr>
         <p:spPr/>
         <p:txBody>
           <a:bodyPr/>
           <a:p>
-            <a:fld id="{23641A0F-4019-4A33-852D-6E8A29EDE7F9}" type="slidenum">
+            <a:fld id="{F5687D4C-A5E8-41DF-8526-7EB6F3C0DB54}" type="slidenum">
               <a:t>&lt;#&gt;</a:t>
             </a:fld>
           </a:p>
@@ -844,7 +845,7 @@
             <a:spLocks noGrp="1"/>
           </p:cNvSpPr>
           <p:nvPr>
-            <p:ph type="dt" idx="1"/>
+            <p:ph type="dt" idx="3"/>
           </p:nvPr>
         </p:nvSpPr>
         <p:spPr/>
@@ -893,7 +894,7 @@
         <p:spPr>
           <a:xfrm>
             <a:off x="534240" y="-629640"/>
-            <a:ext cx="9622440" cy="4988880"/>
+            <a:ext cx="9622080" cy="4988520"/>
           </a:xfrm>
           <a:prstGeom prst="rect">
             <a:avLst/>
@@ -911,7 +912,7 @@
             <a:pPr algn="ctr">
               <a:buNone/>
             </a:pPr>
-            <a:endParaRPr b="0" lang="es-AR" sz="11730" spc="-1" strike="noStrike">
+            <a:endParaRPr b="0" lang="es-AR" sz="4400" spc="-1" strike="noStrike">
               <a:latin typeface="Arial"/>
             </a:endParaRPr>
           </a:p>
@@ -929,8 +930,8 @@
         </p:nvSpPr>
         <p:spPr>
           <a:xfrm>
-            <a:off x="534240" y="3537000"/>
-            <a:ext cx="9622440" cy="8768520"/>
+            <a:off x="534240" y="3537720"/>
+            <a:ext cx="9622080" cy="8768520"/>
           </a:xfrm>
           <a:prstGeom prst="rect">
             <a:avLst/>
@@ -961,7 +962,7 @@
             <a:spLocks noGrp="1"/>
           </p:cNvSpPr>
           <p:nvPr>
-            <p:ph type="ftr" idx="2"/>
+            <p:ph type="ftr" idx="1"/>
           </p:nvPr>
         </p:nvSpPr>
         <p:spPr/>
@@ -981,14 +982,14 @@
             <a:spLocks noGrp="1"/>
           </p:cNvSpPr>
           <p:nvPr>
-            <p:ph type="sldNum" idx="3"/>
+            <p:ph type="sldNum" idx="2"/>
           </p:nvPr>
         </p:nvSpPr>
         <p:spPr/>
         <p:txBody>
           <a:bodyPr/>
           <a:p>
-            <a:fld id="{375622A8-D858-4ACB-ACEB-6E232461CC2B}" type="slidenum">
+            <a:fld id="{820FAE87-79B6-41B8-8F88-78CB8A6E50AB}" type="slidenum">
               <a:t>&lt;#&gt;</a:t>
             </a:fld>
           </a:p>
@@ -1001,7 +1002,7 @@
             <a:spLocks noGrp="1"/>
           </p:cNvSpPr>
           <p:nvPr>
-            <p:ph type="dt" idx="1"/>
+            <p:ph type="dt" idx="3"/>
           </p:nvPr>
         </p:nvSpPr>
         <p:spPr/>
@@ -1050,7 +1051,7 @@
         <p:spPr>
           <a:xfrm>
             <a:off x="534240" y="-629640"/>
-            <a:ext cx="9622440" cy="4988880"/>
+            <a:ext cx="9622080" cy="4988520"/>
           </a:xfrm>
           <a:prstGeom prst="rect">
             <a:avLst/>
@@ -1068,7 +1069,7 @@
             <a:pPr algn="ctr">
               <a:buNone/>
             </a:pPr>
-            <a:endParaRPr b="0" lang="es-AR" sz="11730" spc="-1" strike="noStrike">
+            <a:endParaRPr b="0" lang="es-AR" sz="4400" spc="-1" strike="noStrike">
               <a:latin typeface="Arial"/>
             </a:endParaRPr>
           </a:p>
@@ -1086,8 +1087,8 @@
         </p:nvSpPr>
         <p:spPr>
           <a:xfrm>
-            <a:off x="534240" y="3537000"/>
-            <a:ext cx="9622440" cy="8768520"/>
+            <a:off x="534240" y="3537720"/>
+            <a:ext cx="9622080" cy="8768520"/>
           </a:xfrm>
           <a:prstGeom prst="rect">
             <a:avLst/>
@@ -1102,7 +1103,7 @@
             <a:normAutofit/>
           </a:bodyPr>
           <a:p>
-            <a:endParaRPr b="0" lang="es-AR" sz="8530" spc="-1" strike="noStrike">
+            <a:endParaRPr b="0" lang="es-AR" sz="3200" spc="-1" strike="noStrike">
               <a:latin typeface="Arial"/>
             </a:endParaRPr>
           </a:p>
@@ -1115,7 +1116,7 @@
             <a:spLocks noGrp="1"/>
           </p:cNvSpPr>
           <p:nvPr>
-            <p:ph type="ftr" idx="2"/>
+            <p:ph type="ftr" idx="1"/>
           </p:nvPr>
         </p:nvSpPr>
         <p:spPr/>
@@ -1135,14 +1136,14 @@
             <a:spLocks noGrp="1"/>
           </p:cNvSpPr>
           <p:nvPr>
-            <p:ph type="sldNum" idx="3"/>
+            <p:ph type="sldNum" idx="2"/>
           </p:nvPr>
         </p:nvSpPr>
         <p:spPr/>
         <p:txBody>
           <a:bodyPr/>
           <a:p>
-            <a:fld id="{5E610773-184A-4922-BEBB-31CB9704BA0A}" type="slidenum">
+            <a:fld id="{4869631B-8B09-4D3D-961A-7821E7130D14}" type="slidenum">
               <a:t>&lt;#&gt;</a:t>
             </a:fld>
           </a:p>
@@ -1155,7 +1156,7 @@
             <a:spLocks noGrp="1"/>
           </p:cNvSpPr>
           <p:nvPr>
-            <p:ph type="dt" idx="1"/>
+            <p:ph type="dt" idx="3"/>
           </p:nvPr>
         </p:nvSpPr>
         <p:spPr/>
@@ -1204,7 +1205,7 @@
         <p:spPr>
           <a:xfrm>
             <a:off x="534240" y="-629640"/>
-            <a:ext cx="9622440" cy="4988880"/>
+            <a:ext cx="9622080" cy="4988520"/>
           </a:xfrm>
           <a:prstGeom prst="rect">
             <a:avLst/>
@@ -1222,7 +1223,7 @@
             <a:pPr algn="ctr">
               <a:buNone/>
             </a:pPr>
-            <a:endParaRPr b="0" lang="es-AR" sz="11730" spc="-1" strike="noStrike">
+            <a:endParaRPr b="0" lang="es-AR" sz="4400" spc="-1" strike="noStrike">
               <a:latin typeface="Arial"/>
             </a:endParaRPr>
           </a:p>
@@ -1240,7 +1241,7 @@
         </p:nvSpPr>
         <p:spPr>
           <a:xfrm>
-            <a:off x="534240" y="3537000"/>
+            <a:off x="534240" y="3537720"/>
             <a:ext cx="4695480" cy="8768520"/>
           </a:xfrm>
           <a:prstGeom prst="rect">
@@ -1256,7 +1257,7 @@
             <a:normAutofit/>
           </a:bodyPr>
           <a:p>
-            <a:endParaRPr b="0" lang="es-AR" sz="8530" spc="-1" strike="noStrike">
+            <a:endParaRPr b="0" lang="es-AR" sz="3200" spc="-1" strike="noStrike">
               <a:latin typeface="Arial"/>
             </a:endParaRPr>
           </a:p>
@@ -1274,7 +1275,7 @@
         </p:nvSpPr>
         <p:spPr>
           <a:xfrm>
-            <a:off x="5464800" y="3537000"/>
+            <a:off x="5464800" y="3537720"/>
             <a:ext cx="4695480" cy="8768520"/>
           </a:xfrm>
           <a:prstGeom prst="rect">
@@ -1290,7 +1291,7 @@
             <a:normAutofit/>
           </a:bodyPr>
           <a:p>
-            <a:endParaRPr b="0" lang="es-AR" sz="8530" spc="-1" strike="noStrike">
+            <a:endParaRPr b="0" lang="es-AR" sz="3200" spc="-1" strike="noStrike">
               <a:latin typeface="Arial"/>
             </a:endParaRPr>
           </a:p>
@@ -1303,7 +1304,7 @@
             <a:spLocks noGrp="1"/>
           </p:cNvSpPr>
           <p:nvPr>
-            <p:ph type="ftr" idx="2"/>
+            <p:ph type="ftr" idx="1"/>
           </p:nvPr>
         </p:nvSpPr>
         <p:spPr/>
@@ -1323,14 +1324,14 @@
             <a:spLocks noGrp="1"/>
           </p:cNvSpPr>
           <p:nvPr>
-            <p:ph type="sldNum" idx="3"/>
+            <p:ph type="sldNum" idx="2"/>
           </p:nvPr>
         </p:nvSpPr>
         <p:spPr/>
         <p:txBody>
           <a:bodyPr/>
           <a:p>
-            <a:fld id="{A5F80588-EA43-468E-AB23-798579A0B6AF}" type="slidenum">
+            <a:fld id="{904F08EE-DAC4-440C-9970-F1C092772927}" type="slidenum">
               <a:t>&lt;#&gt;</a:t>
             </a:fld>
           </a:p>
@@ -1343,7 +1344,7 @@
             <a:spLocks noGrp="1"/>
           </p:cNvSpPr>
           <p:nvPr>
-            <p:ph type="dt" idx="1"/>
+            <p:ph type="dt" idx="3"/>
           </p:nvPr>
         </p:nvSpPr>
         <p:spPr/>
@@ -1392,7 +1393,7 @@
         <p:spPr>
           <a:xfrm>
             <a:off x="534240" y="-629640"/>
-            <a:ext cx="9622440" cy="4988880"/>
+            <a:ext cx="9622080" cy="4988520"/>
           </a:xfrm>
           <a:prstGeom prst="rect">
             <a:avLst/>
@@ -1410,7 +1411,7 @@
             <a:pPr algn="ctr">
               <a:buNone/>
             </a:pPr>
-            <a:endParaRPr b="0" lang="es-AR" sz="11730" spc="-1" strike="noStrike">
+            <a:endParaRPr b="0" lang="es-AR" sz="4400" spc="-1" strike="noStrike">
               <a:latin typeface="Arial"/>
             </a:endParaRPr>
           </a:p>
@@ -1423,7 +1424,7 @@
             <a:spLocks noGrp="1"/>
           </p:cNvSpPr>
           <p:nvPr>
-            <p:ph type="ftr" idx="2"/>
+            <p:ph type="ftr" idx="1"/>
           </p:nvPr>
         </p:nvSpPr>
         <p:spPr/>
@@ -1443,14 +1444,14 @@
             <a:spLocks noGrp="1"/>
           </p:cNvSpPr>
           <p:nvPr>
-            <p:ph type="sldNum" idx="3"/>
+            <p:ph type="sldNum" idx="2"/>
           </p:nvPr>
         </p:nvSpPr>
         <p:spPr/>
         <p:txBody>
           <a:bodyPr/>
           <a:p>
-            <a:fld id="{BBDEDAF7-37F7-47A4-9F67-025191EB138C}" type="slidenum">
+            <a:fld id="{A1828E00-111B-4C1C-8439-41A5689D3E78}" type="slidenum">
               <a:t>&lt;#&gt;</a:t>
             </a:fld>
           </a:p>
@@ -1463,7 +1464,7 @@
             <a:spLocks noGrp="1"/>
           </p:cNvSpPr>
           <p:nvPr>
-            <p:ph type="dt" idx="1"/>
+            <p:ph type="dt" idx="3"/>
           </p:nvPr>
         </p:nvSpPr>
         <p:spPr/>
@@ -1511,8 +1512,8 @@
         </p:nvSpPr>
         <p:spPr>
           <a:xfrm>
-            <a:off x="534240" y="603000"/>
-            <a:ext cx="9622440" cy="11699280"/>
+            <a:off x="534240" y="-629640"/>
+            <a:ext cx="9622080" cy="23124960"/>
           </a:xfrm>
           <a:prstGeom prst="rect">
             <a:avLst/>
@@ -1543,7 +1544,7 @@
             <a:spLocks noGrp="1"/>
           </p:cNvSpPr>
           <p:nvPr>
-            <p:ph type="ftr" idx="2"/>
+            <p:ph type="ftr" idx="1"/>
           </p:nvPr>
         </p:nvSpPr>
         <p:spPr/>
@@ -1563,14 +1564,14 @@
             <a:spLocks noGrp="1"/>
           </p:cNvSpPr>
           <p:nvPr>
-            <p:ph type="sldNum" idx="3"/>
+            <p:ph type="sldNum" idx="2"/>
           </p:nvPr>
         </p:nvSpPr>
         <p:spPr/>
         <p:txBody>
           <a:bodyPr/>
           <a:p>
-            <a:fld id="{82E185F9-C66B-49A5-BF56-40D55EE0518E}" type="slidenum">
+            <a:fld id="{EAA4863C-0CB3-48BA-9B87-130831C1DEFD}" type="slidenum">
               <a:t>&lt;#&gt;</a:t>
             </a:fld>
           </a:p>
@@ -1583,7 +1584,7 @@
             <a:spLocks noGrp="1"/>
           </p:cNvSpPr>
           <p:nvPr>
-            <p:ph type="dt" idx="1"/>
+            <p:ph type="dt" idx="3"/>
           </p:nvPr>
         </p:nvSpPr>
         <p:spPr/>
@@ -1632,7 +1633,7 @@
         <p:spPr>
           <a:xfrm>
             <a:off x="534240" y="-629640"/>
-            <a:ext cx="9622440" cy="4988880"/>
+            <a:ext cx="9622080" cy="4988520"/>
           </a:xfrm>
           <a:prstGeom prst="rect">
             <a:avLst/>
@@ -1650,7 +1651,7 @@
             <a:pPr algn="ctr">
               <a:buNone/>
             </a:pPr>
-            <a:endParaRPr b="0" lang="es-AR" sz="11730" spc="-1" strike="noStrike">
+            <a:endParaRPr b="0" lang="es-AR" sz="4400" spc="-1" strike="noStrike">
               <a:latin typeface="Arial"/>
             </a:endParaRPr>
           </a:p>
@@ -1668,42 +1669,8 @@
         </p:nvSpPr>
         <p:spPr>
           <a:xfrm>
-            <a:off x="534240" y="3537000"/>
+            <a:off x="534240" y="3537720"/>
             <a:ext cx="4695480" cy="4182480"/>
-          </a:xfrm>
-          <a:prstGeom prst="rect">
-            <a:avLst/>
-          </a:prstGeom>
-          <a:noFill/>
-          <a:ln w="0">
-            <a:noFill/>
-          </a:ln>
-        </p:spPr>
-        <p:txBody>
-          <a:bodyPr lIns="0" rIns="0" tIns="0" bIns="0" anchor="t">
-            <a:normAutofit fontScale="86000"/>
-          </a:bodyPr>
-          <a:p>
-            <a:endParaRPr b="0" lang="es-AR" sz="8530" spc="-1" strike="noStrike">
-              <a:latin typeface="Arial"/>
-            </a:endParaRPr>
-          </a:p>
-        </p:txBody>
-      </p:sp>
-      <p:sp>
-        <p:nvSpPr>
-          <p:cNvPr id="16" name="PlaceHolder 3"/>
-          <p:cNvSpPr>
-            <a:spLocks noGrp="1"/>
-          </p:cNvSpPr>
-          <p:nvPr>
-            <p:ph/>
-          </p:nvPr>
-        </p:nvSpPr>
-        <p:spPr>
-          <a:xfrm>
-            <a:off x="5464800" y="3537000"/>
-            <a:ext cx="4695480" cy="8768520"/>
           </a:xfrm>
           <a:prstGeom prst="rect">
             <a:avLst/>
@@ -1718,7 +1685,41 @@
             <a:normAutofit/>
           </a:bodyPr>
           <a:p>
-            <a:endParaRPr b="0" lang="es-AR" sz="8530" spc="-1" strike="noStrike">
+            <a:endParaRPr b="0" lang="es-AR" sz="3200" spc="-1" strike="noStrike">
+              <a:latin typeface="Arial"/>
+            </a:endParaRPr>
+          </a:p>
+        </p:txBody>
+      </p:sp>
+      <p:sp>
+        <p:nvSpPr>
+          <p:cNvPr id="16" name="PlaceHolder 3"/>
+          <p:cNvSpPr>
+            <a:spLocks noGrp="1"/>
+          </p:cNvSpPr>
+          <p:nvPr>
+            <p:ph/>
+          </p:nvPr>
+        </p:nvSpPr>
+        <p:spPr>
+          <a:xfrm>
+            <a:off x="5464800" y="3537720"/>
+            <a:ext cx="4695480" cy="8768520"/>
+          </a:xfrm>
+          <a:prstGeom prst="rect">
+            <a:avLst/>
+          </a:prstGeom>
+          <a:noFill/>
+          <a:ln w="0">
+            <a:noFill/>
+          </a:ln>
+        </p:spPr>
+        <p:txBody>
+          <a:bodyPr lIns="0" rIns="0" tIns="0" bIns="0" anchor="t">
+            <a:normAutofit/>
+          </a:bodyPr>
+          <a:p>
+            <a:endParaRPr b="0" lang="es-AR" sz="3200" spc="-1" strike="noStrike">
               <a:latin typeface="Arial"/>
             </a:endParaRPr>
           </a:p>
@@ -1736,7 +1737,7 @@
         </p:nvSpPr>
         <p:spPr>
           <a:xfrm>
-            <a:off x="534240" y="8117280"/>
+            <a:off x="534240" y="8118000"/>
             <a:ext cx="4695480" cy="4182480"/>
           </a:xfrm>
           <a:prstGeom prst="rect">
@@ -1749,10 +1750,10 @@
         </p:spPr>
         <p:txBody>
           <a:bodyPr lIns="0" rIns="0" tIns="0" bIns="0" anchor="t">
-            <a:normAutofit fontScale="86000"/>
-          </a:bodyPr>
-          <a:p>
-            <a:endParaRPr b="0" lang="es-AR" sz="8530" spc="-1" strike="noStrike">
+            <a:normAutofit/>
+          </a:bodyPr>
+          <a:p>
+            <a:endParaRPr b="0" lang="es-AR" sz="3200" spc="-1" strike="noStrike">
               <a:latin typeface="Arial"/>
             </a:endParaRPr>
           </a:p>
@@ -1765,7 +1766,7 @@
             <a:spLocks noGrp="1"/>
           </p:cNvSpPr>
           <p:nvPr>
-            <p:ph type="ftr" idx="2"/>
+            <p:ph type="ftr" idx="1"/>
           </p:nvPr>
         </p:nvSpPr>
         <p:spPr/>
@@ -1785,14 +1786,14 @@
             <a:spLocks noGrp="1"/>
           </p:cNvSpPr>
           <p:nvPr>
-            <p:ph type="sldNum" idx="3"/>
+            <p:ph type="sldNum" idx="2"/>
           </p:nvPr>
         </p:nvSpPr>
         <p:spPr/>
         <p:txBody>
           <a:bodyPr/>
           <a:p>
-            <a:fld id="{D635B885-551B-4E77-A1E0-CDB05CCB2E15}" type="slidenum">
+            <a:fld id="{3E3CE2F2-AE6E-4DD0-859D-B8C2120E1F49}" type="slidenum">
               <a:t>&lt;#&gt;</a:t>
             </a:fld>
           </a:p>
@@ -1805,7 +1806,7 @@
             <a:spLocks noGrp="1"/>
           </p:cNvSpPr>
           <p:nvPr>
-            <p:ph type="dt" idx="1"/>
+            <p:ph type="dt" idx="3"/>
           </p:nvPr>
         </p:nvSpPr>
         <p:spPr/>
@@ -1854,7 +1855,7 @@
         <p:spPr>
           <a:xfrm>
             <a:off x="534240" y="-629640"/>
-            <a:ext cx="9622440" cy="4988880"/>
+            <a:ext cx="9622080" cy="4988520"/>
           </a:xfrm>
           <a:prstGeom prst="rect">
             <a:avLst/>
@@ -1872,7 +1873,7 @@
             <a:pPr algn="ctr">
               <a:buNone/>
             </a:pPr>
-            <a:endParaRPr b="0" lang="es-AR" sz="11730" spc="-1" strike="noStrike">
+            <a:endParaRPr b="0" lang="es-AR" sz="4400" spc="-1" strike="noStrike">
               <a:latin typeface="Arial"/>
             </a:endParaRPr>
           </a:p>
@@ -1890,7 +1891,7 @@
         </p:nvSpPr>
         <p:spPr>
           <a:xfrm>
-            <a:off x="534240" y="3537000"/>
+            <a:off x="534240" y="3537720"/>
             <a:ext cx="4695480" cy="8768520"/>
           </a:xfrm>
           <a:prstGeom prst="rect">
@@ -1906,7 +1907,7 @@
             <a:normAutofit/>
           </a:bodyPr>
           <a:p>
-            <a:endParaRPr b="0" lang="es-AR" sz="8530" spc="-1" strike="noStrike">
+            <a:endParaRPr b="0" lang="es-AR" sz="3200" spc="-1" strike="noStrike">
               <a:latin typeface="Arial"/>
             </a:endParaRPr>
           </a:p>
@@ -1924,7 +1925,7 @@
         </p:nvSpPr>
         <p:spPr>
           <a:xfrm>
-            <a:off x="5464800" y="3537000"/>
+            <a:off x="5464800" y="3537720"/>
             <a:ext cx="4695480" cy="4182480"/>
           </a:xfrm>
           <a:prstGeom prst="rect">
@@ -1937,10 +1938,10 @@
         </p:spPr>
         <p:txBody>
           <a:bodyPr lIns="0" rIns="0" tIns="0" bIns="0" anchor="t">
-            <a:normAutofit fontScale="86000"/>
-          </a:bodyPr>
-          <a:p>
-            <a:endParaRPr b="0" lang="es-AR" sz="8530" spc="-1" strike="noStrike">
+            <a:normAutofit/>
+          </a:bodyPr>
+          <a:p>
+            <a:endParaRPr b="0" lang="es-AR" sz="3200" spc="-1" strike="noStrike">
               <a:latin typeface="Arial"/>
             </a:endParaRPr>
           </a:p>
@@ -1958,7 +1959,7 @@
         </p:nvSpPr>
         <p:spPr>
           <a:xfrm>
-            <a:off x="5464800" y="8117280"/>
+            <a:off x="5464800" y="8118000"/>
             <a:ext cx="4695480" cy="4182480"/>
           </a:xfrm>
           <a:prstGeom prst="rect">
@@ -1971,10 +1972,10 @@
         </p:spPr>
         <p:txBody>
           <a:bodyPr lIns="0" rIns="0" tIns="0" bIns="0" anchor="t">
-            <a:normAutofit fontScale="86000"/>
-          </a:bodyPr>
-          <a:p>
-            <a:endParaRPr b="0" lang="es-AR" sz="8530" spc="-1" strike="noStrike">
+            <a:normAutofit/>
+          </a:bodyPr>
+          <a:p>
+            <a:endParaRPr b="0" lang="es-AR" sz="3200" spc="-1" strike="noStrike">
               <a:latin typeface="Arial"/>
             </a:endParaRPr>
           </a:p>
@@ -1987,7 +1988,7 @@
             <a:spLocks noGrp="1"/>
           </p:cNvSpPr>
           <p:nvPr>
-            <p:ph type="ftr" idx="2"/>
+            <p:ph type="ftr" idx="1"/>
           </p:nvPr>
         </p:nvSpPr>
         <p:spPr/>
@@ -2007,14 +2008,14 @@
             <a:spLocks noGrp="1"/>
           </p:cNvSpPr>
           <p:nvPr>
-            <p:ph type="sldNum" idx="3"/>
+            <p:ph type="sldNum" idx="2"/>
           </p:nvPr>
         </p:nvSpPr>
         <p:spPr/>
         <p:txBody>
           <a:bodyPr/>
           <a:p>
-            <a:fld id="{50FF383C-4EBD-4C98-BCC8-3A374AE90B87}" type="slidenum">
+            <a:fld id="{268A1C02-394B-409A-8B4D-44CA7A8C9D60}" type="slidenum">
               <a:t>&lt;#&gt;</a:t>
             </a:fld>
           </a:p>
@@ -2027,7 +2028,7 @@
             <a:spLocks noGrp="1"/>
           </p:cNvSpPr>
           <p:nvPr>
-            <p:ph type="dt" idx="1"/>
+            <p:ph type="dt" idx="3"/>
           </p:nvPr>
         </p:nvSpPr>
         <p:spPr/>
@@ -2076,7 +2077,7 @@
         <p:spPr>
           <a:xfrm>
             <a:off x="534240" y="-629640"/>
-            <a:ext cx="9622440" cy="4988880"/>
+            <a:ext cx="9622080" cy="4988520"/>
           </a:xfrm>
           <a:prstGeom prst="rect">
             <a:avLst/>
@@ -2094,7 +2095,7 @@
             <a:pPr algn="ctr">
               <a:buNone/>
             </a:pPr>
-            <a:endParaRPr b="0" lang="es-AR" sz="11730" spc="-1" strike="noStrike">
+            <a:endParaRPr b="0" lang="es-AR" sz="4400" spc="-1" strike="noStrike">
               <a:latin typeface="Arial"/>
             </a:endParaRPr>
           </a:p>
@@ -2112,76 +2113,8 @@
         </p:nvSpPr>
         <p:spPr>
           <a:xfrm>
-            <a:off x="534240" y="3537000"/>
+            <a:off x="534240" y="3537720"/>
             <a:ext cx="4695480" cy="4182480"/>
-          </a:xfrm>
-          <a:prstGeom prst="rect">
-            <a:avLst/>
-          </a:prstGeom>
-          <a:noFill/>
-          <a:ln w="0">
-            <a:noFill/>
-          </a:ln>
-        </p:spPr>
-        <p:txBody>
-          <a:bodyPr lIns="0" rIns="0" tIns="0" bIns="0" anchor="t">
-            <a:normAutofit fontScale="86000"/>
-          </a:bodyPr>
-          <a:p>
-            <a:endParaRPr b="0" lang="es-AR" sz="8530" spc="-1" strike="noStrike">
-              <a:latin typeface="Arial"/>
-            </a:endParaRPr>
-          </a:p>
-        </p:txBody>
-      </p:sp>
-      <p:sp>
-        <p:nvSpPr>
-          <p:cNvPr id="24" name="PlaceHolder 3"/>
-          <p:cNvSpPr>
-            <a:spLocks noGrp="1"/>
-          </p:cNvSpPr>
-          <p:nvPr>
-            <p:ph/>
-          </p:nvPr>
-        </p:nvSpPr>
-        <p:spPr>
-          <a:xfrm>
-            <a:off x="5464800" y="3537000"/>
-            <a:ext cx="4695480" cy="4182480"/>
-          </a:xfrm>
-          <a:prstGeom prst="rect">
-            <a:avLst/>
-          </a:prstGeom>
-          <a:noFill/>
-          <a:ln w="0">
-            <a:noFill/>
-          </a:ln>
-        </p:spPr>
-        <p:txBody>
-          <a:bodyPr lIns="0" rIns="0" tIns="0" bIns="0" anchor="t">
-            <a:normAutofit fontScale="86000"/>
-          </a:bodyPr>
-          <a:p>
-            <a:endParaRPr b="0" lang="es-AR" sz="8530" spc="-1" strike="noStrike">
-              <a:latin typeface="Arial"/>
-            </a:endParaRPr>
-          </a:p>
-        </p:txBody>
-      </p:sp>
-      <p:sp>
-        <p:nvSpPr>
-          <p:cNvPr id="25" name="PlaceHolder 4"/>
-          <p:cNvSpPr>
-            <a:spLocks noGrp="1"/>
-          </p:cNvSpPr>
-          <p:nvPr>
-            <p:ph/>
-          </p:nvPr>
-        </p:nvSpPr>
-        <p:spPr>
-          <a:xfrm>
-            <a:off x="534240" y="8117280"/>
-            <a:ext cx="9622440" cy="4182480"/>
           </a:xfrm>
           <a:prstGeom prst="rect">
             <a:avLst/>
@@ -2196,7 +2129,75 @@
             <a:normAutofit/>
           </a:bodyPr>
           <a:p>
-            <a:endParaRPr b="0" lang="es-AR" sz="8530" spc="-1" strike="noStrike">
+            <a:endParaRPr b="0" lang="es-AR" sz="3200" spc="-1" strike="noStrike">
+              <a:latin typeface="Arial"/>
+            </a:endParaRPr>
+          </a:p>
+        </p:txBody>
+      </p:sp>
+      <p:sp>
+        <p:nvSpPr>
+          <p:cNvPr id="24" name="PlaceHolder 3"/>
+          <p:cNvSpPr>
+            <a:spLocks noGrp="1"/>
+          </p:cNvSpPr>
+          <p:nvPr>
+            <p:ph/>
+          </p:nvPr>
+        </p:nvSpPr>
+        <p:spPr>
+          <a:xfrm>
+            <a:off x="5464800" y="3537720"/>
+            <a:ext cx="4695480" cy="4182480"/>
+          </a:xfrm>
+          <a:prstGeom prst="rect">
+            <a:avLst/>
+          </a:prstGeom>
+          <a:noFill/>
+          <a:ln w="0">
+            <a:noFill/>
+          </a:ln>
+        </p:spPr>
+        <p:txBody>
+          <a:bodyPr lIns="0" rIns="0" tIns="0" bIns="0" anchor="t">
+            <a:normAutofit/>
+          </a:bodyPr>
+          <a:p>
+            <a:endParaRPr b="0" lang="es-AR" sz="3200" spc="-1" strike="noStrike">
+              <a:latin typeface="Arial"/>
+            </a:endParaRPr>
+          </a:p>
+        </p:txBody>
+      </p:sp>
+      <p:sp>
+        <p:nvSpPr>
+          <p:cNvPr id="25" name="PlaceHolder 4"/>
+          <p:cNvSpPr>
+            <a:spLocks noGrp="1"/>
+          </p:cNvSpPr>
+          <p:nvPr>
+            <p:ph/>
+          </p:nvPr>
+        </p:nvSpPr>
+        <p:spPr>
+          <a:xfrm>
+            <a:off x="534240" y="8118000"/>
+            <a:ext cx="9622080" cy="4182480"/>
+          </a:xfrm>
+          <a:prstGeom prst="rect">
+            <a:avLst/>
+          </a:prstGeom>
+          <a:noFill/>
+          <a:ln w="0">
+            <a:noFill/>
+          </a:ln>
+        </p:spPr>
+        <p:txBody>
+          <a:bodyPr lIns="0" rIns="0" tIns="0" bIns="0" anchor="t">
+            <a:normAutofit/>
+          </a:bodyPr>
+          <a:p>
+            <a:endParaRPr b="0" lang="es-AR" sz="3200" spc="-1" strike="noStrike">
               <a:latin typeface="Arial"/>
             </a:endParaRPr>
           </a:p>
@@ -2209,7 +2210,7 @@
             <a:spLocks noGrp="1"/>
           </p:cNvSpPr>
           <p:nvPr>
-            <p:ph type="ftr" idx="2"/>
+            <p:ph type="ftr" idx="1"/>
           </p:nvPr>
         </p:nvSpPr>
         <p:spPr/>
@@ -2229,14 +2230,14 @@
             <a:spLocks noGrp="1"/>
           </p:cNvSpPr>
           <p:nvPr>
-            <p:ph type="sldNum" idx="3"/>
+            <p:ph type="sldNum" idx="2"/>
           </p:nvPr>
         </p:nvSpPr>
         <p:spPr/>
         <p:txBody>
           <a:bodyPr/>
           <a:p>
-            <a:fld id="{9C2E6F71-8CC3-4D0D-B28E-845934861B6D}" type="slidenum">
+            <a:fld id="{8B0DDE04-33BB-4106-B5D5-6DAB407442A3}" type="slidenum">
               <a:t>&lt;#&gt;</a:t>
             </a:fld>
           </a:p>
@@ -2249,7 +2250,7 @@
             <a:spLocks noGrp="1"/>
           </p:cNvSpPr>
           <p:nvPr>
-            <p:ph type="dt" idx="1"/>
+            <p:ph type="dt" idx="3"/>
           </p:nvPr>
         </p:nvSpPr>
         <p:spPr/>
@@ -2297,8 +2298,8 @@
         </p:nvSpPr>
         <p:spPr>
           <a:xfrm>
-            <a:off x="534240" y="603000"/>
-            <a:ext cx="9622440" cy="2523600"/>
+            <a:off x="534240" y="-629640"/>
+            <a:ext cx="9622080" cy="4988520"/>
           </a:xfrm>
           <a:prstGeom prst="rect">
             <a:avLst/>
@@ -2313,306 +2314,206 @@
             <a:noAutofit/>
           </a:bodyPr>
           <a:p>
+            <a:r>
+              <a:rPr b="0" lang="es-AR" sz="1800" spc="-1" strike="noStrike">
+                <a:latin typeface="Arial"/>
+              </a:rPr>
+              <a:t>Pulse para </a:t>
+            </a:r>
+            <a:r>
+              <a:rPr b="0" lang="es-AR" sz="1800" spc="-1" strike="noStrike">
+                <a:latin typeface="Arial"/>
+              </a:rPr>
+              <a:t>editar el </a:t>
+            </a:r>
+            <a:r>
+              <a:rPr b="0" lang="es-AR" sz="1800" spc="-1" strike="noStrike">
+                <a:latin typeface="Arial"/>
+              </a:rPr>
+              <a:t>formato </a:t>
+            </a:r>
+            <a:r>
+              <a:rPr b="0" lang="es-AR" sz="1800" spc="-1" strike="noStrike">
+                <a:latin typeface="Arial"/>
+              </a:rPr>
+              <a:t>del texto </a:t>
+            </a:r>
+            <a:r>
+              <a:rPr b="0" lang="es-AR" sz="1800" spc="-1" strike="noStrike">
+                <a:latin typeface="Arial"/>
+              </a:rPr>
+              <a:t>de título</a:t>
+            </a:r>
+            <a:endParaRPr b="0" lang="es-AR" sz="1800" spc="-1" strike="noStrike">
+              <a:latin typeface="Arial"/>
+            </a:endParaRPr>
+          </a:p>
+        </p:txBody>
+      </p:sp>
+      <p:sp>
+        <p:nvSpPr>
+          <p:cNvPr id="1" name="PlaceHolder 2"/>
+          <p:cNvSpPr>
+            <a:spLocks noGrp="1"/>
+          </p:cNvSpPr>
+          <p:nvPr>
+            <p:ph type="ftr" idx="1"/>
+          </p:nvPr>
+        </p:nvSpPr>
+        <p:spPr>
+          <a:xfrm>
+            <a:off x="3656160" y="13773600"/>
+            <a:ext cx="3388680" cy="1041480"/>
+          </a:xfrm>
+          <a:prstGeom prst="rect">
+            <a:avLst/>
+          </a:prstGeom>
+          <a:noFill/>
+          <a:ln w="0">
+            <a:noFill/>
+          </a:ln>
+        </p:spPr>
+        <p:txBody>
+          <a:bodyPr lIns="0" rIns="0" tIns="0" bIns="0" anchor="t">
+            <a:noAutofit/>
+          </a:bodyPr>
+          <a:lstStyle>
+            <a:lvl1pPr algn="ctr">
+              <a:lnSpc>
+                <a:spcPct val="100000"/>
+              </a:lnSpc>
+              <a:buNone/>
+              <a:defRPr b="0" lang="es-AR" sz="1400" spc="-1" strike="noStrike">
+                <a:latin typeface="Times New Roman"/>
+              </a:defRPr>
+            </a:lvl1pPr>
+          </a:lstStyle>
+          <a:p>
             <a:pPr algn="ctr">
+              <a:lnSpc>
+                <a:spcPct val="100000"/>
+              </a:lnSpc>
               <a:buNone/>
             </a:pPr>
             <a:r>
-              <a:rPr b="0" lang="es-AR" sz="11730" spc="-1" strike="noStrike">
-                <a:latin typeface="Arial"/>
+              <a:rPr b="0" lang="es-AR" sz="1400" spc="-1" strike="noStrike">
+                <a:latin typeface="Times New Roman"/>
               </a:rPr>
-              <a:t>P</a:t>
-            </a:r>
-            <a:r>
-              <a:rPr b="0" lang="es-AR" sz="11730" spc="-1" strike="noStrike">
-                <a:latin typeface="Arial"/>
+              <a:t>&lt;pie de página&gt;</a:t>
+            </a:r>
+            <a:endParaRPr b="0" lang="es-AR" sz="1400" spc="-1" strike="noStrike">
+              <a:latin typeface="Times New Roman"/>
+            </a:endParaRPr>
+          </a:p>
+        </p:txBody>
+      </p:sp>
+      <p:sp>
+        <p:nvSpPr>
+          <p:cNvPr id="2" name="PlaceHolder 3"/>
+          <p:cNvSpPr>
+            <a:spLocks noGrp="1"/>
+          </p:cNvSpPr>
+          <p:nvPr>
+            <p:ph type="sldNum" idx="2"/>
+          </p:nvPr>
+        </p:nvSpPr>
+        <p:spPr>
+          <a:xfrm>
+            <a:off x="7665480" y="13773600"/>
+            <a:ext cx="2490480" cy="1041480"/>
+          </a:xfrm>
+          <a:prstGeom prst="rect">
+            <a:avLst/>
+          </a:prstGeom>
+          <a:noFill/>
+          <a:ln w="0">
+            <a:noFill/>
+          </a:ln>
+        </p:spPr>
+        <p:txBody>
+          <a:bodyPr lIns="0" rIns="0" tIns="0" bIns="0" anchor="t">
+            <a:noAutofit/>
+          </a:bodyPr>
+          <a:lstStyle>
+            <a:lvl1pPr algn="r">
+              <a:lnSpc>
+                <a:spcPct val="100000"/>
+              </a:lnSpc>
+              <a:buNone/>
+              <a:defRPr b="0" lang="es-AR" sz="1400" spc="-1" strike="noStrike">
+                <a:latin typeface="Times New Roman"/>
+              </a:defRPr>
+            </a:lvl1pPr>
+          </a:lstStyle>
+          <a:p>
+            <a:pPr algn="r">
+              <a:lnSpc>
+                <a:spcPct val="100000"/>
+              </a:lnSpc>
+              <a:buNone/>
+            </a:pPr>
+            <a:fld id="{BCE60FC9-D31A-48AF-9014-AAF7A786B0AA}" type="slidenum">
+              <a:rPr b="0" lang="es-AR" sz="1400" spc="-1" strike="noStrike">
+                <a:latin typeface="Times New Roman"/>
               </a:rPr>
-              <a:t>u</a:t>
-            </a:r>
-            <a:r>
-              <a:rPr b="0" lang="es-AR" sz="11730" spc="-1" strike="noStrike">
-                <a:latin typeface="Arial"/>
+              <a:t>&lt;número&gt;</a:t>
+            </a:fld>
+            <a:endParaRPr b="0" lang="es-AR" sz="1400" spc="-1" strike="noStrike">
+              <a:latin typeface="Times New Roman"/>
+            </a:endParaRPr>
+          </a:p>
+        </p:txBody>
+      </p:sp>
+      <p:sp>
+        <p:nvSpPr>
+          <p:cNvPr id="3" name="PlaceHolder 4"/>
+          <p:cNvSpPr>
+            <a:spLocks noGrp="1"/>
+          </p:cNvSpPr>
+          <p:nvPr>
+            <p:ph type="dt" idx="3"/>
+          </p:nvPr>
+        </p:nvSpPr>
+        <p:spPr>
+          <a:xfrm>
+            <a:off x="534240" y="13773600"/>
+            <a:ext cx="2490480" cy="1041480"/>
+          </a:xfrm>
+          <a:prstGeom prst="rect">
+            <a:avLst/>
+          </a:prstGeom>
+          <a:noFill/>
+          <a:ln w="0">
+            <a:noFill/>
+          </a:ln>
+        </p:spPr>
+        <p:txBody>
+          <a:bodyPr lIns="0" rIns="0" tIns="0" bIns="0" anchor="t">
+            <a:noAutofit/>
+          </a:bodyPr>
+          <a:lstStyle>
+            <a:lvl1pPr>
+              <a:defRPr b="0" lang="es-AR" sz="1400" spc="-1" strike="noStrike">
+                <a:latin typeface="Times New Roman"/>
+              </a:defRPr>
+            </a:lvl1pPr>
+          </a:lstStyle>
+          <a:p>
+            <a:r>
+              <a:rPr b="0" lang="es-AR" sz="1400" spc="-1" strike="noStrike">
+                <a:latin typeface="Times New Roman"/>
               </a:rPr>
-              <a:t>l</a:t>
-            </a:r>
-            <a:r>
-              <a:rPr b="0" lang="es-AR" sz="11730" spc="-1" strike="noStrike">
-                <a:latin typeface="Arial"/>
-              </a:rPr>
-              <a:t>s</a:t>
-            </a:r>
-            <a:r>
-              <a:rPr b="0" lang="es-AR" sz="11730" spc="-1" strike="noStrike">
-                <a:latin typeface="Arial"/>
-              </a:rPr>
-              <a:t>e</a:t>
-            </a:r>
-            <a:r>
-              <a:rPr b="0" lang="es-AR" sz="11730" spc="-1" strike="noStrike">
-                <a:latin typeface="Arial"/>
-              </a:rPr>
-              <a:t> </a:t>
-            </a:r>
-            <a:r>
-              <a:rPr b="0" lang="es-AR" sz="11730" spc="-1" strike="noStrike">
-                <a:latin typeface="Arial"/>
-              </a:rPr>
-              <a:t>p</a:t>
-            </a:r>
-            <a:r>
-              <a:rPr b="0" lang="es-AR" sz="11730" spc="-1" strike="noStrike">
-                <a:latin typeface="Arial"/>
-              </a:rPr>
-              <a:t>a</a:t>
-            </a:r>
-            <a:r>
-              <a:rPr b="0" lang="es-AR" sz="11730" spc="-1" strike="noStrike">
-                <a:latin typeface="Arial"/>
-              </a:rPr>
-              <a:t>r</a:t>
-            </a:r>
-            <a:r>
-              <a:rPr b="0" lang="es-AR" sz="11730" spc="-1" strike="noStrike">
-                <a:latin typeface="Arial"/>
-              </a:rPr>
-              <a:t>a</a:t>
-            </a:r>
-            <a:r>
-              <a:rPr b="0" lang="es-AR" sz="11730" spc="-1" strike="noStrike">
-                <a:latin typeface="Arial"/>
-              </a:rPr>
-              <a:t> </a:t>
-            </a:r>
-            <a:r>
-              <a:rPr b="0" lang="es-AR" sz="11730" spc="-1" strike="noStrike">
-                <a:latin typeface="Arial"/>
-              </a:rPr>
-              <a:t>e</a:t>
-            </a:r>
-            <a:r>
-              <a:rPr b="0" lang="es-AR" sz="11730" spc="-1" strike="noStrike">
-                <a:latin typeface="Arial"/>
-              </a:rPr>
-              <a:t>d</a:t>
-            </a:r>
-            <a:r>
-              <a:rPr b="0" lang="es-AR" sz="11730" spc="-1" strike="noStrike">
-                <a:latin typeface="Arial"/>
-              </a:rPr>
-              <a:t>i</a:t>
-            </a:r>
-            <a:r>
-              <a:rPr b="0" lang="es-AR" sz="11730" spc="-1" strike="noStrike">
-                <a:latin typeface="Arial"/>
-              </a:rPr>
-              <a:t>t</a:t>
-            </a:r>
-            <a:r>
-              <a:rPr b="0" lang="es-AR" sz="11730" spc="-1" strike="noStrike">
-                <a:latin typeface="Arial"/>
-              </a:rPr>
-              <a:t>a</a:t>
-            </a:r>
-            <a:r>
-              <a:rPr b="0" lang="es-AR" sz="11730" spc="-1" strike="noStrike">
-                <a:latin typeface="Arial"/>
-              </a:rPr>
-              <a:t>r</a:t>
-            </a:r>
-            <a:r>
-              <a:rPr b="0" lang="es-AR" sz="11730" spc="-1" strike="noStrike">
-                <a:latin typeface="Arial"/>
-              </a:rPr>
-              <a:t> </a:t>
-            </a:r>
-            <a:r>
-              <a:rPr b="0" lang="es-AR" sz="11730" spc="-1" strike="noStrike">
-                <a:latin typeface="Arial"/>
-              </a:rPr>
-              <a:t>e</a:t>
-            </a:r>
-            <a:r>
-              <a:rPr b="0" lang="es-AR" sz="11730" spc="-1" strike="noStrike">
-                <a:latin typeface="Arial"/>
-              </a:rPr>
-              <a:t>l</a:t>
-            </a:r>
-            <a:r>
-              <a:rPr b="0" lang="es-AR" sz="11730" spc="-1" strike="noStrike">
-                <a:latin typeface="Arial"/>
-              </a:rPr>
-              <a:t> </a:t>
-            </a:r>
-            <a:r>
-              <a:rPr b="0" lang="es-AR" sz="11730" spc="-1" strike="noStrike">
-                <a:latin typeface="Arial"/>
-              </a:rPr>
-              <a:t>f</a:t>
-            </a:r>
-            <a:r>
-              <a:rPr b="0" lang="es-AR" sz="11730" spc="-1" strike="noStrike">
-                <a:latin typeface="Arial"/>
-              </a:rPr>
-              <a:t>o</a:t>
-            </a:r>
-            <a:r>
-              <a:rPr b="0" lang="es-AR" sz="11730" spc="-1" strike="noStrike">
-                <a:latin typeface="Arial"/>
-              </a:rPr>
-              <a:t>r</a:t>
-            </a:r>
-            <a:r>
-              <a:rPr b="0" lang="es-AR" sz="11730" spc="-1" strike="noStrike">
-                <a:latin typeface="Arial"/>
-              </a:rPr>
-              <a:t>m</a:t>
-            </a:r>
-            <a:r>
-              <a:rPr b="0" lang="es-AR" sz="11730" spc="-1" strike="noStrike">
-                <a:latin typeface="Arial"/>
-              </a:rPr>
-              <a:t>a</a:t>
-            </a:r>
-            <a:r>
-              <a:rPr b="0" lang="es-AR" sz="11730" spc="-1" strike="noStrike">
-                <a:latin typeface="Arial"/>
-              </a:rPr>
-              <a:t>t</a:t>
-            </a:r>
-            <a:r>
-              <a:rPr b="0" lang="es-AR" sz="11730" spc="-1" strike="noStrike">
-                <a:latin typeface="Arial"/>
-              </a:rPr>
-              <a:t>o</a:t>
-            </a:r>
-            <a:r>
-              <a:rPr b="0" lang="es-AR" sz="11730" spc="-1" strike="noStrike">
-                <a:latin typeface="Arial"/>
-              </a:rPr>
-              <a:t> </a:t>
-            </a:r>
-            <a:r>
-              <a:rPr b="0" lang="es-AR" sz="11730" spc="-1" strike="noStrike">
-                <a:latin typeface="Arial"/>
-              </a:rPr>
-              <a:t>d</a:t>
-            </a:r>
-            <a:r>
-              <a:rPr b="0" lang="es-AR" sz="11730" spc="-1" strike="noStrike">
-                <a:latin typeface="Arial"/>
-              </a:rPr>
-              <a:t>e</a:t>
-            </a:r>
-            <a:r>
-              <a:rPr b="0" lang="es-AR" sz="11730" spc="-1" strike="noStrike">
-                <a:latin typeface="Arial"/>
-              </a:rPr>
-              <a:t>l</a:t>
-            </a:r>
-            <a:r>
-              <a:rPr b="0" lang="es-AR" sz="11730" spc="-1" strike="noStrike">
-                <a:latin typeface="Arial"/>
-              </a:rPr>
-              <a:t> </a:t>
-            </a:r>
-            <a:r>
-              <a:rPr b="0" lang="es-AR" sz="11730" spc="-1" strike="noStrike">
-                <a:latin typeface="Arial"/>
-              </a:rPr>
-              <a:t>t</a:t>
-            </a:r>
-            <a:r>
-              <a:rPr b="0" lang="es-AR" sz="11730" spc="-1" strike="noStrike">
-                <a:latin typeface="Arial"/>
-              </a:rPr>
-              <a:t>e</a:t>
-            </a:r>
-            <a:r>
-              <a:rPr b="0" lang="es-AR" sz="11730" spc="-1" strike="noStrike">
-                <a:latin typeface="Arial"/>
-              </a:rPr>
-              <a:t>x</a:t>
-            </a:r>
-            <a:r>
-              <a:rPr b="0" lang="es-AR" sz="11730" spc="-1" strike="noStrike">
-                <a:latin typeface="Arial"/>
-              </a:rPr>
-              <a:t>t</a:t>
-            </a:r>
-            <a:r>
-              <a:rPr b="0" lang="es-AR" sz="11730" spc="-1" strike="noStrike">
-                <a:latin typeface="Arial"/>
-              </a:rPr>
-              <a:t>o</a:t>
-            </a:r>
-            <a:r>
-              <a:rPr b="0" lang="es-AR" sz="11730" spc="-1" strike="noStrike">
-                <a:latin typeface="Arial"/>
-              </a:rPr>
-              <a:t> </a:t>
-            </a:r>
-            <a:r>
-              <a:rPr b="0" lang="es-AR" sz="11730" spc="-1" strike="noStrike">
-                <a:latin typeface="Arial"/>
-              </a:rPr>
-              <a:t>d</a:t>
-            </a:r>
-            <a:r>
-              <a:rPr b="0" lang="es-AR" sz="11730" spc="-1" strike="noStrike">
-                <a:latin typeface="Arial"/>
-              </a:rPr>
-              <a:t>e</a:t>
-            </a:r>
-            <a:r>
-              <a:rPr b="0" lang="es-AR" sz="11730" spc="-1" strike="noStrike">
-                <a:latin typeface="Arial"/>
-              </a:rPr>
-              <a:t> </a:t>
-            </a:r>
-            <a:r>
-              <a:rPr b="0" lang="es-AR" sz="11730" spc="-1" strike="noStrike">
-                <a:latin typeface="Arial"/>
-              </a:rPr>
-              <a:t>t</a:t>
-            </a:r>
-            <a:r>
-              <a:rPr b="0" lang="es-AR" sz="11730" spc="-1" strike="noStrike">
-                <a:latin typeface="Arial"/>
-              </a:rPr>
-              <a:t>í</a:t>
-            </a:r>
-            <a:r>
-              <a:rPr b="0" lang="es-AR" sz="11730" spc="-1" strike="noStrike">
-                <a:latin typeface="Arial"/>
-              </a:rPr>
-              <a:t>t</a:t>
-            </a:r>
-            <a:r>
-              <a:rPr b="0" lang="es-AR" sz="11730" spc="-1" strike="noStrike">
-                <a:latin typeface="Arial"/>
-              </a:rPr>
-              <a:t>u</a:t>
-            </a:r>
-            <a:r>
-              <a:rPr b="0" lang="es-AR" sz="11730" spc="-1" strike="noStrike">
-                <a:latin typeface="Arial"/>
-              </a:rPr>
-              <a:t>l</a:t>
-            </a:r>
-            <a:r>
-              <a:rPr b="0" lang="es-AR" sz="11730" spc="-1" strike="noStrike">
-                <a:latin typeface="Arial"/>
-              </a:rPr>
-              <a:t>o</a:t>
-            </a:r>
-            <a:endParaRPr b="0" lang="es-AR" sz="11730" spc="-1" strike="noStrike">
-              <a:latin typeface="Arial"/>
-            </a:endParaRPr>
-          </a:p>
-        </p:txBody>
-      </p:sp>
-      <p:sp>
-        <p:nvSpPr>
-          <p:cNvPr id="1" name="PlaceHolder 2"/>
+              <a:t>&lt;fecha/hora&gt;</a:t>
+            </a:r>
+            <a:endParaRPr b="0" lang="es-AR" sz="1400" spc="-1" strike="noStrike">
+              <a:latin typeface="Times New Roman"/>
+            </a:endParaRPr>
+          </a:p>
+        </p:txBody>
+      </p:sp>
+      <p:sp>
+        <p:nvSpPr>
+          <p:cNvPr id="4" name="PlaceHolder 5"/>
           <p:cNvSpPr>
             <a:spLocks noGrp="1"/>
           </p:cNvSpPr>
@@ -2622,8 +2523,8 @@
         </p:nvSpPr>
         <p:spPr>
           <a:xfrm>
-            <a:off x="534240" y="3537000"/>
-            <a:ext cx="9622440" cy="8768520"/>
+            <a:off x="534240" y="3537720"/>
+            <a:ext cx="9622080" cy="8768520"/>
           </a:xfrm>
           <a:prstGeom prst="rect">
             <a:avLst/>
@@ -2635,12 +2536,12 @@
         </p:spPr>
         <p:txBody>
           <a:bodyPr lIns="0" rIns="0" tIns="0" bIns="0" anchor="t">
-            <a:normAutofit fontScale="80000"/>
+            <a:normAutofit/>
           </a:bodyPr>
           <a:p>
             <a:pPr marL="432000" indent="-324000">
               <a:spcBef>
-                <a:spcPts val="3776"/>
+                <a:spcPts val="1417"/>
               </a:spcBef>
               <a:buClr>
                 <a:srgbClr val="000000"/>
@@ -2650,19 +2551,19 @@
               <a:buChar char=""/>
             </a:pPr>
             <a:r>
-              <a:rPr b="0" lang="es-AR" sz="8530" spc="-1" strike="noStrike">
+              <a:rPr b="0" lang="es-AR" sz="3200" spc="-1" strike="noStrike">
                 <a:latin typeface="Arial"/>
               </a:rPr>
               <a:t>Pulse para editar el formato de texto del esquema</a:t>
             </a:r>
-            <a:endParaRPr b="0" lang="es-AR" sz="8530" spc="-1" strike="noStrike">
+            <a:endParaRPr b="0" lang="es-AR" sz="3200" spc="-1" strike="noStrike">
               <a:latin typeface="Arial"/>
             </a:endParaRPr>
           </a:p>
           <a:p>
             <a:pPr lvl="1" marL="864000" indent="-324000">
               <a:spcBef>
-                <a:spcPts val="3019"/>
+                <a:spcPts val="1134"/>
               </a:spcBef>
               <a:buClr>
                 <a:srgbClr val="000000"/>
@@ -2672,19 +2573,19 @@
               <a:buChar char=""/>
             </a:pPr>
             <a:r>
-              <a:rPr b="0" lang="es-AR" sz="7469" spc="-1" strike="noStrike">
+              <a:rPr b="0" lang="es-AR" sz="2800" spc="-1" strike="noStrike">
                 <a:latin typeface="Arial"/>
               </a:rPr>
               <a:t>Segundo nivel del esquema</a:t>
             </a:r>
-            <a:endParaRPr b="0" lang="es-AR" sz="7469" spc="-1" strike="noStrike">
+            <a:endParaRPr b="0" lang="es-AR" sz="2800" spc="-1" strike="noStrike">
               <a:latin typeface="Arial"/>
             </a:endParaRPr>
           </a:p>
           <a:p>
             <a:pPr lvl="2" marL="1296000" indent="-288000">
               <a:spcBef>
-                <a:spcPts val="2262"/>
+                <a:spcPts val="850"/>
               </a:spcBef>
               <a:buClr>
                 <a:srgbClr val="000000"/>
@@ -2694,19 +2595,19 @@
               <a:buChar char=""/>
             </a:pPr>
             <a:r>
-              <a:rPr b="0" lang="es-AR" sz="6400" spc="-1" strike="noStrike">
+              <a:rPr b="0" lang="es-AR" sz="2400" spc="-1" strike="noStrike">
                 <a:latin typeface="Arial"/>
               </a:rPr>
               <a:t>Tercer nivel del esquema</a:t>
             </a:r>
-            <a:endParaRPr b="0" lang="es-AR" sz="6400" spc="-1" strike="noStrike">
+            <a:endParaRPr b="0" lang="es-AR" sz="2400" spc="-1" strike="noStrike">
               <a:latin typeface="Arial"/>
             </a:endParaRPr>
           </a:p>
           <a:p>
             <a:pPr lvl="3" marL="1728000" indent="-216000">
               <a:spcBef>
-                <a:spcPts val="1508"/>
+                <a:spcPts val="567"/>
               </a:spcBef>
               <a:buClr>
                 <a:srgbClr val="000000"/>
@@ -2716,19 +2617,19 @@
               <a:buChar char=""/>
             </a:pPr>
             <a:r>
-              <a:rPr b="0" lang="es-AR" sz="5330" spc="-1" strike="noStrike">
+              <a:rPr b="0" lang="es-AR" sz="2000" spc="-1" strike="noStrike">
                 <a:latin typeface="Arial"/>
               </a:rPr>
               <a:t>Cuarto nivel del esquema</a:t>
             </a:r>
-            <a:endParaRPr b="0" lang="es-AR" sz="5330" spc="-1" strike="noStrike">
+            <a:endParaRPr b="0" lang="es-AR" sz="2000" spc="-1" strike="noStrike">
               <a:latin typeface="Arial"/>
             </a:endParaRPr>
           </a:p>
           <a:p>
             <a:pPr lvl="4" marL="2160000" indent="-216000">
               <a:spcBef>
-                <a:spcPts val="751"/>
+                <a:spcPts val="283"/>
               </a:spcBef>
               <a:buClr>
                 <a:srgbClr val="000000"/>
@@ -2738,19 +2639,19 @@
               <a:buChar char=""/>
             </a:pPr>
             <a:r>
-              <a:rPr b="0" lang="es-AR" sz="5330" spc="-1" strike="noStrike">
+              <a:rPr b="0" lang="es-AR" sz="2000" spc="-1" strike="noStrike">
                 <a:latin typeface="Arial"/>
               </a:rPr>
               <a:t>Quinto nivel del esquema</a:t>
             </a:r>
-            <a:endParaRPr b="0" lang="es-AR" sz="5330" spc="-1" strike="noStrike">
+            <a:endParaRPr b="0" lang="es-AR" sz="2000" spc="-1" strike="noStrike">
               <a:latin typeface="Arial"/>
             </a:endParaRPr>
           </a:p>
           <a:p>
             <a:pPr lvl="5" marL="2592000" indent="-216000">
               <a:spcBef>
-                <a:spcPts val="751"/>
+                <a:spcPts val="283"/>
               </a:spcBef>
               <a:buClr>
                 <a:srgbClr val="000000"/>
@@ -2760,19 +2661,19 @@
               <a:buChar char=""/>
             </a:pPr>
             <a:r>
-              <a:rPr b="0" lang="es-AR" sz="5330" spc="-1" strike="noStrike">
+              <a:rPr b="0" lang="es-AR" sz="2000" spc="-1" strike="noStrike">
                 <a:latin typeface="Arial"/>
               </a:rPr>
               <a:t>Sexto nivel del esquema</a:t>
             </a:r>
-            <a:endParaRPr b="0" lang="es-AR" sz="5330" spc="-1" strike="noStrike">
+            <a:endParaRPr b="0" lang="es-AR" sz="2000" spc="-1" strike="noStrike">
               <a:latin typeface="Arial"/>
             </a:endParaRPr>
           </a:p>
           <a:p>
             <a:pPr lvl="6" marL="3024000" indent="-216000">
               <a:spcBef>
-                <a:spcPts val="751"/>
+                <a:spcPts val="283"/>
               </a:spcBef>
               <a:buClr>
                 <a:srgbClr val="000000"/>
@@ -2782,162 +2683,13 @@
               <a:buChar char=""/>
             </a:pPr>
             <a:r>
-              <a:rPr b="0" lang="es-AR" sz="5330" spc="-1" strike="noStrike">
+              <a:rPr b="0" lang="es-AR" sz="2000" spc="-1" strike="noStrike">
                 <a:latin typeface="Arial"/>
               </a:rPr>
               <a:t>Séptimo nivel del esquema</a:t>
             </a:r>
-            <a:endParaRPr b="0" lang="es-AR" sz="5330" spc="-1" strike="noStrike">
-              <a:latin typeface="Arial"/>
-            </a:endParaRPr>
-          </a:p>
-        </p:txBody>
-      </p:sp>
-      <p:sp>
-        <p:nvSpPr>
-          <p:cNvPr id="2" name="PlaceHolder 3"/>
-          <p:cNvSpPr>
-            <a:spLocks noGrp="1"/>
-          </p:cNvSpPr>
-          <p:nvPr>
-            <p:ph type="dt" idx="1"/>
-          </p:nvPr>
-        </p:nvSpPr>
-        <p:spPr>
-          <a:xfrm>
-            <a:off x="534240" y="13773600"/>
-            <a:ext cx="2490840" cy="1041840"/>
-          </a:xfrm>
-          <a:prstGeom prst="rect">
-            <a:avLst/>
-          </a:prstGeom>
-          <a:noFill/>
-          <a:ln w="0">
-            <a:noFill/>
-          </a:ln>
-        </p:spPr>
-        <p:txBody>
-          <a:bodyPr lIns="0" rIns="0" tIns="0" bIns="0" anchor="t">
-            <a:noAutofit/>
-          </a:bodyPr>
-          <a:lstStyle>
-            <a:lvl1pPr>
-              <a:defRPr b="0" lang="es-AR" sz="1400" spc="-1" strike="noStrike">
-                <a:latin typeface="Times New Roman"/>
-              </a:defRPr>
-            </a:lvl1pPr>
-          </a:lstStyle>
-          <a:p>
-            <a:r>
-              <a:rPr b="0" lang="es-AR" sz="1400" spc="-1" strike="noStrike">
-                <a:latin typeface="Times New Roman"/>
-              </a:rPr>
-              <a:t>&lt;fecha/hora&gt;</a:t>
-            </a:r>
-            <a:endParaRPr b="0" lang="es-AR" sz="1400" spc="-1" strike="noStrike">
-              <a:latin typeface="Times New Roman"/>
-            </a:endParaRPr>
-          </a:p>
-        </p:txBody>
-      </p:sp>
-      <p:sp>
-        <p:nvSpPr>
-          <p:cNvPr id="3" name="PlaceHolder 4"/>
-          <p:cNvSpPr>
-            <a:spLocks noGrp="1"/>
-          </p:cNvSpPr>
-          <p:nvPr>
-            <p:ph type="ftr" idx="2"/>
-          </p:nvPr>
-        </p:nvSpPr>
-        <p:spPr>
-          <a:xfrm>
-            <a:off x="3656160" y="13773600"/>
-            <a:ext cx="3389040" cy="1041840"/>
-          </a:xfrm>
-          <a:prstGeom prst="rect">
-            <a:avLst/>
-          </a:prstGeom>
-          <a:noFill/>
-          <a:ln w="0">
-            <a:noFill/>
-          </a:ln>
-        </p:spPr>
-        <p:txBody>
-          <a:bodyPr lIns="0" rIns="0" tIns="0" bIns="0" anchor="t">
-            <a:noAutofit/>
-          </a:bodyPr>
-          <a:lstStyle>
-            <a:lvl1pPr algn="ctr">
-              <a:buNone/>
-              <a:defRPr b="0" lang="es-AR" sz="1400" spc="-1" strike="noStrike">
-                <a:latin typeface="Times New Roman"/>
-              </a:defRPr>
-            </a:lvl1pPr>
-          </a:lstStyle>
-          <a:p>
-            <a:pPr algn="ctr">
-              <a:buNone/>
-            </a:pPr>
-            <a:r>
-              <a:rPr b="0" lang="es-AR" sz="1400" spc="-1" strike="noStrike">
-                <a:latin typeface="Times New Roman"/>
-              </a:rPr>
-              <a:t>&lt;pie de página&gt;</a:t>
-            </a:r>
-            <a:endParaRPr b="0" lang="es-AR" sz="1400" spc="-1" strike="noStrike">
-              <a:latin typeface="Times New Roman"/>
-            </a:endParaRPr>
-          </a:p>
-        </p:txBody>
-      </p:sp>
-      <p:sp>
-        <p:nvSpPr>
-          <p:cNvPr id="4" name="PlaceHolder 5"/>
-          <p:cNvSpPr>
-            <a:spLocks noGrp="1"/>
-          </p:cNvSpPr>
-          <p:nvPr>
-            <p:ph type="sldNum" idx="3"/>
-          </p:nvPr>
-        </p:nvSpPr>
-        <p:spPr>
-          <a:xfrm>
-            <a:off x="7665480" y="13773600"/>
-            <a:ext cx="2490840" cy="1041840"/>
-          </a:xfrm>
-          <a:prstGeom prst="rect">
-            <a:avLst/>
-          </a:prstGeom>
-          <a:noFill/>
-          <a:ln w="0">
-            <a:noFill/>
-          </a:ln>
-        </p:spPr>
-        <p:txBody>
-          <a:bodyPr lIns="0" rIns="0" tIns="0" bIns="0" anchor="t">
-            <a:noAutofit/>
-          </a:bodyPr>
-          <a:lstStyle>
-            <a:lvl1pPr algn="r">
-              <a:buNone/>
-              <a:defRPr b="0" lang="es-AR" sz="1400" spc="-1" strike="noStrike">
-                <a:latin typeface="Times New Roman"/>
-              </a:defRPr>
-            </a:lvl1pPr>
-          </a:lstStyle>
-          <a:p>
-            <a:pPr algn="r">
-              <a:buNone/>
-            </a:pPr>
-            <a:fld id="{C8B803D3-1102-45CD-8219-AE19627B4B5E}" type="slidenum">
-              <a:rPr b="0" lang="es-AR" sz="1400" spc="-1" strike="noStrike">
-                <a:latin typeface="Times New Roman"/>
-              </a:rPr>
-              <a:t>&lt;número&gt;</a:t>
-            </a:fld>
-            <a:endParaRPr b="0" lang="es-AR" sz="1400" spc="-1" strike="noStrike">
-              <a:latin typeface="Times New Roman"/>
+            <a:endParaRPr b="0" lang="es-AR" sz="2000" spc="-1" strike="noStrike">
+              <a:latin typeface="Arial"/>
             </a:endParaRPr>
           </a:p>
         </p:txBody>
@@ -2991,20 +2743,20 @@
         </p:blipFill>
         <p:spPr>
           <a:xfrm>
-            <a:off x="2251440" y="1094040"/>
-            <a:ext cx="451080" cy="249840"/>
-          </a:xfrm>
-          <a:prstGeom prst="rect">
-            <a:avLst/>
-          </a:prstGeom>
-          <a:ln w="0">
-            <a:noFill/>
-          </a:ln>
-        </p:spPr>
-      </p:pic>
-      <p:pic>
-        <p:nvPicPr>
-          <p:cNvPr id="42" name="Picture 4" descr="C:\Users\ecoffey\AppData\Local\Temp\Rar$DRa0.281\Cisco Icons November\30072_Device_server_3156\Png_256\30072_Device_server_3156_major_256.png"/>
+            <a:off x="4366800" y="409680"/>
+            <a:ext cx="681840" cy="385560"/>
+          </a:xfrm>
+          <a:prstGeom prst="rect">
+            <a:avLst/>
+          </a:prstGeom>
+          <a:ln w="0">
+            <a:noFill/>
+          </a:ln>
+        </p:spPr>
+      </p:pic>
+      <p:pic>
+        <p:nvPicPr>
+          <p:cNvPr id="42" name="Picture 2" descr="C:\Users\ecoffey\AppData\Local\Temp\Rar$DRa0.200\Cisco Icons November\30080_Device_switch_3062\Png_256\30080_Device_switch_3062_unknown_256.png"/>
           <p:cNvPicPr/>
           <p:nvPr/>
         </p:nvPicPr>
@@ -3014,718 +2766,246 @@
         </p:blipFill>
         <p:spPr>
           <a:xfrm>
-            <a:off x="2255400" y="1502280"/>
-            <a:ext cx="323640" cy="455400"/>
-          </a:xfrm>
-          <a:prstGeom prst="rect">
-            <a:avLst/>
-          </a:prstGeom>
-          <a:ln w="0">
-            <a:noFill/>
-          </a:ln>
-        </p:spPr>
-      </p:pic>
-      <p:pic>
-        <p:nvPicPr>
-          <p:cNvPr id="43" name="Picture 14" descr="C:\Users\ecoffey\AppData\Local\Temp\Rar$DRa0.836\30073__Device_server_farms_major_64.png"/>
+            <a:off x="6359040" y="2032920"/>
+            <a:ext cx="977760" cy="443160"/>
+          </a:xfrm>
+          <a:prstGeom prst="rect">
+            <a:avLst/>
+          </a:prstGeom>
+          <a:ln w="0">
+            <a:noFill/>
+          </a:ln>
+        </p:spPr>
+      </p:pic>
+      <p:pic>
+        <p:nvPicPr>
+          <p:cNvPr id="43" name="Picture 20" descr="C:\Users\ecoffey\AppData\Local\Temp\Rar$DRa0.403\30090_Device_UCS_switch_unknown_64.png"/>
           <p:cNvPicPr/>
           <p:nvPr/>
         </p:nvPicPr>
         <p:blipFill>
           <a:blip r:embed="rId3"/>
-          <a:stretch/>
-        </p:blipFill>
-        <p:spPr>
-          <a:xfrm>
-            <a:off x="2670480" y="1499400"/>
-            <a:ext cx="657360" cy="643320"/>
-          </a:xfrm>
-          <a:prstGeom prst="rect">
-            <a:avLst/>
-          </a:prstGeom>
-          <a:ln w="0">
-            <a:noFill/>
-          </a:ln>
-        </p:spPr>
-      </p:pic>
-      <p:pic>
-        <p:nvPicPr>
-          <p:cNvPr id="44" name="Picture 26" descr="C:\Users\ecoffey\AppData\Local\Temp\Rar$DRa0.727\30078_Device_storage_array_unreachable_256.png"/>
+          <a:srcRect l="0" t="13703" r="0" b="14767"/>
+          <a:stretch/>
+        </p:blipFill>
+        <p:spPr>
+          <a:xfrm>
+            <a:off x="7419960" y="2024640"/>
+            <a:ext cx="1017720" cy="437400"/>
+          </a:xfrm>
+          <a:prstGeom prst="rect">
+            <a:avLst/>
+          </a:prstGeom>
+          <a:ln w="0">
+            <a:noFill/>
+          </a:ln>
+        </p:spPr>
+      </p:pic>
+      <p:pic>
+        <p:nvPicPr>
+          <p:cNvPr id="44" name="Picture 10" descr="C:\Users\ecoffey\AppData\Local\Temp\Rar$DRa0.160\30042_Device_layer3_switch_unknown_64.png"/>
           <p:cNvPicPr/>
           <p:nvPr/>
         </p:nvPicPr>
         <p:blipFill>
           <a:blip r:embed="rId4"/>
-          <a:srcRect l="16270" t="6437" r="23092" b="5670"/>
-          <a:stretch/>
-        </p:blipFill>
-        <p:spPr>
-          <a:xfrm>
-            <a:off x="3429360" y="1490400"/>
-            <a:ext cx="480960" cy="681840"/>
-          </a:xfrm>
-          <a:prstGeom prst="rect">
-            <a:avLst/>
-          </a:prstGeom>
-          <a:ln w="0">
-            <a:noFill/>
-          </a:ln>
-        </p:spPr>
-      </p:pic>
-      <p:pic>
-        <p:nvPicPr>
-          <p:cNvPr id="45" name="Picture 1" descr="C:\Users\ecoffey\AppData\Local\Temp\Rar$DRa0.506\30079__Device_storage_router_unreachable_256.png"/>
+          <a:srcRect l="650" t="5729" r="1240" b="2835"/>
+          <a:stretch/>
+        </p:blipFill>
+        <p:spPr>
+          <a:xfrm>
+            <a:off x="4255200" y="1794960"/>
+            <a:ext cx="872640" cy="812520"/>
+          </a:xfrm>
+          <a:prstGeom prst="rect">
+            <a:avLst/>
+          </a:prstGeom>
+          <a:ln w="0">
+            <a:noFill/>
+          </a:ln>
+        </p:spPr>
+      </p:pic>
+      <p:pic>
+        <p:nvPicPr>
+          <p:cNvPr id="45" name="Picture 11" descr="C:\Users\ecoffey\AppData\Local\Temp\Rar$DRa0.539\30037_Device_IOS_SLB_unknown_64.png"/>
           <p:cNvPicPr/>
           <p:nvPr/>
         </p:nvPicPr>
         <p:blipFill>
           <a:blip r:embed="rId5"/>
-          <a:srcRect l="19622" t="6526" r="19327" b="5345"/>
-          <a:stretch/>
-        </p:blipFill>
-        <p:spPr>
-          <a:xfrm>
-            <a:off x="3506760" y="2353680"/>
-            <a:ext cx="370800" cy="523440"/>
-          </a:xfrm>
-          <a:prstGeom prst="rect">
-            <a:avLst/>
-          </a:prstGeom>
-          <a:ln w="0">
-            <a:noFill/>
-          </a:ln>
-        </p:spPr>
-      </p:pic>
-      <p:pic>
-        <p:nvPicPr>
-          <p:cNvPr id="46" name="Picture 2" descr="C:\Users\ecoffey\AppData\Local\Temp\Rar$DRa0.200\Cisco Icons November\30080_Device_switch_3062\Png_256\30080_Device_switch_3062_unknown_256.png"/>
+          <a:srcRect l="0" t="15594" r="0" b="13703"/>
+          <a:stretch/>
+        </p:blipFill>
+        <p:spPr>
+          <a:xfrm>
+            <a:off x="8066520" y="5027760"/>
+            <a:ext cx="679680" cy="480240"/>
+          </a:xfrm>
+          <a:prstGeom prst="rect">
+            <a:avLst/>
+          </a:prstGeom>
+          <a:ln w="0">
+            <a:noFill/>
+          </a:ln>
+        </p:spPr>
+      </p:pic>
+      <p:pic>
+        <p:nvPicPr>
+          <p:cNvPr id="46" name="" descr=""/>
           <p:cNvPicPr/>
           <p:nvPr/>
         </p:nvPicPr>
         <p:blipFill>
           <a:blip r:embed="rId6"/>
-          <a:stretch/>
-        </p:blipFill>
-        <p:spPr>
-          <a:xfrm>
-            <a:off x="2769120" y="1105560"/>
-            <a:ext cx="447120" cy="198720"/>
-          </a:xfrm>
-          <a:prstGeom prst="rect">
-            <a:avLst/>
-          </a:prstGeom>
-          <a:ln w="0">
-            <a:noFill/>
-          </a:ln>
-        </p:spPr>
-      </p:pic>
-      <p:pic>
-        <p:nvPicPr>
-          <p:cNvPr id="47" name="Picture 20" descr="C:\Users\ecoffey\AppData\Local\Temp\Rar$DRa0.403\30090_Device_UCS_switch_unknown_64.png"/>
+          <a:srcRect l="11168" t="11149" r="11338" b="11357"/>
+          <a:stretch/>
+        </p:blipFill>
+        <p:spPr>
+          <a:xfrm>
+            <a:off x="6628320" y="3219480"/>
+            <a:ext cx="849600" cy="849600"/>
+          </a:xfrm>
+          <a:prstGeom prst="rect">
+            <a:avLst/>
+          </a:prstGeom>
+          <a:ln w="0">
+            <a:noFill/>
+          </a:ln>
+        </p:spPr>
+      </p:pic>
+      <p:pic>
+        <p:nvPicPr>
+          <p:cNvPr id="47" name="Picture 12" descr="C:\Users\ecoffey\AppData\Local\Temp\Rar$DRa0.591\30033_Device_generic_gateway_unknown_64.png"/>
           <p:cNvPicPr/>
           <p:nvPr/>
         </p:nvPicPr>
         <p:blipFill>
           <a:blip r:embed="rId7"/>
-          <a:srcRect l="0" t="13703" r="0" b="14767"/>
-          <a:stretch/>
-        </p:blipFill>
-        <p:spPr>
-          <a:xfrm>
-            <a:off x="3303360" y="1108440"/>
-            <a:ext cx="460080" cy="193680"/>
-          </a:xfrm>
-          <a:prstGeom prst="rect">
-            <a:avLst/>
-          </a:prstGeom>
-          <a:ln w="0">
-            <a:noFill/>
-          </a:ln>
-        </p:spPr>
-      </p:pic>
-      <p:pic>
-        <p:nvPicPr>
-          <p:cNvPr id="48" name="Picture 3" descr="C:\Users\ecoffey\AppData\Local\Temp\Rar$DRa0.323\30097_Device_virtual_server_major_64.png"/>
+          <a:stretch/>
+        </p:blipFill>
+        <p:spPr>
+          <a:xfrm>
+            <a:off x="3579840" y="243720"/>
+            <a:ext cx="713880" cy="713880"/>
+          </a:xfrm>
+          <a:prstGeom prst="rect">
+            <a:avLst/>
+          </a:prstGeom>
+          <a:ln w="0">
+            <a:noFill/>
+          </a:ln>
+        </p:spPr>
+      </p:pic>
+      <p:pic>
+        <p:nvPicPr>
+          <p:cNvPr id="48" name="Picture 17" descr="C:\Users\ecoffey\AppData\Local\Temp\Rar$DRa0.963\Cisco Icons November\30029_Device_firewall_3130\Png_256\30029_Device_firewall_3130_unknown_256.png"/>
           <p:cNvPicPr/>
           <p:nvPr/>
         </p:nvPicPr>
         <p:blipFill>
           <a:blip r:embed="rId8"/>
-          <a:srcRect l="9805" t="0" r="11695" b="0"/>
-          <a:stretch/>
-        </p:blipFill>
-        <p:spPr>
-          <a:xfrm>
-            <a:off x="2373480" y="2294640"/>
-            <a:ext cx="166320" cy="207360"/>
-          </a:xfrm>
-          <a:prstGeom prst="rect">
-            <a:avLst/>
-          </a:prstGeom>
-          <a:ln w="0">
-            <a:noFill/>
-          </a:ln>
-        </p:spPr>
-      </p:pic>
-      <p:pic>
-        <p:nvPicPr>
-          <p:cNvPr id="49" name="Picture 5" descr="C:\Users\ecoffey\AppData\Local\Temp\Rar$DRa0.323\30097_Device_virtual_server_major_64.png"/>
+          <a:stretch/>
+        </p:blipFill>
+        <p:spPr>
+          <a:xfrm>
+            <a:off x="220680" y="7537680"/>
+            <a:ext cx="519480" cy="802800"/>
+          </a:xfrm>
+          <a:prstGeom prst="rect">
+            <a:avLst/>
+          </a:prstGeom>
+          <a:ln w="0">
+            <a:noFill/>
+          </a:ln>
+        </p:spPr>
+      </p:pic>
+      <p:pic>
+        <p:nvPicPr>
+          <p:cNvPr id="49" name="Picture 22" descr="C:\Users\ecoffey\AppData\Local\Temp\Rar$DRa0.262\30020__Device_detector_unknown_64.png"/>
           <p:cNvPicPr/>
           <p:nvPr/>
         </p:nvPicPr>
         <p:blipFill>
           <a:blip r:embed="rId9"/>
-          <a:srcRect l="9805" t="0" r="11695" b="0"/>
-          <a:stretch/>
-        </p:blipFill>
-        <p:spPr>
-          <a:xfrm>
-            <a:off x="2577240" y="2295000"/>
-            <a:ext cx="166320" cy="207360"/>
-          </a:xfrm>
-          <a:prstGeom prst="rect">
-            <a:avLst/>
-          </a:prstGeom>
-          <a:ln w="0">
-            <a:noFill/>
-          </a:ln>
-        </p:spPr>
-      </p:pic>
-      <p:pic>
-        <p:nvPicPr>
-          <p:cNvPr id="50" name="Picture 7" descr="C:\Users\ecoffey\AppData\Local\Temp\Rar$DRa0.323\30097_Device_virtual_server_major_64.png"/>
+          <a:srcRect l="0" t="12877" r="0" b="11164"/>
+          <a:stretch/>
+        </p:blipFill>
+        <p:spPr>
+          <a:xfrm>
+            <a:off x="8618040" y="9314280"/>
+            <a:ext cx="952560" cy="722520"/>
+          </a:xfrm>
+          <a:prstGeom prst="rect">
+            <a:avLst/>
+          </a:prstGeom>
+          <a:ln w="0">
+            <a:noFill/>
+          </a:ln>
+        </p:spPr>
+      </p:pic>
+      <p:pic>
+        <p:nvPicPr>
+          <p:cNvPr id="50" name="Picture 24" descr="C:\Users\ecoffey\AppData\Local\Temp\Rar$DRa0.934\30010_Device_cluster_controller_critical_64.png"/>
           <p:cNvPicPr/>
           <p:nvPr/>
         </p:nvPicPr>
         <p:blipFill>
           <a:blip r:embed="rId10"/>
-          <a:srcRect l="9805" t="0" r="11695" b="0"/>
-          <a:stretch/>
-        </p:blipFill>
-        <p:spPr>
-          <a:xfrm>
-            <a:off x="2781360" y="2295000"/>
-            <a:ext cx="166320" cy="207720"/>
-          </a:xfrm>
-          <a:prstGeom prst="rect">
-            <a:avLst/>
-          </a:prstGeom>
-          <a:ln w="0">
-            <a:noFill/>
-          </a:ln>
-        </p:spPr>
-      </p:pic>
-      <p:pic>
-        <p:nvPicPr>
-          <p:cNvPr id="51" name="Picture 8" descr="C:\Users\ecoffey\AppData\Local\Temp\Rar$DRa0.323\30097_Device_virtual_server_major_64.png"/>
+          <a:srcRect l="0" t="14767" r="0" b="15003"/>
+          <a:stretch/>
+        </p:blipFill>
+        <p:spPr>
+          <a:xfrm>
+            <a:off x="2684160" y="3581640"/>
+            <a:ext cx="585360" cy="373320"/>
+          </a:xfrm>
+          <a:prstGeom prst="rect">
+            <a:avLst/>
+          </a:prstGeom>
+          <a:ln w="0">
+            <a:noFill/>
+          </a:ln>
+        </p:spPr>
+      </p:pic>
+      <p:pic>
+        <p:nvPicPr>
+          <p:cNvPr id="51" name="Picture 25" descr="C:\Users\ecoffey\AppData\Local\Temp\Rar$DRa0.934\30010_Device_cluster_controller_minor_64.png"/>
           <p:cNvPicPr/>
           <p:nvPr/>
         </p:nvPicPr>
         <p:blipFill>
           <a:blip r:embed="rId11"/>
-          <a:srcRect l="9805" t="0" r="11695" b="0"/>
-          <a:stretch/>
-        </p:blipFill>
-        <p:spPr>
-          <a:xfrm>
-            <a:off x="2985120" y="2295360"/>
-            <a:ext cx="166320" cy="207720"/>
-          </a:xfrm>
-          <a:prstGeom prst="rect">
-            <a:avLst/>
-          </a:prstGeom>
-          <a:ln w="0">
-            <a:noFill/>
-          </a:ln>
-        </p:spPr>
-      </p:pic>
-      <p:pic>
-        <p:nvPicPr>
-          <p:cNvPr id="52" name="Picture 9" descr="C:\Users\ecoffey\AppData\Local\Temp\Rar$DRa0.742\30104_Device_www_server_major_64.png"/>
+          <a:srcRect l="0" t="14885" r="0" b="15535"/>
+          <a:stretch/>
+        </p:blipFill>
+        <p:spPr>
+          <a:xfrm>
+            <a:off x="2683440" y="4002120"/>
+            <a:ext cx="575280" cy="363600"/>
+          </a:xfrm>
+          <a:prstGeom prst="rect">
+            <a:avLst/>
+          </a:prstGeom>
+          <a:ln w="0">
+            <a:noFill/>
+          </a:ln>
+        </p:spPr>
+      </p:pic>
+      <p:pic>
+        <p:nvPicPr>
+          <p:cNvPr id="52" name="Picture 27" descr="C:\Users\ecoffey\AppData\Local\Temp\Rar$DRa0.934\30010_Device_cluster_controller_unknown_64.png"/>
           <p:cNvPicPr/>
           <p:nvPr/>
         </p:nvPicPr>
         <p:blipFill>
           <a:blip r:embed="rId12"/>
-          <a:srcRect l="0" t="4548" r="0" b="5257"/>
-          <a:stretch/>
-        </p:blipFill>
-        <p:spPr>
-          <a:xfrm>
-            <a:off x="2063160" y="2295000"/>
-            <a:ext cx="252360" cy="222120"/>
-          </a:xfrm>
-          <a:prstGeom prst="rect">
-            <a:avLst/>
-          </a:prstGeom>
-          <a:ln w="0">
-            <a:noFill/>
-          </a:ln>
-        </p:spPr>
-      </p:pic>
-      <p:pic>
-        <p:nvPicPr>
-          <p:cNvPr id="53" name="Picture 10" descr="C:\Users\ecoffey\AppData\Local\Temp\Rar$DRa0.160\30042_Device_layer3_switch_unknown_64.png"/>
-          <p:cNvPicPr/>
-          <p:nvPr/>
-        </p:nvPicPr>
-        <p:blipFill>
-          <a:blip r:embed="rId13"/>
-          <a:srcRect l="650" t="5729" r="1240" b="2835"/>
-          <a:stretch/>
-        </p:blipFill>
-        <p:spPr>
-          <a:xfrm>
-            <a:off x="3816720" y="1111680"/>
-            <a:ext cx="206640" cy="187920"/>
-          </a:xfrm>
-          <a:prstGeom prst="rect">
-            <a:avLst/>
-          </a:prstGeom>
-          <a:ln w="0">
-            <a:noFill/>
-          </a:ln>
-        </p:spPr>
-      </p:pic>
-      <p:pic>
-        <p:nvPicPr>
-          <p:cNvPr id="54" name="Picture 11" descr="C:\Users\ecoffey\AppData\Local\Temp\Rar$DRa0.539\30037_Device_IOS_SLB_unknown_64.png"/>
-          <p:cNvPicPr/>
-          <p:nvPr/>
-        </p:nvPicPr>
-        <p:blipFill>
-          <a:blip r:embed="rId14"/>
-          <a:srcRect l="0" t="15594" r="0" b="13703"/>
-          <a:stretch/>
-        </p:blipFill>
-        <p:spPr>
-          <a:xfrm>
-            <a:off x="4111920" y="1103040"/>
-            <a:ext cx="274320" cy="189720"/>
-          </a:xfrm>
-          <a:prstGeom prst="rect">
-            <a:avLst/>
-          </a:prstGeom>
-          <a:ln w="0">
-            <a:noFill/>
-          </a:ln>
-        </p:spPr>
-      </p:pic>
-      <p:pic>
-        <p:nvPicPr>
-          <p:cNvPr id="55" name="" descr=""/>
-          <p:cNvPicPr/>
-          <p:nvPr/>
-        </p:nvPicPr>
-        <p:blipFill>
-          <a:blip r:embed="rId15"/>
-          <a:srcRect l="11168" t="11149" r="11338" b="11357"/>
-          <a:stretch/>
-        </p:blipFill>
-        <p:spPr>
-          <a:xfrm>
-            <a:off x="4455000" y="1105200"/>
-            <a:ext cx="290520" cy="284040"/>
-          </a:xfrm>
-          <a:prstGeom prst="rect">
-            <a:avLst/>
-          </a:prstGeom>
-          <a:ln w="0">
-            <a:noFill/>
-          </a:ln>
-        </p:spPr>
-      </p:pic>
-      <p:pic>
-        <p:nvPicPr>
-          <p:cNvPr id="56" name="Picture 12" descr="C:\Users\ecoffey\AppData\Local\Temp\Rar$DRa0.591\30033_Device_generic_gateway_unknown_64.png"/>
-          <p:cNvPicPr/>
-          <p:nvPr/>
-        </p:nvPicPr>
-        <p:blipFill>
-          <a:blip r:embed="rId16"/>
-          <a:stretch/>
-        </p:blipFill>
-        <p:spPr>
-          <a:xfrm>
-            <a:off x="1746720" y="903240"/>
-            <a:ext cx="447480" cy="438120"/>
-          </a:xfrm>
-          <a:prstGeom prst="rect">
-            <a:avLst/>
-          </a:prstGeom>
-          <a:ln w="0">
-            <a:noFill/>
-          </a:ln>
-        </p:spPr>
-      </p:pic>
-      <p:pic>
-        <p:nvPicPr>
-          <p:cNvPr id="57" name="Picture 13" descr="C:\Users\ecoffey\AppData\Local\Temp\Rar$DRa0.062\Cisco Icons November\30031_Device_generic_3048\Png_256\30029_Device_firewall_3130_unknown_256.png"/>
-          <p:cNvPicPr/>
-          <p:nvPr/>
-        </p:nvPicPr>
-        <p:blipFill>
-          <a:blip r:embed="rId17"/>
-          <a:stretch/>
-        </p:blipFill>
-        <p:spPr>
-          <a:xfrm>
-            <a:off x="1288080" y="901440"/>
-            <a:ext cx="346320" cy="422640"/>
-          </a:xfrm>
-          <a:prstGeom prst="rect">
-            <a:avLst/>
-          </a:prstGeom>
-          <a:ln w="0">
-            <a:noFill/>
-          </a:ln>
-        </p:spPr>
-      </p:pic>
-      <p:pic>
-        <p:nvPicPr>
-          <p:cNvPr id="58" name="Picture 15" descr="C:\Users\ecoffey\AppData\Local\Temp\Rar$DRa0.062\Cisco Icons November\30031_Device_generic_3048\Png_256\30029_Device_firewall_3130_unmanaged_256.png"/>
-          <p:cNvPicPr/>
-          <p:nvPr/>
-        </p:nvPicPr>
-        <p:blipFill>
-          <a:blip r:embed="rId18"/>
-          <a:stretch/>
-        </p:blipFill>
-        <p:spPr>
-          <a:xfrm>
-            <a:off x="865800" y="901800"/>
-            <a:ext cx="339480" cy="419040"/>
-          </a:xfrm>
-          <a:prstGeom prst="rect">
-            <a:avLst/>
-          </a:prstGeom>
-          <a:ln w="0">
-            <a:noFill/>
-          </a:ln>
-        </p:spPr>
-      </p:pic>
-      <p:pic>
-        <p:nvPicPr>
-          <p:cNvPr id="59" name="Picture 16" descr="C:\Users\ecoffey\AppData\Local\Temp\Rar$DRa0.062\Cisco Icons November\30031_Device_generic_3048\Png_256\30029_Device_firewall_3130_critical_256.png"/>
-          <p:cNvPicPr/>
-          <p:nvPr/>
-        </p:nvPicPr>
-        <p:blipFill>
-          <a:blip r:embed="rId19"/>
-          <a:stretch/>
-        </p:blipFill>
-        <p:spPr>
-          <a:xfrm>
-            <a:off x="455400" y="900000"/>
-            <a:ext cx="344160" cy="422280"/>
-          </a:xfrm>
-          <a:prstGeom prst="rect">
-            <a:avLst/>
-          </a:prstGeom>
-          <a:ln w="0">
-            <a:noFill/>
-          </a:ln>
-        </p:spPr>
-      </p:pic>
-      <p:pic>
-        <p:nvPicPr>
-          <p:cNvPr id="60" name="Picture 17" descr="C:\Users\ecoffey\AppData\Local\Temp\Rar$DRa0.963\Cisco Icons November\30029_Device_firewall_3130\Png_256\30029_Device_firewall_3130_unknown_256.png"/>
-          <p:cNvPicPr/>
-          <p:nvPr/>
-        </p:nvPicPr>
-        <p:blipFill>
-          <a:blip r:embed="rId20"/>
-          <a:stretch/>
-        </p:blipFill>
-        <p:spPr>
-          <a:xfrm>
-            <a:off x="4828680" y="936000"/>
-            <a:ext cx="253080" cy="382320"/>
-          </a:xfrm>
-          <a:prstGeom prst="rect">
-            <a:avLst/>
-          </a:prstGeom>
-          <a:ln w="0">
-            <a:noFill/>
-          </a:ln>
-        </p:spPr>
-      </p:pic>
-      <p:pic>
-        <p:nvPicPr>
-          <p:cNvPr id="61" name="Picture 18" descr="C:\Users\ecoffey\AppData\Local\Temp\Rar$DRa0.376\30028_Device_file_server_major_64.png"/>
-          <p:cNvPicPr/>
-          <p:nvPr/>
-        </p:nvPicPr>
-        <p:blipFill>
-          <a:blip r:embed="rId21"/>
-          <a:srcRect l="14412" t="0" r="15239" b="-354"/>
-          <a:stretch/>
-        </p:blipFill>
-        <p:spPr>
-          <a:xfrm>
-            <a:off x="2880360" y="2665080"/>
-            <a:ext cx="200880" cy="281160"/>
-          </a:xfrm>
-          <a:prstGeom prst="rect">
-            <a:avLst/>
-          </a:prstGeom>
-          <a:ln w="0">
-            <a:noFill/>
-          </a:ln>
-        </p:spPr>
-      </p:pic>
-      <p:pic>
-        <p:nvPicPr>
-          <p:cNvPr id="62" name="Picture 19" descr="C:\Users\ecoffey\AppData\Local\Temp\Rar$DRa0.476\30027_Device_fibre_channel_storage_unreachable_256.png"/>
-          <p:cNvPicPr/>
-          <p:nvPr/>
-        </p:nvPicPr>
-        <p:blipFill>
-          <a:blip r:embed="rId22"/>
-          <a:srcRect l="5286" t="20818" r="5182" b="24376"/>
-          <a:stretch/>
-        </p:blipFill>
-        <p:spPr>
-          <a:xfrm>
-            <a:off x="4020840" y="1569240"/>
-            <a:ext cx="542520" cy="325080"/>
-          </a:xfrm>
-          <a:prstGeom prst="rect">
-            <a:avLst/>
-          </a:prstGeom>
-          <a:ln w="0">
-            <a:noFill/>
-          </a:ln>
-        </p:spPr>
-      </p:pic>
-      <p:pic>
-        <p:nvPicPr>
-          <p:cNvPr id="63" name="Picture 21" descr="C:\Users\ecoffey\AppData\Local\Temp\Rar$DRa0.823\30026_Device_fibre_channel_fabric_switch_unreachable_256.png"/>
-          <p:cNvPicPr/>
-          <p:nvPr/>
-        </p:nvPicPr>
-        <p:blipFill>
-          <a:blip r:embed="rId23"/>
-          <a:srcRect l="5271" t="4164" r="5478" b="3868"/>
-          <a:stretch/>
-        </p:blipFill>
-        <p:spPr>
-          <a:xfrm>
-            <a:off x="4038480" y="1986840"/>
-            <a:ext cx="459720" cy="463320"/>
-          </a:xfrm>
-          <a:prstGeom prst="rect">
-            <a:avLst/>
-          </a:prstGeom>
-          <a:ln w="0">
-            <a:noFill/>
-          </a:ln>
-        </p:spPr>
-      </p:pic>
-      <p:pic>
-        <p:nvPicPr>
-          <p:cNvPr id="64" name="Picture 22" descr="C:\Users\ecoffey\AppData\Local\Temp\Rar$DRa0.262\30020__Device_detector_unknown_64.png"/>
-          <p:cNvPicPr/>
-          <p:nvPr/>
-        </p:nvPicPr>
-        <p:blipFill>
-          <a:blip r:embed="rId24"/>
-          <a:srcRect l="0" t="12877" r="0" b="11164"/>
-          <a:stretch/>
-        </p:blipFill>
-        <p:spPr>
-          <a:xfrm>
-            <a:off x="5216040" y="1084680"/>
-            <a:ext cx="317880" cy="236160"/>
-          </a:xfrm>
-          <a:prstGeom prst="rect">
-            <a:avLst/>
-          </a:prstGeom>
-          <a:ln w="0">
-            <a:noFill/>
-          </a:ln>
-        </p:spPr>
-      </p:pic>
-      <p:pic>
-        <p:nvPicPr>
-          <p:cNvPr id="65" name="Picture 23" descr="C:\Users\ecoffey\AppData\Local\Temp\Rar$DRa0.173\30019_Device_database_unreachable_256.png"/>
-          <p:cNvPicPr/>
-          <p:nvPr/>
-        </p:nvPicPr>
-        <p:blipFill>
-          <a:blip r:embed="rId25"/>
-          <a:srcRect l="10822" t="30932" r="11191" b="24199"/>
-          <a:stretch/>
-        </p:blipFill>
-        <p:spPr>
-          <a:xfrm>
-            <a:off x="4051800" y="2575440"/>
-            <a:ext cx="423000" cy="237960"/>
-          </a:xfrm>
-          <a:prstGeom prst="rect">
-            <a:avLst/>
-          </a:prstGeom>
-          <a:ln w="0">
-            <a:noFill/>
-          </a:ln>
-        </p:spPr>
-      </p:pic>
-      <p:pic>
-        <p:nvPicPr>
-          <p:cNvPr id="66" name="Picture 24" descr="C:\Users\ecoffey\AppData\Local\Temp\Rar$DRa0.934\30010_Device_cluster_controller_critical_64.png"/>
-          <p:cNvPicPr/>
-          <p:nvPr/>
-        </p:nvPicPr>
-        <p:blipFill>
-          <a:blip r:embed="rId26"/>
-          <a:srcRect l="0" t="14767" r="0" b="15003"/>
-          <a:stretch/>
-        </p:blipFill>
-        <p:spPr>
-          <a:xfrm>
-            <a:off x="453240" y="1420920"/>
-            <a:ext cx="341640" cy="234360"/>
-          </a:xfrm>
-          <a:prstGeom prst="rect">
-            <a:avLst/>
-          </a:prstGeom>
-          <a:ln w="0">
-            <a:noFill/>
-          </a:ln>
-        </p:spPr>
-      </p:pic>
-      <p:pic>
-        <p:nvPicPr>
-          <p:cNvPr id="67" name="Picture 25" descr="C:\Users\ecoffey\AppData\Local\Temp\Rar$DRa0.934\30010_Device_cluster_controller_minor_64.png"/>
-          <p:cNvPicPr/>
-          <p:nvPr/>
-        </p:nvPicPr>
-        <p:blipFill>
-          <a:blip r:embed="rId27"/>
-          <a:srcRect l="0" t="14885" r="0" b="15535"/>
-          <a:stretch/>
-        </p:blipFill>
-        <p:spPr>
-          <a:xfrm>
-            <a:off x="853200" y="1424160"/>
-            <a:ext cx="335880" cy="228240"/>
-          </a:xfrm>
-          <a:prstGeom prst="rect">
-            <a:avLst/>
-          </a:prstGeom>
-          <a:ln w="0">
-            <a:noFill/>
-          </a:ln>
-        </p:spPr>
-      </p:pic>
-      <p:pic>
-        <p:nvPicPr>
-          <p:cNvPr id="68" name="Picture 27" descr="C:\Users\ecoffey\AppData\Local\Temp\Rar$DRa0.934\30010_Device_cluster_controller_unknown_64.png"/>
-          <p:cNvPicPr/>
-          <p:nvPr/>
-        </p:nvPicPr>
-        <p:blipFill>
-          <a:blip r:embed="rId28"/>
           <a:srcRect l="0" t="14885" r="0" b="15062"/>
           <a:stretch/>
         </p:blipFill>
         <p:spPr>
           <a:xfrm>
-            <a:off x="1265760" y="1425960"/>
-            <a:ext cx="329040" cy="225360"/>
-          </a:xfrm>
-          <a:prstGeom prst="rect">
-            <a:avLst/>
-          </a:prstGeom>
-          <a:ln w="0">
-            <a:noFill/>
-          </a:ln>
-        </p:spPr>
-      </p:pic>
-      <p:pic>
-        <p:nvPicPr>
-          <p:cNvPr id="69" name="Picture 28" descr="C:\Users\ecoffey\AppData\Local\Temp\Rar$DRa0.400\30009_Device_cloud_white_default_256.png"/>
-          <p:cNvPicPr/>
-          <p:nvPr/>
-        </p:nvPicPr>
-        <p:blipFill>
-          <a:blip r:embed="rId29"/>
-          <a:srcRect l="0" t="19194" r="0" b="20242"/>
-          <a:stretch/>
-        </p:blipFill>
-        <p:spPr>
-          <a:xfrm>
-            <a:off x="4828680" y="1478880"/>
-            <a:ext cx="1840320" cy="1090080"/>
-          </a:xfrm>
-          <a:prstGeom prst="rect">
-            <a:avLst/>
-          </a:prstGeom>
-          <a:ln w="0">
-            <a:noFill/>
-          </a:ln>
-        </p:spPr>
-      </p:pic>
-      <p:pic>
-        <p:nvPicPr>
-          <p:cNvPr id="70" name="Picture 29" descr="C:\Users\ecoffey\AppData\Local\Temp\Rar$DRa0.281\Cisco Icons November\30072_Device_server_3156\Png_256\30072_Device_server_3156_critical_256.png"/>
-          <p:cNvPicPr/>
-          <p:nvPr/>
-        </p:nvPicPr>
-        <p:blipFill>
-          <a:blip r:embed="rId30"/>
-          <a:stretch/>
-        </p:blipFill>
-        <p:spPr>
-          <a:xfrm>
-            <a:off x="461520" y="1769040"/>
-            <a:ext cx="321120" cy="443520"/>
-          </a:xfrm>
-          <a:prstGeom prst="rect">
-            <a:avLst/>
-          </a:prstGeom>
-          <a:ln w="0">
-            <a:noFill/>
-          </a:ln>
-        </p:spPr>
-      </p:pic>
-      <p:pic>
-        <p:nvPicPr>
-          <p:cNvPr id="71" name="Picture 30" descr="C:\Users\ecoffey\AppData\Local\Temp\Rar$DRa0.281\Cisco Icons November\30072_Device_server_3156\Png_256\30072_Device_server_3156_minor_256.png"/>
-          <p:cNvPicPr/>
-          <p:nvPr/>
-        </p:nvPicPr>
-        <p:blipFill>
-          <a:blip r:embed="rId31"/>
-          <a:stretch/>
-        </p:blipFill>
-        <p:spPr>
-          <a:xfrm>
-            <a:off x="869040" y="1771200"/>
-            <a:ext cx="321120" cy="443160"/>
-          </a:xfrm>
-          <a:prstGeom prst="rect">
-            <a:avLst/>
-          </a:prstGeom>
-          <a:ln w="0">
-            <a:noFill/>
-          </a:ln>
-        </p:spPr>
-      </p:pic>
-      <p:pic>
-        <p:nvPicPr>
-          <p:cNvPr id="72" name="Picture 31" descr="C:\Users\ecoffey\AppData\Local\Temp\Rar$DRa0.281\Cisco Icons November\30072_Device_server_3156\Png_256\30072_Device_server_3156_unknown_256.png"/>
-          <p:cNvPicPr/>
-          <p:nvPr/>
-        </p:nvPicPr>
-        <p:blipFill>
-          <a:blip r:embed="rId32"/>
-          <a:stretch/>
-        </p:blipFill>
-        <p:spPr>
-          <a:xfrm>
-            <a:off x="1309320" y="1770480"/>
-            <a:ext cx="320760" cy="443520"/>
+            <a:off x="2682360" y="3147480"/>
+            <a:ext cx="563760" cy="358920"/>
           </a:xfrm>
           <a:prstGeom prst="rect">
             <a:avLst/>
@@ -3737,32 +3017,32 @@
       </p:pic>
       <p:grpSp>
         <p:nvGrpSpPr>
-          <p:cNvPr id="73" name=""/>
+          <p:cNvPr id="53" name=""/>
           <p:cNvGrpSpPr/>
           <p:nvPr/>
         </p:nvGrpSpPr>
         <p:grpSpPr>
           <a:xfrm>
-            <a:off x="5634720" y="1010160"/>
-            <a:ext cx="446400" cy="296280"/>
-            <a:chOff x="5634720" y="1010160"/>
-            <a:chExt cx="446400" cy="296280"/>
+            <a:off x="2782080" y="7590240"/>
+            <a:ext cx="957960" cy="650520"/>
+            <a:chOff x="2782080" y="7590240"/>
+            <a:chExt cx="957960" cy="650520"/>
           </a:xfrm>
         </p:grpSpPr>
         <p:pic>
           <p:nvPicPr>
-            <p:cNvPr id="74" name="" descr=""/>
+            <p:cNvPr id="54" name="" descr=""/>
             <p:cNvPicPr/>
             <p:nvPr/>
           </p:nvPicPr>
           <p:blipFill>
-            <a:blip r:embed="rId33"/>
+            <a:blip r:embed="rId13"/>
             <a:stretch/>
           </p:blipFill>
           <p:spPr>
             <a:xfrm>
-              <a:off x="5634720" y="1010160"/>
-              <a:ext cx="446400" cy="262800"/>
+              <a:off x="2782080" y="7590240"/>
+              <a:ext cx="957960" cy="576720"/>
             </a:xfrm>
             <a:prstGeom prst="rect">
               <a:avLst/>
@@ -3774,14 +3054,14 @@
         </p:pic>
         <p:sp>
           <p:nvSpPr>
-            <p:cNvPr id="75" name=""/>
+            <p:cNvPr id="55" name=""/>
             <p:cNvSpPr/>
             <p:nvPr/>
           </p:nvSpPr>
           <p:spPr>
             <a:xfrm>
-              <a:off x="5744160" y="1010160"/>
-              <a:ext cx="251640" cy="243360"/>
+              <a:off x="3016800" y="7590240"/>
+              <a:ext cx="540360" cy="534600"/>
             </a:xfrm>
             <a:custGeom>
               <a:avLst/>
@@ -3871,47 +3151,7 @@
                   <a:latin typeface="Calibri"/>
                   <a:ea typeface="Calibri"/>
                 </a:rPr>
-                <a:t>L</a:t>
-              </a:r>
-              <a:r>
-                <a:rPr b="1" lang="es-AR" sz="700" spc="-1" strike="noStrike">
-                  <a:solidFill>
-                    <a:srgbClr val="0093d9"/>
-                  </a:solidFill>
-                  <a:latin typeface="Calibri"/>
-                  <a:ea typeface="Calibri"/>
-                </a:rPr>
-                <a:t>4</a:t>
-              </a:r>
-              <a:r>
-                <a:rPr b="1" lang="es-AR" sz="700" spc="-1" strike="noStrike">
-                  <a:solidFill>
-                    <a:srgbClr val="0093d9"/>
-                  </a:solidFill>
-                  <a:latin typeface="Calibri"/>
-                  <a:ea typeface="Calibri"/>
-                </a:rPr>
-                <a:t>-</a:t>
-              </a:r>
-              <a:r>
-                <a:rPr b="1" lang="es-AR" sz="700" spc="-1" strike="noStrike">
-                  <a:solidFill>
-                    <a:srgbClr val="0093d9"/>
-                  </a:solidFill>
-                  <a:latin typeface="Calibri"/>
-                  <a:ea typeface="Calibri"/>
-                </a:rPr>
-                <a:t>L</a:t>
-              </a:r>
-              <a:r>
-                <a:rPr b="1" lang="es-AR" sz="700" spc="-1" strike="noStrike">
-                  <a:solidFill>
-                    <a:srgbClr val="0093d9"/>
-                  </a:solidFill>
-                  <a:latin typeface="Calibri"/>
-                  <a:ea typeface="Calibri"/>
-                </a:rPr>
-                <a:t>7</a:t>
+                <a:t>L4-L7</a:t>
               </a:r>
               <a:endParaRPr b="0" lang="es-AR" sz="700" spc="-1" strike="noStrike">
                 <a:latin typeface="Arial"/>
@@ -3921,18 +3161,18 @@
         </p:sp>
         <p:pic>
           <p:nvPicPr>
-            <p:cNvPr id="76" name="" descr=""/>
+            <p:cNvPr id="56" name="" descr=""/>
             <p:cNvPicPr/>
             <p:nvPr/>
           </p:nvPicPr>
           <p:blipFill>
-            <a:blip r:embed="rId34"/>
+            <a:blip r:embed="rId14"/>
             <a:stretch/>
           </p:blipFill>
           <p:spPr>
             <a:xfrm>
-              <a:off x="5772600" y="1209600"/>
-              <a:ext cx="172440" cy="96840"/>
+              <a:off x="3078000" y="8028360"/>
+              <a:ext cx="369720" cy="212400"/>
             </a:xfrm>
             <a:prstGeom prst="rect">
               <a:avLst/>
@@ -3945,340 +3185,68 @@
       </p:grpSp>
       <p:pic>
         <p:nvPicPr>
-          <p:cNvPr id="77" name="" descr=""/>
-          <p:cNvPicPr/>
-          <p:nvPr/>
-        </p:nvPicPr>
-        <p:blipFill>
-          <a:blip r:embed="rId35"/>
-          <a:stretch/>
-        </p:blipFill>
-        <p:spPr>
-          <a:xfrm>
-            <a:off x="432000" y="3128760"/>
-            <a:ext cx="2847600" cy="925560"/>
-          </a:xfrm>
-          <a:prstGeom prst="rect">
-            <a:avLst/>
-          </a:prstGeom>
-          <a:ln w="0">
-            <a:noFill/>
-          </a:ln>
-        </p:spPr>
-      </p:pic>
-      <p:pic>
-        <p:nvPicPr>
-          <p:cNvPr id="78" name="" descr=""/>
-          <p:cNvPicPr/>
-          <p:nvPr/>
-        </p:nvPicPr>
-        <p:blipFill>
-          <a:blip r:embed="rId36"/>
-          <a:stretch/>
-        </p:blipFill>
-        <p:spPr>
-          <a:xfrm>
-            <a:off x="3267360" y="3090960"/>
-            <a:ext cx="1849680" cy="902880"/>
-          </a:xfrm>
-          <a:prstGeom prst="rect">
-            <a:avLst/>
-          </a:prstGeom>
-          <a:ln w="0">
-            <a:noFill/>
-          </a:ln>
-        </p:spPr>
-      </p:pic>
-      <p:pic>
-        <p:nvPicPr>
-          <p:cNvPr id="79" name="" descr=""/>
-          <p:cNvPicPr/>
-          <p:nvPr/>
-        </p:nvPicPr>
-        <p:blipFill>
-          <a:blip r:embed="rId37"/>
-          <a:stretch/>
-        </p:blipFill>
-        <p:spPr>
-          <a:xfrm>
-            <a:off x="5191200" y="3080880"/>
-            <a:ext cx="2933640" cy="967680"/>
-          </a:xfrm>
-          <a:prstGeom prst="rect">
-            <a:avLst/>
-          </a:prstGeom>
-          <a:ln w="0">
-            <a:noFill/>
-          </a:ln>
-        </p:spPr>
-      </p:pic>
-      <p:pic>
-        <p:nvPicPr>
-          <p:cNvPr id="80" name="" descr=""/>
-          <p:cNvPicPr/>
-          <p:nvPr/>
-        </p:nvPicPr>
-        <p:blipFill>
-          <a:blip r:embed="rId38"/>
-          <a:stretch/>
-        </p:blipFill>
-        <p:spPr>
-          <a:xfrm>
-            <a:off x="513720" y="4215600"/>
-            <a:ext cx="4408560" cy="1107360"/>
-          </a:xfrm>
-          <a:prstGeom prst="rect">
-            <a:avLst/>
-          </a:prstGeom>
-          <a:ln w="0">
-            <a:noFill/>
-          </a:ln>
-        </p:spPr>
-      </p:pic>
-      <p:pic>
-        <p:nvPicPr>
-          <p:cNvPr id="81" name="" descr=""/>
-          <p:cNvPicPr/>
-          <p:nvPr/>
-        </p:nvPicPr>
-        <p:blipFill>
-          <a:blip r:embed="rId39"/>
-          <a:stretch/>
-        </p:blipFill>
-        <p:spPr>
-          <a:xfrm>
-            <a:off x="5002200" y="4185720"/>
-            <a:ext cx="3901320" cy="859320"/>
-          </a:xfrm>
-          <a:prstGeom prst="rect">
-            <a:avLst/>
-          </a:prstGeom>
-          <a:ln w="0">
-            <a:noFill/>
-          </a:ln>
-        </p:spPr>
-      </p:pic>
-      <p:pic>
-        <p:nvPicPr>
-          <p:cNvPr id="82" name="" descr=""/>
-          <p:cNvPicPr/>
-          <p:nvPr/>
-        </p:nvPicPr>
-        <p:blipFill>
-          <a:blip r:embed="rId40"/>
-          <a:stretch/>
-        </p:blipFill>
-        <p:spPr>
-          <a:xfrm>
-            <a:off x="497880" y="5346000"/>
-            <a:ext cx="7080480" cy="1407960"/>
-          </a:xfrm>
-          <a:prstGeom prst="rect">
-            <a:avLst/>
-          </a:prstGeom>
-          <a:ln w="0">
-            <a:noFill/>
-          </a:ln>
-        </p:spPr>
-      </p:pic>
-      <p:pic>
-        <p:nvPicPr>
-          <p:cNvPr id="83" name="" descr=""/>
-          <p:cNvPicPr/>
-          <p:nvPr/>
-        </p:nvPicPr>
-        <p:blipFill>
-          <a:blip r:embed="rId41"/>
-          <a:stretch/>
-        </p:blipFill>
-        <p:spPr>
-          <a:xfrm>
-            <a:off x="7522200" y="5409360"/>
-            <a:ext cx="1314000" cy="1155960"/>
-          </a:xfrm>
-          <a:prstGeom prst="rect">
-            <a:avLst/>
-          </a:prstGeom>
-          <a:ln w="0">
-            <a:noFill/>
-          </a:ln>
-        </p:spPr>
-      </p:pic>
-      <p:pic>
-        <p:nvPicPr>
-          <p:cNvPr id="84" name="" descr=""/>
-          <p:cNvPicPr/>
-          <p:nvPr/>
-        </p:nvPicPr>
-        <p:blipFill>
-          <a:blip r:embed="rId42"/>
-          <a:stretch/>
-        </p:blipFill>
-        <p:spPr>
-          <a:xfrm>
-            <a:off x="494280" y="6737400"/>
-            <a:ext cx="6385320" cy="1169640"/>
-          </a:xfrm>
-          <a:prstGeom prst="rect">
-            <a:avLst/>
-          </a:prstGeom>
-          <a:ln w="0">
-            <a:noFill/>
-          </a:ln>
-        </p:spPr>
-      </p:pic>
-      <p:pic>
-        <p:nvPicPr>
-          <p:cNvPr id="85" name="" descr=""/>
-          <p:cNvPicPr/>
-          <p:nvPr/>
-        </p:nvPicPr>
-        <p:blipFill>
-          <a:blip r:embed="rId43"/>
-          <a:stretch/>
-        </p:blipFill>
-        <p:spPr>
-          <a:xfrm>
-            <a:off x="520200" y="7915320"/>
-            <a:ext cx="6419520" cy="1028880"/>
-          </a:xfrm>
-          <a:prstGeom prst="rect">
-            <a:avLst/>
-          </a:prstGeom>
-          <a:ln w="0">
-            <a:noFill/>
-          </a:ln>
-        </p:spPr>
-      </p:pic>
-      <p:pic>
-        <p:nvPicPr>
-          <p:cNvPr id="86" name="" descr=""/>
-          <p:cNvPicPr/>
-          <p:nvPr/>
-        </p:nvPicPr>
-        <p:blipFill>
-          <a:blip r:embed="rId44"/>
-          <a:stretch/>
-        </p:blipFill>
-        <p:spPr>
-          <a:xfrm>
-            <a:off x="6829920" y="7904160"/>
-            <a:ext cx="862560" cy="857880"/>
-          </a:xfrm>
-          <a:prstGeom prst="rect">
-            <a:avLst/>
-          </a:prstGeom>
-          <a:ln w="0">
-            <a:noFill/>
-          </a:ln>
-        </p:spPr>
-      </p:pic>
-      <p:pic>
-        <p:nvPicPr>
-          <p:cNvPr id="87" name="" descr=""/>
-          <p:cNvPicPr/>
-          <p:nvPr/>
-        </p:nvPicPr>
-        <p:blipFill>
-          <a:blip r:embed="rId45"/>
-          <a:stretch/>
-        </p:blipFill>
-        <p:spPr>
-          <a:xfrm>
-            <a:off x="8948520" y="5409360"/>
-            <a:ext cx="1293840" cy="1195200"/>
-          </a:xfrm>
-          <a:prstGeom prst="rect">
-            <a:avLst/>
-          </a:prstGeom>
-          <a:ln w="0">
-            <a:noFill/>
-          </a:ln>
-        </p:spPr>
-      </p:pic>
-      <p:pic>
-        <p:nvPicPr>
-          <p:cNvPr id="88" name="" descr=""/>
-          <p:cNvPicPr/>
-          <p:nvPr/>
-        </p:nvPicPr>
-        <p:blipFill>
-          <a:blip r:embed="rId46"/>
-          <a:stretch/>
-        </p:blipFill>
-        <p:spPr>
-          <a:xfrm>
-            <a:off x="8114040" y="3108600"/>
-            <a:ext cx="2386080" cy="909360"/>
-          </a:xfrm>
-          <a:prstGeom prst="rect">
-            <a:avLst/>
-          </a:prstGeom>
-          <a:ln w="0">
-            <a:noFill/>
-          </a:ln>
-        </p:spPr>
-      </p:pic>
-      <p:pic>
-        <p:nvPicPr>
-          <p:cNvPr id="89" name="" descr=""/>
-          <p:cNvPicPr/>
-          <p:nvPr/>
-        </p:nvPicPr>
-        <p:blipFill>
-          <a:blip r:embed="rId47"/>
-          <a:stretch/>
-        </p:blipFill>
-        <p:spPr>
-          <a:xfrm>
-            <a:off x="532800" y="8999280"/>
-            <a:ext cx="5857560" cy="1123920"/>
-          </a:xfrm>
-          <a:prstGeom prst="rect">
-            <a:avLst/>
-          </a:prstGeom>
-          <a:ln w="0">
-            <a:noFill/>
-          </a:ln>
-        </p:spPr>
-      </p:pic>
-      <p:pic>
-        <p:nvPicPr>
-          <p:cNvPr id="90" name="" descr=""/>
-          <p:cNvPicPr/>
-          <p:nvPr/>
-        </p:nvPicPr>
-        <p:blipFill>
-          <a:blip r:embed="rId48"/>
-          <a:stretch/>
-        </p:blipFill>
-        <p:spPr>
-          <a:xfrm>
-            <a:off x="540360" y="10226160"/>
-            <a:ext cx="1293840" cy="1116360"/>
-          </a:xfrm>
-          <a:prstGeom prst="rect">
-            <a:avLst/>
-          </a:prstGeom>
-          <a:ln w="0">
-            <a:noFill/>
-          </a:ln>
-        </p:spPr>
-      </p:pic>
-      <p:pic>
-        <p:nvPicPr>
-          <p:cNvPr id="91" name="" descr=""/>
-          <p:cNvPicPr/>
-          <p:nvPr/>
-        </p:nvPicPr>
-        <p:blipFill>
-          <a:blip r:embed="rId49"/>
-          <a:stretch/>
-        </p:blipFill>
-        <p:spPr>
-          <a:xfrm>
-            <a:off x="1913400" y="10393920"/>
-            <a:ext cx="2014920" cy="739080"/>
+          <p:cNvPr id="57" name="" descr=""/>
+          <p:cNvPicPr/>
+          <p:nvPr/>
+        </p:nvPicPr>
+        <p:blipFill>
+          <a:blip r:embed="rId15"/>
+          <a:srcRect l="81107" t="4979" r="1407" b="26943"/>
+          <a:stretch/>
+        </p:blipFill>
+        <p:spPr>
+          <a:xfrm>
+            <a:off x="3728520" y="4924080"/>
+            <a:ext cx="772560" cy="772560"/>
+          </a:xfrm>
+          <a:prstGeom prst="rect">
+            <a:avLst/>
+          </a:prstGeom>
+          <a:ln w="0">
+            <a:noFill/>
+          </a:ln>
+        </p:spPr>
+      </p:pic>
+      <p:pic>
+        <p:nvPicPr>
+          <p:cNvPr id="58" name="" descr=""/>
+          <p:cNvPicPr/>
+          <p:nvPr/>
+        </p:nvPicPr>
+        <p:blipFill>
+          <a:blip r:embed="rId16"/>
+          <a:srcRect l="9291" t="6429" r="8740" b="3452"/>
+          <a:stretch/>
+        </p:blipFill>
+        <p:spPr>
+          <a:xfrm>
+            <a:off x="453960" y="12666960"/>
+            <a:ext cx="1123560" cy="1089360"/>
+          </a:xfrm>
+          <a:prstGeom prst="rect">
+            <a:avLst/>
+          </a:prstGeom>
+          <a:ln w="0">
+            <a:solidFill>
+              <a:srgbClr val="b2b2b2"/>
+            </a:solidFill>
+          </a:ln>
+        </p:spPr>
+      </p:pic>
+      <p:pic>
+        <p:nvPicPr>
+          <p:cNvPr id="59" name="" descr=""/>
+          <p:cNvPicPr/>
+          <p:nvPr/>
+        </p:nvPicPr>
+        <p:blipFill>
+          <a:blip r:embed="rId17"/>
+          <a:stretch/>
+        </p:blipFill>
+        <p:spPr>
+          <a:xfrm>
+            <a:off x="1781640" y="12770640"/>
+            <a:ext cx="2135520" cy="800640"/>
           </a:xfrm>
           <a:prstGeom prst="rect">
             <a:avLst/>
@@ -4292,64 +3260,19 @@
       </p:pic>
       <p:pic>
         <p:nvPicPr>
-          <p:cNvPr id="92" name="" descr=""/>
-          <p:cNvPicPr/>
-          <p:nvPr/>
-        </p:nvPicPr>
-        <p:blipFill>
-          <a:blip r:embed="rId50"/>
-          <a:stretch/>
-        </p:blipFill>
-        <p:spPr>
-          <a:xfrm>
-            <a:off x="4089240" y="10255320"/>
-            <a:ext cx="952920" cy="996120"/>
-          </a:xfrm>
-          <a:prstGeom prst="rect">
-            <a:avLst/>
-          </a:prstGeom>
-          <a:ln w="0">
-            <a:noFill/>
-          </a:ln>
-        </p:spPr>
-      </p:pic>
-      <p:pic>
-        <p:nvPicPr>
-          <p:cNvPr id="93" name="" descr=""/>
-          <p:cNvPicPr/>
-          <p:nvPr/>
-        </p:nvPicPr>
-        <p:blipFill>
-          <a:blip r:embed="rId51"/>
-          <a:stretch/>
-        </p:blipFill>
-        <p:spPr>
-          <a:xfrm>
-            <a:off x="5140080" y="10228680"/>
-            <a:ext cx="889560" cy="844560"/>
-          </a:xfrm>
-          <a:prstGeom prst="rect">
-            <a:avLst/>
-          </a:prstGeom>
-          <a:ln w="0">
-            <a:noFill/>
-          </a:ln>
-        </p:spPr>
-      </p:pic>
-      <p:pic>
-        <p:nvPicPr>
-          <p:cNvPr id="94" name="" descr=""/>
-          <p:cNvPicPr/>
-          <p:nvPr/>
-        </p:nvPicPr>
-        <p:blipFill>
-          <a:blip r:embed="rId52"/>
-          <a:stretch/>
-        </p:blipFill>
-        <p:spPr>
-          <a:xfrm>
-            <a:off x="6390360" y="9069840"/>
-            <a:ext cx="2398320" cy="683280"/>
+          <p:cNvPr id="60" name="" descr=""/>
+          <p:cNvPicPr/>
+          <p:nvPr/>
+        </p:nvPicPr>
+        <p:blipFill>
+          <a:blip r:embed="rId18"/>
+          <a:srcRect l="0" t="-301" r="-3064" b="0"/>
+          <a:stretch/>
+        </p:blipFill>
+        <p:spPr>
+          <a:xfrm>
+            <a:off x="4087440" y="12617280"/>
+            <a:ext cx="1040760" cy="1082160"/>
           </a:xfrm>
           <a:prstGeom prst="rect">
             <a:avLst/>
@@ -4363,51 +3286,3965 @@
       </p:pic>
       <p:pic>
         <p:nvPicPr>
+          <p:cNvPr id="61" name="" descr=""/>
+          <p:cNvPicPr/>
+          <p:nvPr/>
+        </p:nvPicPr>
+        <p:blipFill>
+          <a:blip r:embed="rId19"/>
+          <a:stretch/>
+        </p:blipFill>
+        <p:spPr>
+          <a:xfrm>
+            <a:off x="5317200" y="12591720"/>
+            <a:ext cx="943200" cy="914760"/>
+          </a:xfrm>
+          <a:prstGeom prst="rect">
+            <a:avLst/>
+          </a:prstGeom>
+          <a:ln w="0">
+            <a:solidFill>
+              <a:srgbClr val="b2b2b2"/>
+            </a:solidFill>
+          </a:ln>
+        </p:spPr>
+      </p:pic>
+      <p:pic>
+        <p:nvPicPr>
+          <p:cNvPr id="62" name="" descr=""/>
+          <p:cNvPicPr/>
+          <p:nvPr/>
+        </p:nvPicPr>
+        <p:blipFill>
+          <a:blip r:embed="rId20"/>
+          <a:stretch/>
+        </p:blipFill>
+        <p:spPr>
+          <a:xfrm>
+            <a:off x="6477480" y="10976760"/>
+            <a:ext cx="2541960" cy="739800"/>
+          </a:xfrm>
+          <a:prstGeom prst="rect">
+            <a:avLst/>
+          </a:prstGeom>
+          <a:ln w="0">
+            <a:solidFill>
+              <a:srgbClr val="b2b2b2"/>
+            </a:solidFill>
+          </a:ln>
+        </p:spPr>
+      </p:pic>
+      <p:pic>
+        <p:nvPicPr>
+          <p:cNvPr id="63" name="" descr=""/>
+          <p:cNvPicPr/>
+          <p:nvPr/>
+        </p:nvPicPr>
+        <p:blipFill>
+          <a:blip r:embed="rId21"/>
+          <a:srcRect l="17812" t="10984" r="18668" b="7751"/>
+          <a:stretch/>
+        </p:blipFill>
+        <p:spPr>
+          <a:xfrm>
+            <a:off x="9260640" y="10812960"/>
+            <a:ext cx="983880" cy="1258920"/>
+          </a:xfrm>
+          <a:prstGeom prst="rect">
+            <a:avLst/>
+          </a:prstGeom>
+          <a:ln w="0">
+            <a:noFill/>
+          </a:ln>
+        </p:spPr>
+      </p:pic>
+      <p:sp>
+        <p:nvSpPr>
+          <p:cNvPr id="64" name=""/>
+          <p:cNvSpPr txBox="1"/>
+          <p:nvPr/>
+        </p:nvSpPr>
+        <p:spPr>
+          <a:xfrm>
+            <a:off x="5292360" y="13527360"/>
+            <a:ext cx="1020600" cy="261000"/>
+          </a:xfrm>
+          <a:prstGeom prst="rect">
+            <a:avLst/>
+          </a:prstGeom>
+          <a:noFill/>
+          <a:ln w="0">
+            <a:noFill/>
+          </a:ln>
+        </p:spPr>
+        <p:txBody>
+          <a:bodyPr lIns="90000" rIns="90000" tIns="45000" bIns="45000" anchor="t">
+            <a:noAutofit/>
+          </a:bodyPr>
+          <a:p>
+            <a:r>
+              <a:rPr b="1" lang="es-AR" sz="1200" spc="-1" strike="noStrike">
+                <a:latin typeface="Arial"/>
+              </a:rPr>
+              <a:t>Kubernetes</a:t>
+            </a:r>
+            <a:endParaRPr b="0" lang="es-AR" sz="1200" spc="-1" strike="noStrike">
+              <a:latin typeface="Arial"/>
+            </a:endParaRPr>
+          </a:p>
+        </p:txBody>
+      </p:sp>
+      <p:sp>
+        <p:nvSpPr>
+          <p:cNvPr id="65" name=""/>
+          <p:cNvSpPr txBox="1"/>
+          <p:nvPr/>
+        </p:nvSpPr>
+        <p:spPr>
+          <a:xfrm>
+            <a:off x="258120" y="12092040"/>
+            <a:ext cx="979200" cy="261000"/>
+          </a:xfrm>
+          <a:prstGeom prst="rect">
+            <a:avLst/>
+          </a:prstGeom>
+          <a:noFill/>
+          <a:ln w="0">
+            <a:noFill/>
+          </a:ln>
+        </p:spPr>
+        <p:txBody>
+          <a:bodyPr lIns="90000" rIns="90000" tIns="45000" bIns="45000" anchor="t">
+            <a:noAutofit/>
+          </a:bodyPr>
+          <a:p>
+            <a:r>
+              <a:rPr b="1" lang="es-AR" sz="1200" spc="-1" strike="noStrike">
+                <a:latin typeface="Arial"/>
+              </a:rPr>
+              <a:t>Hypervisor</a:t>
+            </a:r>
+            <a:endParaRPr b="0" lang="es-AR" sz="1200" spc="-1" strike="noStrike">
+              <a:latin typeface="Arial"/>
+            </a:endParaRPr>
+          </a:p>
+        </p:txBody>
+      </p:sp>
+      <p:sp>
+        <p:nvSpPr>
+          <p:cNvPr id="66" name=""/>
+          <p:cNvSpPr txBox="1"/>
+          <p:nvPr/>
+        </p:nvSpPr>
+        <p:spPr>
+          <a:xfrm>
+            <a:off x="5191560" y="12106080"/>
+            <a:ext cx="1303920" cy="261000"/>
+          </a:xfrm>
+          <a:prstGeom prst="rect">
+            <a:avLst/>
+          </a:prstGeom>
+          <a:noFill/>
+          <a:ln w="0">
+            <a:noFill/>
+          </a:ln>
+        </p:spPr>
+        <p:txBody>
+          <a:bodyPr lIns="90000" rIns="90000" tIns="45000" bIns="45000" anchor="t">
+            <a:noAutofit/>
+          </a:bodyPr>
+          <a:p>
+            <a:r>
+              <a:rPr b="1" lang="es-AR" sz="1200" spc="-1" strike="noStrike">
+                <a:latin typeface="Arial"/>
+              </a:rPr>
+              <a:t>Vsphere Server</a:t>
+            </a:r>
+            <a:endParaRPr b="0" lang="es-AR" sz="1200" spc="-1" strike="noStrike">
+              <a:latin typeface="Arial"/>
+            </a:endParaRPr>
+          </a:p>
+        </p:txBody>
+      </p:sp>
+      <p:sp>
+        <p:nvSpPr>
+          <p:cNvPr id="67" name=""/>
+          <p:cNvSpPr txBox="1"/>
+          <p:nvPr/>
+        </p:nvSpPr>
+        <p:spPr>
+          <a:xfrm>
+            <a:off x="4770720" y="7382160"/>
+            <a:ext cx="750600" cy="261000"/>
+          </a:xfrm>
+          <a:prstGeom prst="rect">
+            <a:avLst/>
+          </a:prstGeom>
+          <a:noFill/>
+          <a:ln w="0">
+            <a:noFill/>
+          </a:ln>
+        </p:spPr>
+        <p:txBody>
+          <a:bodyPr lIns="90000" rIns="90000" tIns="45000" bIns="45000" anchor="t">
+            <a:noAutofit/>
+          </a:bodyPr>
+          <a:p>
+            <a:r>
+              <a:rPr b="1" lang="es-AR" sz="1200" spc="-1" strike="noStrike">
+                <a:latin typeface="Arial"/>
+              </a:rPr>
+              <a:t>Firewall</a:t>
+            </a:r>
+            <a:endParaRPr b="0" lang="es-AR" sz="1200" spc="-1" strike="noStrike">
+              <a:latin typeface="Arial"/>
+            </a:endParaRPr>
+          </a:p>
+        </p:txBody>
+      </p:sp>
+      <p:sp>
+        <p:nvSpPr>
+          <p:cNvPr id="68" name=""/>
+          <p:cNvSpPr txBox="1"/>
+          <p:nvPr/>
+        </p:nvSpPr>
+        <p:spPr>
+          <a:xfrm>
+            <a:off x="1928880" y="8280360"/>
+            <a:ext cx="750600" cy="431640"/>
+          </a:xfrm>
+          <a:prstGeom prst="rect">
+            <a:avLst/>
+          </a:prstGeom>
+          <a:noFill/>
+          <a:ln w="0">
+            <a:noFill/>
+          </a:ln>
+        </p:spPr>
+        <p:txBody>
+          <a:bodyPr lIns="90000" rIns="90000" tIns="45000" bIns="45000" anchor="t">
+            <a:noAutofit/>
+          </a:bodyPr>
+          <a:p>
+            <a:pPr algn="ctr">
+              <a:buNone/>
+            </a:pPr>
+            <a:r>
+              <a:rPr b="1" lang="es-AR" sz="1200" spc="-1" strike="noStrike">
+                <a:latin typeface="Arial"/>
+              </a:rPr>
+              <a:t>Virtual</a:t>
+            </a:r>
+            <a:endParaRPr b="0" lang="es-AR" sz="1200" spc="-1" strike="noStrike">
+              <a:latin typeface="Arial"/>
+            </a:endParaRPr>
+          </a:p>
+          <a:p>
+            <a:pPr algn="ctr">
+              <a:buNone/>
+            </a:pPr>
+            <a:r>
+              <a:rPr b="1" lang="es-AR" sz="1200" spc="-1" strike="noStrike">
+                <a:latin typeface="Arial"/>
+              </a:rPr>
+              <a:t>Firewall</a:t>
+            </a:r>
+            <a:endParaRPr b="0" lang="es-AR" sz="1200" spc="-1" strike="noStrike">
+              <a:latin typeface="Arial"/>
+            </a:endParaRPr>
+          </a:p>
+        </p:txBody>
+      </p:sp>
+      <p:sp>
+        <p:nvSpPr>
+          <p:cNvPr id="69" name=""/>
+          <p:cNvSpPr txBox="1"/>
+          <p:nvPr/>
+        </p:nvSpPr>
+        <p:spPr>
+          <a:xfrm>
+            <a:off x="2884320" y="10447200"/>
+            <a:ext cx="1980720" cy="261000"/>
+          </a:xfrm>
+          <a:prstGeom prst="rect">
+            <a:avLst/>
+          </a:prstGeom>
+          <a:noFill/>
+          <a:ln w="0">
+            <a:noFill/>
+          </a:ln>
+        </p:spPr>
+        <p:txBody>
+          <a:bodyPr lIns="90000" rIns="90000" tIns="45000" bIns="45000" anchor="t">
+            <a:noAutofit/>
+          </a:bodyPr>
+          <a:p>
+            <a:pPr algn="ctr">
+              <a:buNone/>
+            </a:pPr>
+            <a:r>
+              <a:rPr b="1" lang="es-AR" sz="1200" spc="-1" strike="noStrike">
+                <a:latin typeface="Arial"/>
+              </a:rPr>
+              <a:t>Web Application Firewall</a:t>
+            </a:r>
+            <a:endParaRPr b="0" lang="es-AR" sz="1200" spc="-1" strike="noStrike">
+              <a:latin typeface="Arial"/>
+            </a:endParaRPr>
+          </a:p>
+        </p:txBody>
+      </p:sp>
+      <p:sp>
+        <p:nvSpPr>
+          <p:cNvPr id="70" name=""/>
+          <p:cNvSpPr txBox="1"/>
+          <p:nvPr/>
+        </p:nvSpPr>
+        <p:spPr>
+          <a:xfrm>
+            <a:off x="948960" y="8353800"/>
+            <a:ext cx="867960" cy="431640"/>
+          </a:xfrm>
+          <a:prstGeom prst="rect">
+            <a:avLst/>
+          </a:prstGeom>
+          <a:noFill/>
+          <a:ln w="0">
+            <a:noFill/>
+          </a:ln>
+        </p:spPr>
+        <p:txBody>
+          <a:bodyPr lIns="90000" rIns="90000" tIns="45000" bIns="45000" anchor="t">
+            <a:noAutofit/>
+          </a:bodyPr>
+          <a:p>
+            <a:pPr algn="ctr">
+              <a:buNone/>
+            </a:pPr>
+            <a:r>
+              <a:rPr b="1" lang="es-AR" sz="1200" spc="-1" strike="noStrike">
+                <a:latin typeface="Arial"/>
+              </a:rPr>
+              <a:t>Route 53 </a:t>
+            </a:r>
+            <a:endParaRPr b="0" lang="es-AR" sz="1200" spc="-1" strike="noStrike">
+              <a:latin typeface="Arial"/>
+            </a:endParaRPr>
+          </a:p>
+          <a:p>
+            <a:pPr algn="ctr">
+              <a:buNone/>
+            </a:pPr>
+            <a:r>
+              <a:rPr b="1" lang="es-AR" sz="1200" spc="-1" strike="noStrike">
+                <a:latin typeface="Arial"/>
+              </a:rPr>
+              <a:t>Firewall</a:t>
+            </a:r>
+            <a:endParaRPr b="0" lang="es-AR" sz="1200" spc="-1" strike="noStrike">
+              <a:latin typeface="Arial"/>
+            </a:endParaRPr>
+          </a:p>
+        </p:txBody>
+      </p:sp>
+      <p:sp>
+        <p:nvSpPr>
+          <p:cNvPr id="71" name=""/>
+          <p:cNvSpPr txBox="1"/>
+          <p:nvPr/>
+        </p:nvSpPr>
+        <p:spPr>
+          <a:xfrm>
+            <a:off x="7586640" y="10234440"/>
+            <a:ext cx="840600" cy="431640"/>
+          </a:xfrm>
+          <a:prstGeom prst="rect">
+            <a:avLst/>
+          </a:prstGeom>
+          <a:noFill/>
+          <a:ln w="0">
+            <a:noFill/>
+          </a:ln>
+        </p:spPr>
+        <p:txBody>
+          <a:bodyPr lIns="90000" rIns="90000" tIns="45000" bIns="45000" anchor="t">
+            <a:noAutofit/>
+          </a:bodyPr>
+          <a:p>
+            <a:pPr algn="ctr">
+              <a:buNone/>
+            </a:pPr>
+            <a:r>
+              <a:rPr b="1" lang="es-AR" sz="1200" spc="-1" strike="noStrike">
+                <a:latin typeface="Arial"/>
+              </a:rPr>
+              <a:t>Endpoint</a:t>
+            </a:r>
+            <a:endParaRPr b="0" lang="es-AR" sz="1200" spc="-1" strike="noStrike">
+              <a:latin typeface="Arial"/>
+            </a:endParaRPr>
+          </a:p>
+          <a:p>
+            <a:pPr algn="ctr">
+              <a:buNone/>
+            </a:pPr>
+            <a:r>
+              <a:rPr b="1" lang="es-AR" sz="1200" spc="-1" strike="noStrike">
+                <a:latin typeface="Arial"/>
+              </a:rPr>
+              <a:t>Firewall</a:t>
+            </a:r>
+            <a:endParaRPr b="0" lang="es-AR" sz="1200" spc="-1" strike="noStrike">
+              <a:latin typeface="Arial"/>
+            </a:endParaRPr>
+          </a:p>
+        </p:txBody>
+      </p:sp>
+      <p:pic>
+        <p:nvPicPr>
+          <p:cNvPr id="72" name="" descr=""/>
+          <p:cNvPicPr/>
+          <p:nvPr/>
+        </p:nvPicPr>
+        <p:blipFill>
+          <a:blip r:embed="rId22"/>
+          <a:srcRect l="1216" t="2429" r="82127" b="8789"/>
+          <a:stretch/>
+        </p:blipFill>
+        <p:spPr>
+          <a:xfrm>
+            <a:off x="155880" y="4821840"/>
+            <a:ext cx="777600" cy="1064520"/>
+          </a:xfrm>
+          <a:prstGeom prst="rect">
+            <a:avLst/>
+          </a:prstGeom>
+          <a:ln w="0">
+            <a:noFill/>
+          </a:ln>
+        </p:spPr>
+      </p:pic>
+      <p:pic>
+        <p:nvPicPr>
+          <p:cNvPr id="73" name="" descr=""/>
+          <p:cNvPicPr/>
+          <p:nvPr/>
+        </p:nvPicPr>
+        <p:blipFill>
+          <a:blip r:embed="rId23"/>
+          <a:srcRect l="19065" t="4523" r="62950" b="9532"/>
+          <a:stretch/>
+        </p:blipFill>
+        <p:spPr>
+          <a:xfrm>
+            <a:off x="947880" y="4830120"/>
+            <a:ext cx="839520" cy="1030320"/>
+          </a:xfrm>
+          <a:prstGeom prst="rect">
+            <a:avLst/>
+          </a:prstGeom>
+          <a:ln w="0">
+            <a:noFill/>
+          </a:ln>
+        </p:spPr>
+      </p:pic>
+      <p:pic>
+        <p:nvPicPr>
+          <p:cNvPr id="74" name="" descr=""/>
+          <p:cNvPicPr/>
+          <p:nvPr/>
+        </p:nvPicPr>
+        <p:blipFill>
+          <a:blip r:embed="rId24"/>
+          <a:srcRect l="39170" t="4129" r="38956" b="29372"/>
+          <a:stretch/>
+        </p:blipFill>
+        <p:spPr>
+          <a:xfrm>
+            <a:off x="1841760" y="4924800"/>
+            <a:ext cx="1021320" cy="797040"/>
+          </a:xfrm>
+          <a:prstGeom prst="rect">
+            <a:avLst/>
+          </a:prstGeom>
+          <a:ln w="0">
+            <a:noFill/>
+          </a:ln>
+        </p:spPr>
+      </p:pic>
+      <p:pic>
+        <p:nvPicPr>
+          <p:cNvPr id="75" name="" descr=""/>
+          <p:cNvPicPr/>
+          <p:nvPr/>
+        </p:nvPicPr>
+        <p:blipFill>
+          <a:blip r:embed="rId25"/>
+          <a:srcRect l="62042" t="3476" r="20869" b="29903"/>
+          <a:stretch/>
+        </p:blipFill>
+        <p:spPr>
+          <a:xfrm>
+            <a:off x="2902680" y="4908240"/>
+            <a:ext cx="797760" cy="798480"/>
+          </a:xfrm>
+          <a:prstGeom prst="rect">
+            <a:avLst/>
+          </a:prstGeom>
+          <a:ln w="0">
+            <a:noFill/>
+          </a:ln>
+        </p:spPr>
+      </p:pic>
+      <p:sp>
+        <p:nvSpPr>
+          <p:cNvPr id="76" name=""/>
+          <p:cNvSpPr txBox="1"/>
+          <p:nvPr/>
+        </p:nvSpPr>
+        <p:spPr>
+          <a:xfrm>
+            <a:off x="4015080" y="5834520"/>
+            <a:ext cx="1319040" cy="261000"/>
+          </a:xfrm>
+          <a:prstGeom prst="rect">
+            <a:avLst/>
+          </a:prstGeom>
+          <a:noFill/>
+          <a:ln w="0">
+            <a:noFill/>
+          </a:ln>
+        </p:spPr>
+        <p:txBody>
+          <a:bodyPr lIns="90000" rIns="90000" tIns="45000" bIns="45000" anchor="t">
+            <a:noAutofit/>
+          </a:bodyPr>
+          <a:p>
+            <a:r>
+              <a:rPr b="1" lang="es-AR" sz="1200" spc="-1" strike="noStrike">
+                <a:latin typeface="Arial"/>
+              </a:rPr>
+              <a:t>Load Balancers</a:t>
+            </a:r>
+            <a:endParaRPr b="0" lang="es-AR" sz="1200" spc="-1" strike="noStrike">
+              <a:latin typeface="Arial"/>
+            </a:endParaRPr>
+          </a:p>
+        </p:txBody>
+      </p:sp>
+      <p:sp>
+        <p:nvSpPr>
+          <p:cNvPr id="77" name=""/>
+          <p:cNvSpPr txBox="1"/>
+          <p:nvPr/>
+        </p:nvSpPr>
+        <p:spPr>
+          <a:xfrm>
+            <a:off x="4547880" y="4094640"/>
+            <a:ext cx="826920" cy="431640"/>
+          </a:xfrm>
+          <a:prstGeom prst="rect">
+            <a:avLst/>
+          </a:prstGeom>
+          <a:noFill/>
+          <a:ln w="0">
+            <a:noFill/>
+          </a:ln>
+        </p:spPr>
+        <p:txBody>
+          <a:bodyPr lIns="90000" rIns="90000" tIns="45000" bIns="45000" anchor="t">
+            <a:noAutofit/>
+          </a:bodyPr>
+          <a:p>
+            <a:r>
+              <a:rPr b="1" lang="es-AR" sz="1200" spc="-1" strike="noStrike">
+                <a:latin typeface="Arial"/>
+              </a:rPr>
+              <a:t>Route 53</a:t>
+            </a:r>
+            <a:endParaRPr b="0" lang="es-AR" sz="1200" spc="-1" strike="noStrike">
+              <a:latin typeface="Arial"/>
+            </a:endParaRPr>
+          </a:p>
+          <a:p>
+            <a:r>
+              <a:rPr b="1" lang="es-AR" sz="1200" spc="-1" strike="noStrike">
+                <a:latin typeface="Arial"/>
+              </a:rPr>
+              <a:t>Balancer</a:t>
+            </a:r>
+            <a:endParaRPr b="0" lang="es-AR" sz="1200" spc="-1" strike="noStrike">
+              <a:latin typeface="Arial"/>
+            </a:endParaRPr>
+          </a:p>
+        </p:txBody>
+      </p:sp>
+      <p:pic>
+        <p:nvPicPr>
+          <p:cNvPr id="78" name="" descr=""/>
+          <p:cNvPicPr/>
+          <p:nvPr/>
+        </p:nvPicPr>
+        <p:blipFill>
+          <a:blip r:embed="rId26"/>
+          <a:stretch/>
+        </p:blipFill>
+        <p:spPr>
+          <a:xfrm>
+            <a:off x="114480" y="3272760"/>
+            <a:ext cx="1227960" cy="839520"/>
+          </a:xfrm>
+          <a:prstGeom prst="rect">
+            <a:avLst/>
+          </a:prstGeom>
+          <a:ln w="0">
+            <a:noFill/>
+          </a:ln>
+        </p:spPr>
+      </p:pic>
+      <p:sp>
+        <p:nvSpPr>
+          <p:cNvPr id="79" name=""/>
+          <p:cNvSpPr txBox="1"/>
+          <p:nvPr/>
+        </p:nvSpPr>
+        <p:spPr>
+          <a:xfrm>
+            <a:off x="1325880" y="4442400"/>
+            <a:ext cx="1477800" cy="261000"/>
+          </a:xfrm>
+          <a:prstGeom prst="rect">
+            <a:avLst/>
+          </a:prstGeom>
+          <a:noFill/>
+          <a:ln w="0">
+            <a:noFill/>
+          </a:ln>
+        </p:spPr>
+        <p:txBody>
+          <a:bodyPr lIns="90000" rIns="90000" tIns="45000" bIns="45000" anchor="t">
+            <a:noAutofit/>
+          </a:bodyPr>
+          <a:p>
+            <a:r>
+              <a:rPr b="1" lang="es-AR" sz="1200" spc="-1" strike="noStrike">
+                <a:latin typeface="Arial"/>
+              </a:rPr>
+              <a:t>Cluster Controller</a:t>
+            </a:r>
+            <a:endParaRPr b="0" lang="es-AR" sz="1200" spc="-1" strike="noStrike">
+              <a:latin typeface="Arial"/>
+            </a:endParaRPr>
+          </a:p>
+        </p:txBody>
+      </p:sp>
+      <p:pic>
+        <p:nvPicPr>
+          <p:cNvPr id="80" name="" descr=""/>
+          <p:cNvPicPr/>
+          <p:nvPr/>
+        </p:nvPicPr>
+        <p:blipFill>
+          <a:blip r:embed="rId27"/>
+          <a:srcRect l="5087" t="6032" r="5301" b="5229"/>
+          <a:stretch/>
+        </p:blipFill>
+        <p:spPr>
+          <a:xfrm>
+            <a:off x="4471200" y="3224160"/>
+            <a:ext cx="887040" cy="878400"/>
+          </a:xfrm>
+          <a:prstGeom prst="rect">
+            <a:avLst/>
+          </a:prstGeom>
+          <a:ln w="0">
+            <a:noFill/>
+          </a:ln>
+        </p:spPr>
+      </p:pic>
+      <p:pic>
+        <p:nvPicPr>
+          <p:cNvPr id="81" name="" descr=""/>
+          <p:cNvPicPr/>
+          <p:nvPr/>
+        </p:nvPicPr>
+        <p:blipFill>
+          <a:blip r:embed="rId28"/>
+          <a:srcRect l="4023" t="4340" r="3971" b="4426"/>
+          <a:stretch/>
+        </p:blipFill>
+        <p:spPr>
+          <a:xfrm>
+            <a:off x="1433520" y="3260520"/>
+            <a:ext cx="1072800" cy="1024560"/>
+          </a:xfrm>
+          <a:prstGeom prst="rect">
+            <a:avLst/>
+          </a:prstGeom>
+          <a:ln w="0">
+            <a:noFill/>
+          </a:ln>
+        </p:spPr>
+      </p:pic>
+      <p:pic>
+        <p:nvPicPr>
+          <p:cNvPr id="82" name="" descr=""/>
+          <p:cNvPicPr/>
+          <p:nvPr/>
+        </p:nvPicPr>
+        <p:blipFill>
+          <a:blip r:embed="rId29"/>
+          <a:srcRect l="7843" t="6385" r="7537" b="6765"/>
+          <a:stretch/>
+        </p:blipFill>
+        <p:spPr>
+          <a:xfrm>
+            <a:off x="4848480" y="6468120"/>
+            <a:ext cx="651240" cy="807120"/>
+          </a:xfrm>
+          <a:prstGeom prst="rect">
+            <a:avLst/>
+          </a:prstGeom>
+          <a:ln w="0">
+            <a:noFill/>
+          </a:ln>
+        </p:spPr>
+      </p:pic>
+      <p:pic>
+        <p:nvPicPr>
+          <p:cNvPr id="83" name="" descr=""/>
+          <p:cNvPicPr/>
+          <p:nvPr/>
+        </p:nvPicPr>
+        <p:blipFill>
+          <a:blip r:embed="rId30"/>
+          <a:srcRect l="6370" t="6347" r="6706" b="6650"/>
+          <a:stretch/>
+        </p:blipFill>
+        <p:spPr>
+          <a:xfrm>
+            <a:off x="4014720" y="6461640"/>
+            <a:ext cx="753840" cy="774000"/>
+          </a:xfrm>
+          <a:prstGeom prst="rect">
+            <a:avLst/>
+          </a:prstGeom>
+          <a:ln w="0">
+            <a:noFill/>
+          </a:ln>
+        </p:spPr>
+      </p:pic>
+      <p:pic>
+        <p:nvPicPr>
+          <p:cNvPr id="84" name="" descr=""/>
+          <p:cNvPicPr/>
+          <p:nvPr/>
+        </p:nvPicPr>
+        <p:blipFill>
+          <a:blip r:embed="rId31"/>
+          <a:srcRect l="5907" t="4886" r="6456" b="5245"/>
+          <a:stretch/>
+        </p:blipFill>
+        <p:spPr>
+          <a:xfrm>
+            <a:off x="3155400" y="6347520"/>
+            <a:ext cx="748800" cy="926280"/>
+          </a:xfrm>
+          <a:prstGeom prst="rect">
+            <a:avLst/>
+          </a:prstGeom>
+          <a:ln w="0">
+            <a:noFill/>
+          </a:ln>
+        </p:spPr>
+      </p:pic>
+      <p:pic>
+        <p:nvPicPr>
+          <p:cNvPr id="85" name="" descr=""/>
+          <p:cNvPicPr/>
+          <p:nvPr/>
+        </p:nvPicPr>
+        <p:blipFill>
+          <a:blip r:embed="rId32"/>
+          <a:srcRect l="5762" t="6193" r="6084" b="6556"/>
+          <a:stretch/>
+        </p:blipFill>
+        <p:spPr>
+          <a:xfrm>
+            <a:off x="2099880" y="6346440"/>
+            <a:ext cx="912600" cy="856440"/>
+          </a:xfrm>
+          <a:prstGeom prst="rect">
+            <a:avLst/>
+          </a:prstGeom>
+          <a:ln w="0">
+            <a:noFill/>
+          </a:ln>
+        </p:spPr>
+      </p:pic>
+      <p:pic>
+        <p:nvPicPr>
+          <p:cNvPr id="86" name="" descr=""/>
+          <p:cNvPicPr/>
+          <p:nvPr/>
+        </p:nvPicPr>
+        <p:blipFill>
+          <a:blip r:embed="rId33"/>
+          <a:srcRect l="5724" t="5862" r="5986" b="5999"/>
+          <a:stretch/>
+        </p:blipFill>
+        <p:spPr>
+          <a:xfrm>
+            <a:off x="2610720" y="9295200"/>
+            <a:ext cx="924480" cy="917640"/>
+          </a:xfrm>
+          <a:prstGeom prst="rect">
+            <a:avLst/>
+          </a:prstGeom>
+          <a:ln w="0">
+            <a:noFill/>
+          </a:ln>
+        </p:spPr>
+      </p:pic>
+      <p:pic>
+        <p:nvPicPr>
+          <p:cNvPr id="87" name="" descr=""/>
+          <p:cNvPicPr/>
+          <p:nvPr/>
+        </p:nvPicPr>
+        <p:blipFill>
+          <a:blip r:embed="rId34"/>
+          <a:srcRect l="5792" t="5781" r="5931" b="5653"/>
+          <a:stretch/>
+        </p:blipFill>
+        <p:spPr>
+          <a:xfrm>
+            <a:off x="1883160" y="7448760"/>
+            <a:ext cx="811800" cy="814320"/>
+          </a:xfrm>
+          <a:prstGeom prst="rect">
+            <a:avLst/>
+          </a:prstGeom>
+          <a:ln w="0">
+            <a:noFill/>
+          </a:ln>
+        </p:spPr>
+      </p:pic>
+      <p:pic>
+        <p:nvPicPr>
+          <p:cNvPr id="88" name="" descr=""/>
+          <p:cNvPicPr/>
+          <p:nvPr/>
+        </p:nvPicPr>
+        <p:blipFill>
+          <a:blip r:embed="rId35"/>
+          <a:srcRect l="5436" t="5691" r="5691" b="5818"/>
+          <a:stretch/>
+        </p:blipFill>
+        <p:spPr>
+          <a:xfrm>
+            <a:off x="108360" y="6375240"/>
+            <a:ext cx="929160" cy="925200"/>
+          </a:xfrm>
+          <a:prstGeom prst="rect">
+            <a:avLst/>
+          </a:prstGeom>
+          <a:ln w="0">
+            <a:noFill/>
+          </a:ln>
+        </p:spPr>
+      </p:pic>
+      <p:pic>
+        <p:nvPicPr>
+          <p:cNvPr id="89" name="" descr=""/>
+          <p:cNvPicPr/>
+          <p:nvPr/>
+        </p:nvPicPr>
+        <p:blipFill>
+          <a:blip r:embed="rId36"/>
+          <a:srcRect l="7917" t="7077" r="8010" b="7279"/>
+          <a:stretch/>
+        </p:blipFill>
+        <p:spPr>
+          <a:xfrm>
+            <a:off x="1196280" y="6348960"/>
+            <a:ext cx="732600" cy="819720"/>
+          </a:xfrm>
+          <a:prstGeom prst="rect">
+            <a:avLst/>
+          </a:prstGeom>
+          <a:ln w="0">
+            <a:noFill/>
+          </a:ln>
+        </p:spPr>
+      </p:pic>
+      <p:pic>
+        <p:nvPicPr>
+          <p:cNvPr id="90" name="" descr=""/>
+          <p:cNvPicPr/>
+          <p:nvPr/>
+        </p:nvPicPr>
+        <p:blipFill>
+          <a:blip r:embed="rId37"/>
+          <a:srcRect l="4265" t="5425" r="4687" b="6515"/>
+          <a:stretch/>
+        </p:blipFill>
+        <p:spPr>
+          <a:xfrm>
+            <a:off x="5580720" y="6333840"/>
+            <a:ext cx="1233000" cy="960480"/>
+          </a:xfrm>
+          <a:prstGeom prst="rect">
+            <a:avLst/>
+          </a:prstGeom>
+          <a:ln w="0">
+            <a:noFill/>
+          </a:ln>
+        </p:spPr>
+      </p:pic>
+      <p:pic>
+        <p:nvPicPr>
+          <p:cNvPr id="91" name="" descr=""/>
+          <p:cNvPicPr/>
+          <p:nvPr/>
+        </p:nvPicPr>
+        <p:blipFill>
+          <a:blip r:embed="rId38"/>
+          <a:srcRect l="4649" t="5415" r="4883" b="6209"/>
+          <a:stretch/>
+        </p:blipFill>
+        <p:spPr>
+          <a:xfrm>
+            <a:off x="3704040" y="9245520"/>
+            <a:ext cx="1257120" cy="988920"/>
+          </a:xfrm>
+          <a:prstGeom prst="rect">
+            <a:avLst/>
+          </a:prstGeom>
+          <a:ln w="0">
+            <a:noFill/>
+          </a:ln>
+        </p:spPr>
+      </p:pic>
+      <p:pic>
+        <p:nvPicPr>
+          <p:cNvPr id="92" name="" descr=""/>
+          <p:cNvPicPr/>
+          <p:nvPr/>
+        </p:nvPicPr>
+        <p:blipFill>
+          <a:blip r:embed="rId39"/>
+          <a:srcRect l="5577" t="5508" r="5788" b="6360"/>
+          <a:stretch/>
+        </p:blipFill>
+        <p:spPr>
+          <a:xfrm>
+            <a:off x="6918480" y="6310440"/>
+            <a:ext cx="1004040" cy="987480"/>
+          </a:xfrm>
+          <a:prstGeom prst="rect">
+            <a:avLst/>
+          </a:prstGeom>
+          <a:ln w="0">
+            <a:noFill/>
+          </a:ln>
+        </p:spPr>
+      </p:pic>
+      <p:pic>
+        <p:nvPicPr>
+          <p:cNvPr id="93" name="" descr=""/>
+          <p:cNvPicPr/>
+          <p:nvPr/>
+        </p:nvPicPr>
+        <p:blipFill>
+          <a:blip r:embed="rId40"/>
+          <a:srcRect l="5283" t="5450" r="5967" b="6150"/>
+          <a:stretch/>
+        </p:blipFill>
+        <p:spPr>
+          <a:xfrm>
+            <a:off x="1337400" y="9234720"/>
+            <a:ext cx="1100520" cy="1095840"/>
+          </a:xfrm>
+          <a:prstGeom prst="rect">
+            <a:avLst/>
+          </a:prstGeom>
+          <a:ln w="0">
+            <a:noFill/>
+          </a:ln>
+        </p:spPr>
+      </p:pic>
+      <p:pic>
+        <p:nvPicPr>
+          <p:cNvPr id="94" name="" descr=""/>
+          <p:cNvPicPr/>
+          <p:nvPr/>
+        </p:nvPicPr>
+        <p:blipFill>
+          <a:blip r:embed="rId41"/>
+          <a:srcRect l="5197" t="5617" r="5791" b="5453"/>
+          <a:stretch/>
+        </p:blipFill>
+        <p:spPr>
+          <a:xfrm>
+            <a:off x="153720" y="9232920"/>
+            <a:ext cx="1132560" cy="1089000"/>
+          </a:xfrm>
+          <a:prstGeom prst="rect">
+            <a:avLst/>
+          </a:prstGeom>
+          <a:ln w="0">
+            <a:noFill/>
+          </a:ln>
+        </p:spPr>
+      </p:pic>
+      <p:pic>
+        <p:nvPicPr>
           <p:cNvPr id="95" name="" descr=""/>
           <p:cNvPicPr/>
           <p:nvPr/>
         </p:nvPicPr>
         <p:blipFill>
+          <a:blip r:embed="rId42"/>
+          <a:srcRect l="5116" t="5727" r="6176" b="6103"/>
+          <a:stretch/>
+        </p:blipFill>
+        <p:spPr>
+          <a:xfrm>
+            <a:off x="5128920" y="9227160"/>
+            <a:ext cx="1062720" cy="1056240"/>
+          </a:xfrm>
+          <a:prstGeom prst="rect">
+            <a:avLst/>
+          </a:prstGeom>
+          <a:ln w="0">
+            <a:noFill/>
+          </a:ln>
+        </p:spPr>
+      </p:pic>
+      <p:pic>
+        <p:nvPicPr>
+          <p:cNvPr id="96" name="" descr=""/>
+          <p:cNvPicPr/>
+          <p:nvPr/>
+        </p:nvPicPr>
+        <p:blipFill>
+          <a:blip r:embed="rId43"/>
+          <a:srcRect l="4579" t="4448" r="6058" b="5571"/>
+          <a:stretch/>
+        </p:blipFill>
+        <p:spPr>
+          <a:xfrm>
+            <a:off x="6350040" y="9371880"/>
+            <a:ext cx="909720" cy="915840"/>
+          </a:xfrm>
+          <a:prstGeom prst="rect">
+            <a:avLst/>
+          </a:prstGeom>
+          <a:ln w="0">
+            <a:noFill/>
+          </a:ln>
+        </p:spPr>
+      </p:pic>
+      <p:pic>
+        <p:nvPicPr>
+          <p:cNvPr id="97" name="" descr=""/>
+          <p:cNvPicPr/>
+          <p:nvPr/>
+        </p:nvPicPr>
+        <p:blipFill>
+          <a:blip r:embed="rId44"/>
+          <a:srcRect l="6013" t="5828" r="6101" b="5746"/>
+          <a:stretch/>
+        </p:blipFill>
+        <p:spPr>
+          <a:xfrm>
+            <a:off x="7584480" y="9299880"/>
+            <a:ext cx="887400" cy="892800"/>
+          </a:xfrm>
+          <a:prstGeom prst="rect">
+            <a:avLst/>
+          </a:prstGeom>
+          <a:ln w="0">
+            <a:noFill/>
+          </a:ln>
+        </p:spPr>
+      </p:pic>
+      <p:pic>
+        <p:nvPicPr>
+          <p:cNvPr id="98" name="" descr=""/>
+          <p:cNvPicPr/>
+          <p:nvPr/>
+        </p:nvPicPr>
+        <p:blipFill>
+          <a:blip r:embed="rId45"/>
+          <a:srcRect l="5519" t="6191" r="5421" b="5948"/>
+          <a:stretch/>
+        </p:blipFill>
+        <p:spPr>
+          <a:xfrm>
+            <a:off x="948240" y="7522920"/>
+            <a:ext cx="826920" cy="815760"/>
+          </a:xfrm>
+          <a:prstGeom prst="rect">
+            <a:avLst/>
+          </a:prstGeom>
+          <a:ln w="0">
+            <a:noFill/>
+          </a:ln>
+        </p:spPr>
+      </p:pic>
+      <p:pic>
+        <p:nvPicPr>
+          <p:cNvPr id="99" name="" descr=""/>
+          <p:cNvPicPr/>
+          <p:nvPr/>
+        </p:nvPicPr>
+        <p:blipFill>
+          <a:blip r:embed="rId46"/>
+          <a:srcRect l="6898" t="6249" r="5437" b="5224"/>
+          <a:stretch/>
+        </p:blipFill>
+        <p:spPr>
+          <a:xfrm>
+            <a:off x="9496800" y="6411600"/>
+            <a:ext cx="1042200" cy="904320"/>
+          </a:xfrm>
+          <a:prstGeom prst="rect">
+            <a:avLst/>
+          </a:prstGeom>
+          <a:ln w="0">
+            <a:noFill/>
+          </a:ln>
+        </p:spPr>
+      </p:pic>
+      <p:pic>
+        <p:nvPicPr>
+          <p:cNvPr id="100" name="" descr=""/>
+          <p:cNvPicPr/>
+          <p:nvPr/>
+        </p:nvPicPr>
+        <p:blipFill>
+          <a:blip r:embed="rId47"/>
+          <a:srcRect l="7744" t="4529" r="9321" b="5222"/>
+          <a:stretch/>
+        </p:blipFill>
+        <p:spPr>
+          <a:xfrm>
+            <a:off x="8822880" y="6321240"/>
+            <a:ext cx="589320" cy="979200"/>
+          </a:xfrm>
+          <a:prstGeom prst="rect">
+            <a:avLst/>
+          </a:prstGeom>
+          <a:ln w="0">
+            <a:noFill/>
+          </a:ln>
+        </p:spPr>
+      </p:pic>
+      <p:pic>
+        <p:nvPicPr>
+          <p:cNvPr id="101" name="" descr=""/>
+          <p:cNvPicPr/>
+          <p:nvPr/>
+        </p:nvPicPr>
+        <p:blipFill>
+          <a:blip r:embed="rId48"/>
+          <a:srcRect l="7638" t="4360" r="9021" b="4895"/>
+          <a:stretch/>
+        </p:blipFill>
+        <p:spPr>
+          <a:xfrm>
+            <a:off x="8012880" y="6335280"/>
+            <a:ext cx="724680" cy="925560"/>
+          </a:xfrm>
+          <a:prstGeom prst="rect">
+            <a:avLst/>
+          </a:prstGeom>
+          <a:ln w="0">
+            <a:noFill/>
+          </a:ln>
+        </p:spPr>
+      </p:pic>
+      <p:pic>
+        <p:nvPicPr>
+          <p:cNvPr id="102" name="" descr=""/>
+          <p:cNvPicPr/>
+          <p:nvPr/>
+        </p:nvPicPr>
+        <p:blipFill>
+          <a:blip r:embed="rId49"/>
+          <a:srcRect l="3229" t="6231" r="2950" b="7982"/>
+          <a:stretch/>
+        </p:blipFill>
+        <p:spPr>
+          <a:xfrm>
+            <a:off x="6996960" y="5070240"/>
+            <a:ext cx="979920" cy="383400"/>
+          </a:xfrm>
+          <a:prstGeom prst="rect">
+            <a:avLst/>
+          </a:prstGeom>
+          <a:ln w="0">
+            <a:noFill/>
+          </a:ln>
+        </p:spPr>
+      </p:pic>
+      <p:pic>
+        <p:nvPicPr>
+          <p:cNvPr id="103" name="" descr=""/>
+          <p:cNvPicPr/>
+          <p:nvPr/>
+        </p:nvPicPr>
+        <p:blipFill>
+          <a:blip r:embed="rId50"/>
+          <a:srcRect l="4407" t="5808" r="4382" b="5749"/>
+          <a:stretch/>
+        </p:blipFill>
+        <p:spPr>
+          <a:xfrm>
+            <a:off x="6102000" y="5022360"/>
+            <a:ext cx="828720" cy="621000"/>
+          </a:xfrm>
+          <a:prstGeom prst="rect">
+            <a:avLst/>
+          </a:prstGeom>
+          <a:ln w="0">
+            <a:noFill/>
+          </a:ln>
+        </p:spPr>
+      </p:pic>
+      <p:pic>
+        <p:nvPicPr>
+          <p:cNvPr id="104" name="" descr=""/>
+          <p:cNvPicPr/>
+          <p:nvPr/>
+        </p:nvPicPr>
+        <p:blipFill>
+          <a:blip r:embed="rId51"/>
+          <a:srcRect l="5322" t="5524" r="5567" b="5529"/>
+          <a:stretch/>
+        </p:blipFill>
+        <p:spPr>
+          <a:xfrm>
+            <a:off x="5316120" y="4928040"/>
+            <a:ext cx="733320" cy="720360"/>
+          </a:xfrm>
+          <a:prstGeom prst="rect">
+            <a:avLst/>
+          </a:prstGeom>
+          <a:ln w="0">
+            <a:noFill/>
+          </a:ln>
+        </p:spPr>
+      </p:pic>
+      <p:pic>
+        <p:nvPicPr>
+          <p:cNvPr id="105" name="" descr=""/>
+          <p:cNvPicPr/>
+          <p:nvPr/>
+        </p:nvPicPr>
+        <p:blipFill>
+          <a:blip r:embed="rId52"/>
+          <a:srcRect l="5404" t="5184" r="5807" b="5279"/>
+          <a:stretch/>
+        </p:blipFill>
+        <p:spPr>
+          <a:xfrm>
+            <a:off x="4533840" y="4925160"/>
+            <a:ext cx="738000" cy="732600"/>
+          </a:xfrm>
+          <a:prstGeom prst="rect">
+            <a:avLst/>
+          </a:prstGeom>
+          <a:ln w="0">
+            <a:noFill/>
+          </a:ln>
+        </p:spPr>
+      </p:pic>
+      <p:pic>
+        <p:nvPicPr>
+          <p:cNvPr id="106" name="" descr=""/>
+          <p:cNvPicPr/>
+          <p:nvPr/>
+        </p:nvPicPr>
+        <p:blipFill>
           <a:blip r:embed="rId53"/>
-          <a:srcRect l="17812" t="10984" r="18668" b="7751"/>
-          <a:stretch/>
-        </p:blipFill>
-        <p:spPr>
-          <a:xfrm>
-            <a:off x="9016200" y="8918640"/>
-            <a:ext cx="928080" cy="1162440"/>
-          </a:xfrm>
-          <a:prstGeom prst="rect">
-            <a:avLst/>
-          </a:prstGeom>
-          <a:ln w="0">
-            <a:noFill/>
-          </a:ln>
-        </p:spPr>
-      </p:pic>
-      <p:pic>
-        <p:nvPicPr>
-          <p:cNvPr id="96" name="" descr=""/>
+          <a:srcRect l="13136" t="11986" r="15801" b="11986"/>
+          <a:stretch/>
+        </p:blipFill>
+        <p:spPr>
+          <a:xfrm>
+            <a:off x="296640" y="10961280"/>
+            <a:ext cx="794880" cy="1015920"/>
+          </a:xfrm>
+          <a:prstGeom prst="rect">
+            <a:avLst/>
+          </a:prstGeom>
+          <a:ln w="0">
+            <a:noFill/>
+          </a:ln>
+        </p:spPr>
+      </p:pic>
+      <p:pic>
+        <p:nvPicPr>
+          <p:cNvPr id="107" name="" descr=""/>
           <p:cNvPicPr/>
           <p:nvPr/>
         </p:nvPicPr>
         <p:blipFill>
           <a:blip r:embed="rId54"/>
-          <a:stretch/>
-        </p:blipFill>
-        <p:spPr>
-          <a:xfrm>
-            <a:off x="9180000" y="4140000"/>
-            <a:ext cx="1080000" cy="952560"/>
-          </a:xfrm>
-          <a:prstGeom prst="rect">
-            <a:avLst/>
-          </a:prstGeom>
-          <a:ln w="0">
-            <a:noFill/>
-          </a:ln>
-        </p:spPr>
-      </p:pic>
+          <a:srcRect l="8013" t="8156" r="8006" b="7839"/>
+          <a:stretch/>
+        </p:blipFill>
+        <p:spPr>
+          <a:xfrm>
+            <a:off x="1367280" y="10941120"/>
+            <a:ext cx="1050840" cy="1018080"/>
+          </a:xfrm>
+          <a:prstGeom prst="rect">
+            <a:avLst/>
+          </a:prstGeom>
+          <a:ln w="0">
+            <a:noFill/>
+          </a:ln>
+        </p:spPr>
+      </p:pic>
+      <p:sp>
+        <p:nvSpPr>
+          <p:cNvPr id="108" name=""/>
+          <p:cNvSpPr txBox="1"/>
+          <p:nvPr/>
+        </p:nvSpPr>
+        <p:spPr>
+          <a:xfrm>
+            <a:off x="6610320" y="13003200"/>
+            <a:ext cx="1055520" cy="261000"/>
+          </a:xfrm>
+          <a:prstGeom prst="rect">
+            <a:avLst/>
+          </a:prstGeom>
+          <a:noFill/>
+          <a:ln w="0">
+            <a:noFill/>
+          </a:ln>
+        </p:spPr>
+        <p:txBody>
+          <a:bodyPr lIns="90000" rIns="90000" tIns="45000" bIns="45000" anchor="t">
+            <a:noAutofit/>
+          </a:bodyPr>
+          <a:p>
+            <a:r>
+              <a:rPr b="1" lang="es-AR" sz="1200" spc="-1" strike="noStrike">
+                <a:latin typeface="Arial"/>
+              </a:rPr>
+              <a:t>Plataformas</a:t>
+            </a:r>
+            <a:endParaRPr b="0" lang="es-AR" sz="1200" spc="-1" strike="noStrike">
+              <a:latin typeface="Arial"/>
+            </a:endParaRPr>
+          </a:p>
+        </p:txBody>
+      </p:sp>
+      <p:pic>
+        <p:nvPicPr>
+          <p:cNvPr id="109" name="" descr=""/>
+          <p:cNvPicPr/>
+          <p:nvPr/>
+        </p:nvPicPr>
+        <p:blipFill>
+          <a:blip r:embed="rId55"/>
+          <a:srcRect l="8013" t="8436" r="8006" b="8451"/>
+          <a:stretch/>
+        </p:blipFill>
+        <p:spPr>
+          <a:xfrm>
+            <a:off x="2640600" y="10922040"/>
+            <a:ext cx="1159200" cy="1111320"/>
+          </a:xfrm>
+          <a:prstGeom prst="rect">
+            <a:avLst/>
+          </a:prstGeom>
+          <a:ln w="0">
+            <a:noFill/>
+          </a:ln>
+        </p:spPr>
+      </p:pic>
+      <p:pic>
+        <p:nvPicPr>
+          <p:cNvPr id="110" name="" descr=""/>
+          <p:cNvPicPr/>
+          <p:nvPr/>
+        </p:nvPicPr>
+        <p:blipFill>
+          <a:blip r:embed="rId56"/>
+          <a:srcRect l="8225" t="8549" r="8438" b="8451"/>
+          <a:stretch/>
+        </p:blipFill>
+        <p:spPr>
+          <a:xfrm>
+            <a:off x="3943080" y="10938960"/>
+            <a:ext cx="1142640" cy="1102680"/>
+          </a:xfrm>
+          <a:prstGeom prst="rect">
+            <a:avLst/>
+          </a:prstGeom>
+          <a:ln w="0">
+            <a:noFill/>
+          </a:ln>
+        </p:spPr>
+      </p:pic>
+      <p:pic>
+        <p:nvPicPr>
+          <p:cNvPr id="111" name="" descr=""/>
+          <p:cNvPicPr/>
+          <p:nvPr/>
+        </p:nvPicPr>
+        <p:blipFill>
+          <a:blip r:embed="rId57"/>
+          <a:srcRect l="10481" t="11165" r="10754" b="11023"/>
+          <a:stretch/>
+        </p:blipFill>
+        <p:spPr>
+          <a:xfrm>
+            <a:off x="5254920" y="10991880"/>
+            <a:ext cx="1079640" cy="1022760"/>
+          </a:xfrm>
+          <a:prstGeom prst="rect">
+            <a:avLst/>
+          </a:prstGeom>
+          <a:ln w="0">
+            <a:noFill/>
+          </a:ln>
+        </p:spPr>
+      </p:pic>
+      <p:pic>
+        <p:nvPicPr>
+          <p:cNvPr id="112" name="" descr=""/>
+          <p:cNvPicPr/>
+          <p:nvPr/>
+        </p:nvPicPr>
+        <p:blipFill>
+          <a:blip r:embed="rId58"/>
+          <a:srcRect l="10794" t="10116" r="12072" b="11761"/>
+          <a:stretch/>
+        </p:blipFill>
+        <p:spPr>
+          <a:xfrm>
+            <a:off x="5559480" y="3197160"/>
+            <a:ext cx="888840" cy="900360"/>
+          </a:xfrm>
+          <a:prstGeom prst="rect">
+            <a:avLst/>
+          </a:prstGeom>
+          <a:ln w="0">
+            <a:noFill/>
+          </a:ln>
+        </p:spPr>
+      </p:pic>
+      <p:pic>
+        <p:nvPicPr>
+          <p:cNvPr id="113" name="" descr=""/>
+          <p:cNvPicPr/>
+          <p:nvPr/>
+        </p:nvPicPr>
+        <p:blipFill>
+          <a:blip r:embed="rId59"/>
+          <a:srcRect l="13543" t="13530" r="15761" b="15276"/>
+          <a:stretch/>
+        </p:blipFill>
+        <p:spPr>
+          <a:xfrm>
+            <a:off x="136440" y="1709280"/>
+            <a:ext cx="945720" cy="952560"/>
+          </a:xfrm>
+          <a:prstGeom prst="rect">
+            <a:avLst/>
+          </a:prstGeom>
+          <a:ln w="0">
+            <a:noFill/>
+          </a:ln>
+        </p:spPr>
+      </p:pic>
+      <p:sp>
+        <p:nvSpPr>
+          <p:cNvPr id="114" name=""/>
+          <p:cNvSpPr txBox="1"/>
+          <p:nvPr/>
+        </p:nvSpPr>
+        <p:spPr>
+          <a:xfrm>
+            <a:off x="199800" y="2708280"/>
+            <a:ext cx="759960" cy="431640"/>
+          </a:xfrm>
+          <a:prstGeom prst="rect">
+            <a:avLst/>
+          </a:prstGeom>
+          <a:noFill/>
+          <a:ln w="0">
+            <a:noFill/>
+          </a:ln>
+        </p:spPr>
+        <p:txBody>
+          <a:bodyPr lIns="90000" rIns="90000" tIns="45000" bIns="45000" anchor="t">
+            <a:noAutofit/>
+          </a:bodyPr>
+          <a:p>
+            <a:r>
+              <a:rPr b="1" lang="es-AR" sz="1200" spc="-1" strike="noStrike">
+                <a:latin typeface="Arial"/>
+              </a:rPr>
+              <a:t>Access </a:t>
+            </a:r>
+            <a:endParaRPr b="0" lang="es-AR" sz="1200" spc="-1" strike="noStrike">
+              <a:latin typeface="Arial"/>
+            </a:endParaRPr>
+          </a:p>
+          <a:p>
+            <a:r>
+              <a:rPr b="1" lang="es-AR" sz="1200" spc="-1" strike="noStrike">
+                <a:latin typeface="Arial"/>
+              </a:rPr>
+              <a:t>Switch</a:t>
+            </a:r>
+            <a:endParaRPr b="0" lang="es-AR" sz="1200" spc="-1" strike="noStrike">
+              <a:latin typeface="Arial"/>
+            </a:endParaRPr>
+          </a:p>
+        </p:txBody>
+      </p:sp>
+      <p:pic>
+        <p:nvPicPr>
+          <p:cNvPr id="115" name="" descr=""/>
+          <p:cNvPicPr/>
+          <p:nvPr/>
+        </p:nvPicPr>
+        <p:blipFill>
+          <a:blip r:embed="rId60"/>
+          <a:srcRect l="13294" t="13530" r="15262" b="16024"/>
+          <a:stretch/>
+        </p:blipFill>
+        <p:spPr>
+          <a:xfrm>
+            <a:off x="1163880" y="1737000"/>
+            <a:ext cx="931680" cy="918720"/>
+          </a:xfrm>
+          <a:prstGeom prst="rect">
+            <a:avLst/>
+          </a:prstGeom>
+          <a:ln w="0">
+            <a:noFill/>
+          </a:ln>
+        </p:spPr>
+      </p:pic>
+      <p:sp>
+        <p:nvSpPr>
+          <p:cNvPr id="116" name=""/>
+          <p:cNvSpPr txBox="1"/>
+          <p:nvPr/>
+        </p:nvSpPr>
+        <p:spPr>
+          <a:xfrm>
+            <a:off x="1388160" y="2708640"/>
+            <a:ext cx="494640" cy="261000"/>
+          </a:xfrm>
+          <a:prstGeom prst="rect">
+            <a:avLst/>
+          </a:prstGeom>
+          <a:noFill/>
+          <a:ln w="0">
+            <a:noFill/>
+          </a:ln>
+        </p:spPr>
+        <p:txBody>
+          <a:bodyPr lIns="90000" rIns="90000" tIns="45000" bIns="45000" anchor="t">
+            <a:noAutofit/>
+          </a:bodyPr>
+          <a:p>
+            <a:r>
+              <a:rPr b="1" lang="es-AR" sz="1200" spc="-1" strike="noStrike">
+                <a:latin typeface="Arial"/>
+              </a:rPr>
+              <a:t>Leaf</a:t>
+            </a:r>
+            <a:endParaRPr b="0" lang="es-AR" sz="1200" spc="-1" strike="noStrike">
+              <a:latin typeface="Arial"/>
+            </a:endParaRPr>
+          </a:p>
+        </p:txBody>
+      </p:sp>
+      <p:pic>
+        <p:nvPicPr>
+          <p:cNvPr id="117" name="" descr=""/>
+          <p:cNvPicPr/>
+          <p:nvPr/>
+        </p:nvPicPr>
+        <p:blipFill>
+          <a:blip r:embed="rId61"/>
+          <a:srcRect l="13793" t="13780" r="15262" b="15525"/>
+          <a:stretch/>
+        </p:blipFill>
+        <p:spPr>
+          <a:xfrm>
+            <a:off x="2205360" y="1737000"/>
+            <a:ext cx="904680" cy="901440"/>
+          </a:xfrm>
+          <a:prstGeom prst="rect">
+            <a:avLst/>
+          </a:prstGeom>
+          <a:ln w="0">
+            <a:noFill/>
+          </a:ln>
+        </p:spPr>
+      </p:pic>
+      <p:sp>
+        <p:nvSpPr>
+          <p:cNvPr id="118" name=""/>
+          <p:cNvSpPr txBox="1"/>
+          <p:nvPr/>
+        </p:nvSpPr>
+        <p:spPr>
+          <a:xfrm>
+            <a:off x="2396160" y="2709000"/>
+            <a:ext cx="596880" cy="261000"/>
+          </a:xfrm>
+          <a:prstGeom prst="rect">
+            <a:avLst/>
+          </a:prstGeom>
+          <a:noFill/>
+          <a:ln w="0">
+            <a:noFill/>
+          </a:ln>
+        </p:spPr>
+        <p:txBody>
+          <a:bodyPr lIns="90000" rIns="90000" tIns="45000" bIns="45000" anchor="t">
+            <a:noAutofit/>
+          </a:bodyPr>
+          <a:p>
+            <a:r>
+              <a:rPr b="1" lang="es-AR" sz="1200" spc="-1" strike="noStrike">
+                <a:latin typeface="Arial"/>
+              </a:rPr>
+              <a:t>Spine</a:t>
+            </a:r>
+            <a:endParaRPr b="0" lang="es-AR" sz="1200" spc="-1" strike="noStrike">
+              <a:latin typeface="Arial"/>
+            </a:endParaRPr>
+          </a:p>
+        </p:txBody>
+      </p:sp>
+      <p:pic>
+        <p:nvPicPr>
+          <p:cNvPr id="119" name="" descr=""/>
+          <p:cNvPicPr/>
+          <p:nvPr/>
+        </p:nvPicPr>
+        <p:blipFill>
+          <a:blip r:embed="rId62"/>
+          <a:srcRect l="14029" t="13780" r="15276" b="15525"/>
+          <a:stretch/>
+        </p:blipFill>
+        <p:spPr>
+          <a:xfrm>
+            <a:off x="3197880" y="1776960"/>
+            <a:ext cx="864360" cy="864360"/>
+          </a:xfrm>
+          <a:prstGeom prst="rect">
+            <a:avLst/>
+          </a:prstGeom>
+          <a:ln w="0">
+            <a:noFill/>
+          </a:ln>
+        </p:spPr>
+      </p:pic>
+      <p:sp>
+        <p:nvSpPr>
+          <p:cNvPr id="120" name=""/>
+          <p:cNvSpPr txBox="1"/>
+          <p:nvPr/>
+        </p:nvSpPr>
+        <p:spPr>
+          <a:xfrm>
+            <a:off x="3728160" y="2709360"/>
+            <a:ext cx="893880" cy="261000"/>
+          </a:xfrm>
+          <a:prstGeom prst="rect">
+            <a:avLst/>
+          </a:prstGeom>
+          <a:noFill/>
+          <a:ln w="0">
+            <a:noFill/>
+          </a:ln>
+        </p:spPr>
+        <p:txBody>
+          <a:bodyPr lIns="90000" rIns="90000" tIns="45000" bIns="45000" anchor="t">
+            <a:noAutofit/>
+          </a:bodyPr>
+          <a:p>
+            <a:r>
+              <a:rPr b="1" lang="es-AR" sz="1200" spc="-1" strike="noStrike">
+                <a:latin typeface="Arial"/>
+              </a:rPr>
+              <a:t>L3 Switch</a:t>
+            </a:r>
+            <a:endParaRPr b="0" lang="es-AR" sz="1200" spc="-1" strike="noStrike">
+              <a:latin typeface="Arial"/>
+            </a:endParaRPr>
+          </a:p>
+        </p:txBody>
+      </p:sp>
+      <p:pic>
+        <p:nvPicPr>
+          <p:cNvPr id="121" name="" descr=""/>
+          <p:cNvPicPr/>
+          <p:nvPr/>
+        </p:nvPicPr>
+        <p:blipFill>
+          <a:blip r:embed="rId63"/>
+          <a:srcRect l="14055" t="13714" r="15446" b="15971"/>
+          <a:stretch/>
+        </p:blipFill>
+        <p:spPr>
+          <a:xfrm>
+            <a:off x="5444640" y="1791360"/>
+            <a:ext cx="840600" cy="838440"/>
+          </a:xfrm>
+          <a:prstGeom prst="rect">
+            <a:avLst/>
+          </a:prstGeom>
+          <a:ln w="0">
+            <a:noFill/>
+          </a:ln>
+        </p:spPr>
+      </p:pic>
+      <p:sp>
+        <p:nvSpPr>
+          <p:cNvPr id="122" name=""/>
+          <p:cNvSpPr txBox="1"/>
+          <p:nvPr/>
+        </p:nvSpPr>
+        <p:spPr>
+          <a:xfrm>
+            <a:off x="6644520" y="2709720"/>
+            <a:ext cx="893880" cy="261000"/>
+          </a:xfrm>
+          <a:prstGeom prst="rect">
+            <a:avLst/>
+          </a:prstGeom>
+          <a:noFill/>
+          <a:ln w="0">
+            <a:noFill/>
+          </a:ln>
+        </p:spPr>
+        <p:txBody>
+          <a:bodyPr lIns="90000" rIns="90000" tIns="45000" bIns="45000" anchor="t">
+            <a:noAutofit/>
+          </a:bodyPr>
+          <a:p>
+            <a:r>
+              <a:rPr b="1" lang="es-AR" sz="1200" spc="-1" strike="noStrike">
+                <a:latin typeface="Arial"/>
+              </a:rPr>
+              <a:t>L2 Switch</a:t>
+            </a:r>
+            <a:endParaRPr b="0" lang="es-AR" sz="1200" spc="-1" strike="noStrike">
+              <a:latin typeface="Arial"/>
+            </a:endParaRPr>
+          </a:p>
+        </p:txBody>
+      </p:sp>
+      <p:pic>
+        <p:nvPicPr>
+          <p:cNvPr id="123" name="" descr=""/>
+          <p:cNvPicPr/>
+          <p:nvPr/>
+        </p:nvPicPr>
+        <p:blipFill>
+          <a:blip r:embed="rId64"/>
+          <a:srcRect l="10317" t="9954" r="10307" b="10136"/>
+          <a:stretch/>
+        </p:blipFill>
+        <p:spPr>
+          <a:xfrm>
+            <a:off x="131760" y="198360"/>
+            <a:ext cx="850320" cy="856080"/>
+          </a:xfrm>
+          <a:prstGeom prst="rect">
+            <a:avLst/>
+          </a:prstGeom>
+          <a:ln w="0">
+            <a:noFill/>
+          </a:ln>
+        </p:spPr>
+      </p:pic>
+      <p:sp>
+        <p:nvSpPr>
+          <p:cNvPr id="124" name=""/>
+          <p:cNvSpPr txBox="1"/>
+          <p:nvPr/>
+        </p:nvSpPr>
+        <p:spPr>
+          <a:xfrm>
+            <a:off x="243360" y="1122480"/>
+            <a:ext cx="671400" cy="431640"/>
+          </a:xfrm>
+          <a:prstGeom prst="rect">
+            <a:avLst/>
+          </a:prstGeom>
+          <a:noFill/>
+          <a:ln w="0">
+            <a:noFill/>
+          </a:ln>
+        </p:spPr>
+        <p:txBody>
+          <a:bodyPr lIns="90000" rIns="90000" tIns="45000" bIns="45000" anchor="t">
+            <a:noAutofit/>
+          </a:bodyPr>
+          <a:p>
+            <a:r>
+              <a:rPr b="1" lang="es-AR" sz="1200" spc="-1" strike="noStrike">
+                <a:latin typeface="Arial"/>
+              </a:rPr>
+              <a:t>Virtual</a:t>
+            </a:r>
+            <a:endParaRPr b="0" lang="es-AR" sz="1200" spc="-1" strike="noStrike">
+              <a:latin typeface="Arial"/>
+            </a:endParaRPr>
+          </a:p>
+          <a:p>
+            <a:r>
+              <a:rPr b="1" lang="es-AR" sz="1200" spc="-1" strike="noStrike">
+                <a:latin typeface="Arial"/>
+              </a:rPr>
+              <a:t>Router</a:t>
+            </a:r>
+            <a:endParaRPr b="0" lang="es-AR" sz="1200" spc="-1" strike="noStrike">
+              <a:latin typeface="Arial"/>
+            </a:endParaRPr>
+          </a:p>
+        </p:txBody>
+      </p:sp>
+      <p:pic>
+        <p:nvPicPr>
+          <p:cNvPr id="125" name="" descr=""/>
+          <p:cNvPicPr/>
+          <p:nvPr/>
+        </p:nvPicPr>
+        <p:blipFill>
+          <a:blip r:embed="rId65"/>
+          <a:srcRect l="13793" t="13530" r="15761" b="15525"/>
+          <a:stretch/>
+        </p:blipFill>
+        <p:spPr>
+          <a:xfrm>
+            <a:off x="1084320" y="204480"/>
+            <a:ext cx="822960" cy="828720"/>
+          </a:xfrm>
+          <a:prstGeom prst="rect">
+            <a:avLst/>
+          </a:prstGeom>
+          <a:ln w="0">
+            <a:noFill/>
+          </a:ln>
+        </p:spPr>
+      </p:pic>
+      <p:sp>
+        <p:nvSpPr>
+          <p:cNvPr id="126" name=""/>
+          <p:cNvSpPr txBox="1"/>
+          <p:nvPr/>
+        </p:nvSpPr>
+        <p:spPr>
+          <a:xfrm>
+            <a:off x="1755720" y="1122840"/>
+            <a:ext cx="671400" cy="261000"/>
+          </a:xfrm>
+          <a:prstGeom prst="rect">
+            <a:avLst/>
+          </a:prstGeom>
+          <a:noFill/>
+          <a:ln w="0">
+            <a:noFill/>
+          </a:ln>
+        </p:spPr>
+        <p:txBody>
+          <a:bodyPr lIns="90000" rIns="90000" tIns="45000" bIns="45000" anchor="t">
+            <a:noAutofit/>
+          </a:bodyPr>
+          <a:p>
+            <a:r>
+              <a:rPr b="1" lang="es-AR" sz="1200" spc="-1" strike="noStrike">
+                <a:latin typeface="Arial"/>
+              </a:rPr>
+              <a:t>Router</a:t>
+            </a:r>
+            <a:endParaRPr b="0" lang="es-AR" sz="1200" spc="-1" strike="noStrike">
+              <a:latin typeface="Arial"/>
+            </a:endParaRPr>
+          </a:p>
+        </p:txBody>
+      </p:sp>
+      <p:pic>
+        <p:nvPicPr>
+          <p:cNvPr id="127" name="" descr=""/>
+          <p:cNvPicPr/>
+          <p:nvPr/>
+        </p:nvPicPr>
+        <p:blipFill>
+          <a:blip r:embed="rId66"/>
+          <a:srcRect l="11097" t="10434" r="11307" b="11023"/>
+          <a:stretch/>
+        </p:blipFill>
+        <p:spPr>
+          <a:xfrm>
+            <a:off x="1948680" y="237960"/>
+            <a:ext cx="741600" cy="775440"/>
+          </a:xfrm>
+          <a:prstGeom prst="rect">
+            <a:avLst/>
+          </a:prstGeom>
+          <a:ln w="0">
+            <a:noFill/>
+          </a:ln>
+        </p:spPr>
+      </p:pic>
+      <p:pic>
+        <p:nvPicPr>
+          <p:cNvPr id="128" name="" descr=""/>
+          <p:cNvPicPr/>
+          <p:nvPr/>
+        </p:nvPicPr>
+        <p:blipFill>
+          <a:blip r:embed="rId67"/>
+          <a:srcRect l="9878" t="9868" r="9868" b="10155"/>
+          <a:stretch/>
+        </p:blipFill>
+        <p:spPr>
+          <a:xfrm>
+            <a:off x="2758680" y="246240"/>
+            <a:ext cx="750960" cy="748440"/>
+          </a:xfrm>
+          <a:prstGeom prst="rect">
+            <a:avLst/>
+          </a:prstGeom>
+          <a:ln w="0">
+            <a:noFill/>
+          </a:ln>
+        </p:spPr>
+      </p:pic>
+      <p:sp>
+        <p:nvSpPr>
+          <p:cNvPr id="129" name=""/>
+          <p:cNvSpPr txBox="1"/>
+          <p:nvPr/>
+        </p:nvSpPr>
+        <p:spPr>
+          <a:xfrm>
+            <a:off x="6744240" y="4095000"/>
+            <a:ext cx="604440" cy="261000"/>
+          </a:xfrm>
+          <a:prstGeom prst="rect">
+            <a:avLst/>
+          </a:prstGeom>
+          <a:noFill/>
+          <a:ln w="0">
+            <a:noFill/>
+          </a:ln>
+        </p:spPr>
+        <p:txBody>
+          <a:bodyPr lIns="90000" rIns="90000" tIns="45000" bIns="45000" anchor="t">
+            <a:noAutofit/>
+          </a:bodyPr>
+          <a:p>
+            <a:r>
+              <a:rPr b="1" lang="es-AR" sz="1200" spc="-1" strike="noStrike">
+                <a:latin typeface="Arial"/>
+              </a:rPr>
+              <a:t>GSLB</a:t>
+            </a:r>
+            <a:endParaRPr b="0" lang="es-AR" sz="1200" spc="-1" strike="noStrike">
+              <a:latin typeface="Arial"/>
+            </a:endParaRPr>
+          </a:p>
+        </p:txBody>
+      </p:sp>
+      <p:sp>
+        <p:nvSpPr>
+          <p:cNvPr id="130" name=""/>
+          <p:cNvSpPr txBox="1"/>
+          <p:nvPr/>
+        </p:nvSpPr>
+        <p:spPr>
+          <a:xfrm>
+            <a:off x="9135000" y="10234800"/>
+            <a:ext cx="724680" cy="261000"/>
+          </a:xfrm>
+          <a:prstGeom prst="rect">
+            <a:avLst/>
+          </a:prstGeom>
+          <a:noFill/>
+          <a:ln w="0">
+            <a:noFill/>
+          </a:ln>
+        </p:spPr>
+        <p:txBody>
+          <a:bodyPr lIns="90000" rIns="90000" tIns="45000" bIns="45000" anchor="t">
+            <a:noAutofit/>
+          </a:bodyPr>
+          <a:p>
+            <a:pPr algn="ctr">
+              <a:buNone/>
+            </a:pPr>
+            <a:r>
+              <a:rPr b="1" lang="es-AR" sz="1200" spc="-1" strike="noStrike">
+                <a:latin typeface="Arial"/>
+              </a:rPr>
+              <a:t>IDS/IPS</a:t>
+            </a:r>
+            <a:endParaRPr b="0" lang="es-AR" sz="1200" spc="-1" strike="noStrike">
+              <a:latin typeface="Arial"/>
+            </a:endParaRPr>
+          </a:p>
+        </p:txBody>
+      </p:sp>
+      <p:pic>
+        <p:nvPicPr>
+          <p:cNvPr id="131" name="" descr=""/>
+          <p:cNvPicPr/>
+          <p:nvPr/>
+        </p:nvPicPr>
+        <p:blipFill>
+          <a:blip r:embed="rId68"/>
+          <a:srcRect l="11961" t="13412" r="12339" b="15276"/>
+          <a:stretch/>
+        </p:blipFill>
+        <p:spPr>
+          <a:xfrm>
+            <a:off x="9760680" y="9312840"/>
+            <a:ext cx="859320" cy="685800"/>
+          </a:xfrm>
+          <a:prstGeom prst="rect">
+            <a:avLst/>
+          </a:prstGeom>
+          <a:ln w="0">
+            <a:noFill/>
+          </a:ln>
+        </p:spPr>
+      </p:pic>
+      <p:sp>
+        <p:nvSpPr>
+          <p:cNvPr id="132" name=""/>
+          <p:cNvSpPr txBox="1"/>
+          <p:nvPr/>
+        </p:nvSpPr>
+        <p:spPr>
+          <a:xfrm>
+            <a:off x="2865240" y="8280720"/>
+            <a:ext cx="784080" cy="431640"/>
+          </a:xfrm>
+          <a:prstGeom prst="rect">
+            <a:avLst/>
+          </a:prstGeom>
+          <a:noFill/>
+          <a:ln w="0">
+            <a:noFill/>
+          </a:ln>
+        </p:spPr>
+        <p:txBody>
+          <a:bodyPr lIns="90000" rIns="90000" tIns="45000" bIns="45000" anchor="t">
+            <a:noAutofit/>
+          </a:bodyPr>
+          <a:p>
+            <a:pPr algn="ctr">
+              <a:buNone/>
+            </a:pPr>
+            <a:r>
+              <a:rPr b="1" lang="es-AR" sz="1200" spc="-1" strike="noStrike">
+                <a:latin typeface="Arial"/>
+              </a:rPr>
+              <a:t>Security</a:t>
+            </a:r>
+            <a:endParaRPr b="0" lang="es-AR" sz="1200" spc="-1" strike="noStrike">
+              <a:latin typeface="Arial"/>
+            </a:endParaRPr>
+          </a:p>
+          <a:p>
+            <a:pPr algn="ctr">
+              <a:buNone/>
+            </a:pPr>
+            <a:r>
+              <a:rPr b="1" lang="es-AR" sz="1200" spc="-1" strike="noStrike">
+                <a:latin typeface="Arial"/>
+              </a:rPr>
+              <a:t>Service</a:t>
+            </a:r>
+            <a:endParaRPr b="0" lang="es-AR" sz="1200" spc="-1" strike="noStrike">
+              <a:latin typeface="Arial"/>
+            </a:endParaRPr>
+          </a:p>
+        </p:txBody>
+      </p:sp>
+    </p:spTree>
+  </p:cSld>
+  <mc:AlternateContent>
+    <mc:Choice Requires="p14">
+      <p:transition spd="slow" p14:dur="2000"/>
+    </mc:Choice>
+    <mc:Fallback>
+      <p:transition spd="slow"/>
+    </mc:Fallback>
+  </mc:AlternateContent>
+</p:sld>
+</file>
+
+<file path=ppt/slides/slide2.xml><?xml version="1.0" encoding="utf-8"?>
+<p:sld xmlns:a="http://schemas.openxmlformats.org/drawingml/2006/main" xmlns:p="http://schemas.openxmlformats.org/presentationml/2006/main" xmlns:r="http://schemas.openxmlformats.org/officeDocument/2006/relationships" xmlns:p14="http://schemas.microsoft.com/office/powerpoint/2010/main" xmlns:p15="http://schemas.microsoft.com/office/powerpoint/2012/main" xmlns:mc="http://schemas.openxmlformats.org/markup-compatibility/2006">
+  <p:cSld>
+    <p:spTree>
+      <p:nvGrpSpPr>
+        <p:cNvPr id="1" name=""/>
+        <p:cNvGrpSpPr/>
+        <p:nvPr/>
+      </p:nvGrpSpPr>
+      <p:grpSpPr>
+        <a:xfrm>
+          <a:off x="0" y="0"/>
+          <a:ext cx="0" cy="0"/>
+          <a:chOff x="0" y="0"/>
+          <a:chExt cx="0" cy="0"/>
+        </a:xfrm>
+      </p:grpSpPr>
+      <p:pic>
+        <p:nvPicPr>
+          <p:cNvPr id="133" name="Picture 4" descr="C:\Users\ecoffey\AppData\Local\Temp\Rar$DRa0.281\Cisco Icons November\30072_Device_server_3156\Png_256\30072_Device_server_3156_major_256.png"/>
+          <p:cNvPicPr/>
+          <p:nvPr/>
+        </p:nvPicPr>
+        <p:blipFill>
+          <a:blip r:embed="rId1"/>
+          <a:stretch/>
+        </p:blipFill>
+        <p:spPr>
+          <a:xfrm>
+            <a:off x="3633840" y="283320"/>
+            <a:ext cx="403560" cy="730440"/>
+          </a:xfrm>
+          <a:prstGeom prst="rect">
+            <a:avLst/>
+          </a:prstGeom>
+          <a:ln w="0">
+            <a:noFill/>
+          </a:ln>
+        </p:spPr>
+      </p:pic>
+      <p:pic>
+        <p:nvPicPr>
+          <p:cNvPr id="134" name="Picture 14" descr="C:\Users\ecoffey\AppData\Local\Temp\Rar$DRa0.836\30073__Device_server_farms_major_64.png"/>
+          <p:cNvPicPr/>
+          <p:nvPr/>
+        </p:nvPicPr>
+        <p:blipFill>
+          <a:blip r:embed="rId2"/>
+          <a:stretch/>
+        </p:blipFill>
+        <p:spPr>
+          <a:xfrm>
+            <a:off x="4195800" y="284400"/>
+            <a:ext cx="725760" cy="725760"/>
+          </a:xfrm>
+          <a:prstGeom prst="rect">
+            <a:avLst/>
+          </a:prstGeom>
+          <a:ln w="0">
+            <a:noFill/>
+          </a:ln>
+        </p:spPr>
+      </p:pic>
+      <p:pic>
+        <p:nvPicPr>
+          <p:cNvPr id="135" name="Picture 26" descr="C:\Users\ecoffey\AppData\Local\Temp\Rar$DRa0.727\30078_Device_storage_array_unreachable_256.png"/>
+          <p:cNvPicPr/>
+          <p:nvPr/>
+        </p:nvPicPr>
+        <p:blipFill>
+          <a:blip r:embed="rId3"/>
+          <a:srcRect l="16270" t="6437" r="23092" b="5670"/>
+          <a:stretch/>
+        </p:blipFill>
+        <p:spPr>
+          <a:xfrm>
+            <a:off x="4627080" y="5291280"/>
+            <a:ext cx="509760" cy="738720"/>
+          </a:xfrm>
+          <a:prstGeom prst="rect">
+            <a:avLst/>
+          </a:prstGeom>
+          <a:ln w="0">
+            <a:noFill/>
+          </a:ln>
+        </p:spPr>
+      </p:pic>
+      <p:pic>
+        <p:nvPicPr>
+          <p:cNvPr id="136" name="Picture 1" descr="C:\Users\ecoffey\AppData\Local\Temp\Rar$DRa0.506\30079__Device_storage_router_unreachable_256.png"/>
+          <p:cNvPicPr/>
+          <p:nvPr/>
+        </p:nvPicPr>
+        <p:blipFill>
+          <a:blip r:embed="rId4"/>
+          <a:srcRect l="19622" t="6526" r="19327" b="5345"/>
+          <a:stretch/>
+        </p:blipFill>
+        <p:spPr>
+          <a:xfrm>
+            <a:off x="2472480" y="5274000"/>
+            <a:ext cx="392760" cy="567000"/>
+          </a:xfrm>
+          <a:prstGeom prst="rect">
+            <a:avLst/>
+          </a:prstGeom>
+          <a:ln w="0">
+            <a:noFill/>
+          </a:ln>
+        </p:spPr>
+      </p:pic>
+      <p:pic>
+        <p:nvPicPr>
+          <p:cNvPr id="137" name="Picture 3" descr="C:\Users\ecoffey\AppData\Local\Temp\Rar$DRa0.323\30097_Device_virtual_server_major_64.png"/>
+          <p:cNvPicPr/>
+          <p:nvPr/>
+        </p:nvPicPr>
+        <p:blipFill>
+          <a:blip r:embed="rId5"/>
+          <a:srcRect l="9805" t="0" r="11695" b="0"/>
+          <a:stretch/>
+        </p:blipFill>
+        <p:spPr>
+          <a:xfrm>
+            <a:off x="6129720" y="300600"/>
+            <a:ext cx="387000" cy="712440"/>
+          </a:xfrm>
+          <a:prstGeom prst="rect">
+            <a:avLst/>
+          </a:prstGeom>
+          <a:ln w="0">
+            <a:noFill/>
+          </a:ln>
+        </p:spPr>
+      </p:pic>
+      <p:pic>
+        <p:nvPicPr>
+          <p:cNvPr id="138" name="Picture 5" descr="C:\Users\ecoffey\AppData\Local\Temp\Rar$DRa0.323\30097_Device_virtual_server_major_64.png"/>
+          <p:cNvPicPr/>
+          <p:nvPr/>
+        </p:nvPicPr>
+        <p:blipFill>
+          <a:blip r:embed="rId6"/>
+          <a:srcRect l="9805" t="0" r="11695" b="0"/>
+          <a:stretch/>
+        </p:blipFill>
+        <p:spPr>
+          <a:xfrm>
+            <a:off x="6603480" y="301680"/>
+            <a:ext cx="387000" cy="712440"/>
+          </a:xfrm>
+          <a:prstGeom prst="rect">
+            <a:avLst/>
+          </a:prstGeom>
+          <a:ln w="0">
+            <a:noFill/>
+          </a:ln>
+        </p:spPr>
+      </p:pic>
+      <p:pic>
+        <p:nvPicPr>
+          <p:cNvPr id="139" name="Picture 7" descr="C:\Users\ecoffey\AppData\Local\Temp\Rar$DRa0.323\30097_Device_virtual_server_major_64.png"/>
+          <p:cNvPicPr/>
+          <p:nvPr/>
+        </p:nvPicPr>
+        <p:blipFill>
+          <a:blip r:embed="rId7"/>
+          <a:srcRect l="9805" t="0" r="11695" b="0"/>
+          <a:stretch/>
+        </p:blipFill>
+        <p:spPr>
+          <a:xfrm>
+            <a:off x="7077240" y="302760"/>
+            <a:ext cx="387000" cy="712440"/>
+          </a:xfrm>
+          <a:prstGeom prst="rect">
+            <a:avLst/>
+          </a:prstGeom>
+          <a:ln w="0">
+            <a:noFill/>
+          </a:ln>
+        </p:spPr>
+      </p:pic>
+      <p:pic>
+        <p:nvPicPr>
+          <p:cNvPr id="140" name="Picture 8" descr="C:\Users\ecoffey\AppData\Local\Temp\Rar$DRa0.323\30097_Device_virtual_server_major_64.png"/>
+          <p:cNvPicPr/>
+          <p:nvPr/>
+        </p:nvPicPr>
+        <p:blipFill>
+          <a:blip r:embed="rId8"/>
+          <a:srcRect l="9805" t="0" r="11695" b="0"/>
+          <a:stretch/>
+        </p:blipFill>
+        <p:spPr>
+          <a:xfrm>
+            <a:off x="7551000" y="303840"/>
+            <a:ext cx="387000" cy="712440"/>
+          </a:xfrm>
+          <a:prstGeom prst="rect">
+            <a:avLst/>
+          </a:prstGeom>
+          <a:ln w="0">
+            <a:noFill/>
+          </a:ln>
+        </p:spPr>
+      </p:pic>
+      <p:pic>
+        <p:nvPicPr>
+          <p:cNvPr id="141" name="Picture 9" descr="C:\Users\ecoffey\AppData\Local\Temp\Rar$DRa0.742\30104_Device_www_server_major_64.png"/>
+          <p:cNvPicPr/>
+          <p:nvPr/>
+        </p:nvPicPr>
+        <p:blipFill>
+          <a:blip r:embed="rId9"/>
+          <a:srcRect l="0" t="4548" r="0" b="5257"/>
+          <a:stretch/>
+        </p:blipFill>
+        <p:spPr>
+          <a:xfrm>
+            <a:off x="5091480" y="300960"/>
+            <a:ext cx="781920" cy="704880"/>
+          </a:xfrm>
+          <a:prstGeom prst="rect">
+            <a:avLst/>
+          </a:prstGeom>
+          <a:ln w="0">
+            <a:noFill/>
+          </a:ln>
+        </p:spPr>
+      </p:pic>
+      <p:pic>
+        <p:nvPicPr>
+          <p:cNvPr id="142" name="Picture 13" descr="C:\Users\ecoffey\AppData\Local\Temp\Rar$DRa0.062\Cisco Icons November\30031_Device_generic_3048\Png_256\30029_Device_firewall_3130_unknown_256.png"/>
+          <p:cNvPicPr/>
+          <p:nvPr/>
+        </p:nvPicPr>
+        <p:blipFill>
+          <a:blip r:embed="rId10"/>
+          <a:stretch/>
+        </p:blipFill>
+        <p:spPr>
+          <a:xfrm>
+            <a:off x="1321920" y="277560"/>
+            <a:ext cx="471960" cy="732240"/>
+          </a:xfrm>
+          <a:prstGeom prst="rect">
+            <a:avLst/>
+          </a:prstGeom>
+          <a:ln w="0">
+            <a:noFill/>
+          </a:ln>
+        </p:spPr>
+      </p:pic>
+      <p:pic>
+        <p:nvPicPr>
+          <p:cNvPr id="143" name="Picture 15" descr="C:\Users\ecoffey\AppData\Local\Temp\Rar$DRa0.062\Cisco Icons November\30031_Device_generic_3048\Png_256\30029_Device_firewall_3130_unmanaged_256.png"/>
+          <p:cNvPicPr/>
+          <p:nvPr/>
+        </p:nvPicPr>
+        <p:blipFill>
+          <a:blip r:embed="rId11"/>
+          <a:stretch/>
+        </p:blipFill>
+        <p:spPr>
+          <a:xfrm>
+            <a:off x="745920" y="278640"/>
+            <a:ext cx="462960" cy="726120"/>
+          </a:xfrm>
+          <a:prstGeom prst="rect">
+            <a:avLst/>
+          </a:prstGeom>
+          <a:ln w="0">
+            <a:noFill/>
+          </a:ln>
+        </p:spPr>
+      </p:pic>
+      <p:pic>
+        <p:nvPicPr>
+          <p:cNvPr id="144" name="Picture 16" descr="C:\Users\ecoffey\AppData\Local\Temp\Rar$DRa0.062\Cisco Icons November\30031_Device_generic_3048\Png_256\30029_Device_firewall_3130_critical_256.png"/>
+          <p:cNvPicPr/>
+          <p:nvPr/>
+        </p:nvPicPr>
+        <p:blipFill>
+          <a:blip r:embed="rId12"/>
+          <a:stretch/>
+        </p:blipFill>
+        <p:spPr>
+          <a:xfrm>
+            <a:off x="186480" y="275760"/>
+            <a:ext cx="469080" cy="731160"/>
+          </a:xfrm>
+          <a:prstGeom prst="rect">
+            <a:avLst/>
+          </a:prstGeom>
+          <a:ln w="0">
+            <a:noFill/>
+          </a:ln>
+        </p:spPr>
+      </p:pic>
+      <p:pic>
+        <p:nvPicPr>
+          <p:cNvPr id="145" name="Picture 18" descr="C:\Users\ecoffey\AppData\Local\Temp\Rar$DRa0.376\30028_Device_file_server_major_64.png"/>
+          <p:cNvPicPr/>
+          <p:nvPr/>
+        </p:nvPicPr>
+        <p:blipFill>
+          <a:blip r:embed="rId13"/>
+          <a:srcRect l="14412" t="0" r="15239" b="-354"/>
+          <a:stretch/>
+        </p:blipFill>
+        <p:spPr>
+          <a:xfrm>
+            <a:off x="8107560" y="306720"/>
+            <a:ext cx="387000" cy="702720"/>
+          </a:xfrm>
+          <a:prstGeom prst="rect">
+            <a:avLst/>
+          </a:prstGeom>
+          <a:ln w="0">
+            <a:noFill/>
+          </a:ln>
+        </p:spPr>
+      </p:pic>
+      <p:pic>
+        <p:nvPicPr>
+          <p:cNvPr id="146" name="Picture 19" descr="C:\Users\ecoffey\AppData\Local\Temp\Rar$DRa0.476\30027_Device_fibre_channel_storage_unreachable_256.png"/>
+          <p:cNvPicPr/>
+          <p:nvPr/>
+        </p:nvPicPr>
+        <p:blipFill>
+          <a:blip r:embed="rId14"/>
+          <a:srcRect l="5286" t="20818" r="5182" b="24376"/>
+          <a:stretch/>
+        </p:blipFill>
+        <p:spPr>
+          <a:xfrm>
+            <a:off x="3594960" y="5289480"/>
+            <a:ext cx="575280" cy="352080"/>
+          </a:xfrm>
+          <a:prstGeom prst="rect">
+            <a:avLst/>
+          </a:prstGeom>
+          <a:ln w="0">
+            <a:noFill/>
+          </a:ln>
+        </p:spPr>
+      </p:pic>
+      <p:pic>
+        <p:nvPicPr>
+          <p:cNvPr id="147" name="Picture 21" descr="C:\Users\ecoffey\AppData\Local\Temp\Rar$DRa0.823\30026_Device_fibre_channel_fabric_switch_unreachable_256.png"/>
+          <p:cNvPicPr/>
+          <p:nvPr/>
+        </p:nvPicPr>
+        <p:blipFill>
+          <a:blip r:embed="rId15"/>
+          <a:srcRect l="5271" t="4164" r="5478" b="3868"/>
+          <a:stretch/>
+        </p:blipFill>
+        <p:spPr>
+          <a:xfrm>
+            <a:off x="580680" y="5276880"/>
+            <a:ext cx="487080" cy="501840"/>
+          </a:xfrm>
+          <a:prstGeom prst="rect">
+            <a:avLst/>
+          </a:prstGeom>
+          <a:ln w="0">
+            <a:noFill/>
+          </a:ln>
+        </p:spPr>
+      </p:pic>
+      <p:pic>
+        <p:nvPicPr>
+          <p:cNvPr id="148" name="Picture 23" descr="C:\Users\ecoffey\AppData\Local\Temp\Rar$DRa0.173\30019_Device_database_unreachable_256.png"/>
+          <p:cNvPicPr/>
+          <p:nvPr/>
+        </p:nvPicPr>
+        <p:blipFill>
+          <a:blip r:embed="rId16"/>
+          <a:srcRect l="10822" t="30932" r="11191" b="24199"/>
+          <a:stretch/>
+        </p:blipFill>
+        <p:spPr>
+          <a:xfrm>
+            <a:off x="1318320" y="5394960"/>
+            <a:ext cx="448200" cy="257760"/>
+          </a:xfrm>
+          <a:prstGeom prst="rect">
+            <a:avLst/>
+          </a:prstGeom>
+          <a:ln w="0">
+            <a:noFill/>
+          </a:ln>
+        </p:spPr>
+      </p:pic>
+      <p:pic>
+        <p:nvPicPr>
+          <p:cNvPr id="149" name="Picture 28" descr="C:\Users\ecoffey\AppData\Local\Temp\Rar$DRa0.400\30009_Device_cloud_white_default_256.png"/>
+          <p:cNvPicPr/>
+          <p:nvPr/>
+        </p:nvPicPr>
+        <p:blipFill>
+          <a:blip r:embed="rId17"/>
+          <a:srcRect l="0" t="19194" r="0" b="20242"/>
+          <a:stretch/>
+        </p:blipFill>
+        <p:spPr>
+          <a:xfrm>
+            <a:off x="586080" y="6761160"/>
+            <a:ext cx="1438920" cy="871200"/>
+          </a:xfrm>
+          <a:prstGeom prst="rect">
+            <a:avLst/>
+          </a:prstGeom>
+          <a:ln w="0">
+            <a:noFill/>
+          </a:ln>
+        </p:spPr>
+      </p:pic>
+      <p:pic>
+        <p:nvPicPr>
+          <p:cNvPr id="150" name="Picture 29" descr="C:\Users\ecoffey\AppData\Local\Temp\Rar$DRa0.281\Cisco Icons November\30072_Device_server_3156\Png_256\30072_Device_server_3156_critical_256.png"/>
+          <p:cNvPicPr/>
+          <p:nvPr/>
+        </p:nvPicPr>
+        <p:blipFill>
+          <a:blip r:embed="rId18"/>
+          <a:stretch/>
+        </p:blipFill>
+        <p:spPr>
+          <a:xfrm>
+            <a:off x="2072520" y="279360"/>
+            <a:ext cx="408600" cy="730800"/>
+          </a:xfrm>
+          <a:prstGeom prst="rect">
+            <a:avLst/>
+          </a:prstGeom>
+          <a:ln w="0">
+            <a:noFill/>
+          </a:ln>
+        </p:spPr>
+      </p:pic>
+      <p:pic>
+        <p:nvPicPr>
+          <p:cNvPr id="151" name="Picture 30" descr="C:\Users\ecoffey\AppData\Local\Temp\Rar$DRa0.281\Cisco Icons November\30072_Device_server_3156\Png_256\30072_Device_server_3156_minor_256.png"/>
+          <p:cNvPicPr/>
+          <p:nvPr/>
+        </p:nvPicPr>
+        <p:blipFill>
+          <a:blip r:embed="rId19"/>
+          <a:stretch/>
+        </p:blipFill>
+        <p:spPr>
+          <a:xfrm>
+            <a:off x="2592000" y="282240"/>
+            <a:ext cx="408240" cy="730800"/>
+          </a:xfrm>
+          <a:prstGeom prst="rect">
+            <a:avLst/>
+          </a:prstGeom>
+          <a:ln w="0">
+            <a:noFill/>
+          </a:ln>
+        </p:spPr>
+      </p:pic>
+      <p:pic>
+        <p:nvPicPr>
+          <p:cNvPr id="152" name="Picture 31" descr="C:\Users\ecoffey\AppData\Local\Temp\Rar$DRa0.281\Cisco Icons November\30072_Device_server_3156\Png_256\30072_Device_server_3156_unknown_256.png"/>
+          <p:cNvPicPr/>
+          <p:nvPr/>
+        </p:nvPicPr>
+        <p:blipFill>
+          <a:blip r:embed="rId20"/>
+          <a:stretch/>
+        </p:blipFill>
+        <p:spPr>
+          <a:xfrm>
+            <a:off x="3115440" y="281520"/>
+            <a:ext cx="408240" cy="730800"/>
+          </a:xfrm>
+          <a:prstGeom prst="rect">
+            <a:avLst/>
+          </a:prstGeom>
+          <a:ln w="0">
+            <a:noFill/>
+          </a:ln>
+        </p:spPr>
+      </p:pic>
+      <p:sp>
+        <p:nvSpPr>
+          <p:cNvPr id="153" name=""/>
+          <p:cNvSpPr txBox="1"/>
+          <p:nvPr/>
+        </p:nvSpPr>
+        <p:spPr>
+          <a:xfrm>
+            <a:off x="584640" y="1092960"/>
+            <a:ext cx="750600" cy="261000"/>
+          </a:xfrm>
+          <a:prstGeom prst="rect">
+            <a:avLst/>
+          </a:prstGeom>
+          <a:noFill/>
+          <a:ln w="0">
+            <a:noFill/>
+          </a:ln>
+        </p:spPr>
+        <p:txBody>
+          <a:bodyPr lIns="90000" rIns="90000" tIns="45000" bIns="45000" anchor="t">
+            <a:noAutofit/>
+          </a:bodyPr>
+          <a:p>
+            <a:r>
+              <a:rPr b="1" lang="es-AR" sz="1200" spc="-1" strike="noStrike">
+                <a:latin typeface="Arial"/>
+              </a:rPr>
+              <a:t>Generic</a:t>
+            </a:r>
+            <a:endParaRPr b="0" lang="es-AR" sz="1200" spc="-1" strike="noStrike">
+              <a:latin typeface="Arial"/>
+            </a:endParaRPr>
+          </a:p>
+        </p:txBody>
+      </p:sp>
+      <p:sp>
+        <p:nvSpPr>
+          <p:cNvPr id="154" name=""/>
+          <p:cNvSpPr txBox="1"/>
+          <p:nvPr/>
+        </p:nvSpPr>
+        <p:spPr>
+          <a:xfrm>
+            <a:off x="2457000" y="1093320"/>
+            <a:ext cx="657720" cy="261000"/>
+          </a:xfrm>
+          <a:prstGeom prst="rect">
+            <a:avLst/>
+          </a:prstGeom>
+          <a:noFill/>
+          <a:ln w="0">
+            <a:noFill/>
+          </a:ln>
+        </p:spPr>
+        <p:txBody>
+          <a:bodyPr lIns="90000" rIns="90000" tIns="45000" bIns="45000" anchor="t">
+            <a:noAutofit/>
+          </a:bodyPr>
+          <a:p>
+            <a:r>
+              <a:rPr b="1" lang="es-AR" sz="1200" spc="-1" strike="noStrike">
+                <a:latin typeface="Arial"/>
+              </a:rPr>
+              <a:t>Server</a:t>
+            </a:r>
+            <a:endParaRPr b="0" lang="es-AR" sz="1200" spc="-1" strike="noStrike">
+              <a:latin typeface="Arial"/>
+            </a:endParaRPr>
+          </a:p>
+        </p:txBody>
+      </p:sp>
+      <p:sp>
+        <p:nvSpPr>
+          <p:cNvPr id="155" name=""/>
+          <p:cNvSpPr txBox="1"/>
+          <p:nvPr/>
+        </p:nvSpPr>
+        <p:spPr>
+          <a:xfrm>
+            <a:off x="4257360" y="1093680"/>
+            <a:ext cx="657720" cy="431640"/>
+          </a:xfrm>
+          <a:prstGeom prst="rect">
+            <a:avLst/>
+          </a:prstGeom>
+          <a:noFill/>
+          <a:ln w="0">
+            <a:noFill/>
+          </a:ln>
+        </p:spPr>
+        <p:txBody>
+          <a:bodyPr lIns="90000" rIns="90000" tIns="45000" bIns="45000" anchor="t">
+            <a:noAutofit/>
+          </a:bodyPr>
+          <a:p>
+            <a:pPr algn="ctr">
+              <a:buNone/>
+            </a:pPr>
+            <a:r>
+              <a:rPr b="1" lang="es-AR" sz="1200" spc="-1" strike="noStrike">
+                <a:latin typeface="Arial"/>
+              </a:rPr>
+              <a:t>Server</a:t>
+            </a:r>
+            <a:endParaRPr b="0" lang="es-AR" sz="1200" spc="-1" strike="noStrike">
+              <a:latin typeface="Arial"/>
+            </a:endParaRPr>
+          </a:p>
+          <a:p>
+            <a:pPr algn="ctr">
+              <a:buNone/>
+            </a:pPr>
+            <a:r>
+              <a:rPr b="1" lang="es-AR" sz="1200" spc="-1" strike="noStrike">
+                <a:latin typeface="Arial"/>
+              </a:rPr>
+              <a:t>Farm</a:t>
+            </a:r>
+            <a:endParaRPr b="0" lang="es-AR" sz="1200" spc="-1" strike="noStrike">
+              <a:latin typeface="Arial"/>
+            </a:endParaRPr>
+          </a:p>
+        </p:txBody>
+      </p:sp>
+      <p:sp>
+        <p:nvSpPr>
+          <p:cNvPr id="156" name=""/>
+          <p:cNvSpPr txBox="1"/>
+          <p:nvPr/>
+        </p:nvSpPr>
+        <p:spPr>
+          <a:xfrm>
+            <a:off x="5193720" y="1094040"/>
+            <a:ext cx="657720" cy="431640"/>
+          </a:xfrm>
+          <a:prstGeom prst="rect">
+            <a:avLst/>
+          </a:prstGeom>
+          <a:noFill/>
+          <a:ln w="0">
+            <a:noFill/>
+          </a:ln>
+        </p:spPr>
+        <p:txBody>
+          <a:bodyPr lIns="90000" rIns="90000" tIns="45000" bIns="45000" anchor="t">
+            <a:noAutofit/>
+          </a:bodyPr>
+          <a:p>
+            <a:pPr algn="ctr">
+              <a:buNone/>
+            </a:pPr>
+            <a:r>
+              <a:rPr b="1" lang="es-AR" sz="1200" spc="-1" strike="noStrike">
+                <a:latin typeface="Arial"/>
+              </a:rPr>
+              <a:t>Web</a:t>
+            </a:r>
+            <a:endParaRPr b="0" lang="es-AR" sz="1200" spc="-1" strike="noStrike">
+              <a:latin typeface="Arial"/>
+            </a:endParaRPr>
+          </a:p>
+          <a:p>
+            <a:pPr algn="ctr">
+              <a:buNone/>
+            </a:pPr>
+            <a:r>
+              <a:rPr b="1" lang="es-AR" sz="1200" spc="-1" strike="noStrike">
+                <a:latin typeface="Arial"/>
+              </a:rPr>
+              <a:t>Server</a:t>
+            </a:r>
+            <a:endParaRPr b="0" lang="es-AR" sz="1200" spc="-1" strike="noStrike">
+              <a:latin typeface="Arial"/>
+            </a:endParaRPr>
+          </a:p>
+        </p:txBody>
+      </p:sp>
+      <p:sp>
+        <p:nvSpPr>
+          <p:cNvPr id="157" name=""/>
+          <p:cNvSpPr txBox="1"/>
+          <p:nvPr/>
+        </p:nvSpPr>
+        <p:spPr>
+          <a:xfrm>
+            <a:off x="6742080" y="1094400"/>
+            <a:ext cx="743040" cy="431640"/>
+          </a:xfrm>
+          <a:prstGeom prst="rect">
+            <a:avLst/>
+          </a:prstGeom>
+          <a:noFill/>
+          <a:ln w="0">
+            <a:noFill/>
+          </a:ln>
+        </p:spPr>
+        <p:txBody>
+          <a:bodyPr lIns="90000" rIns="90000" tIns="45000" bIns="45000" anchor="t">
+            <a:noAutofit/>
+          </a:bodyPr>
+          <a:p>
+            <a:pPr algn="ctr">
+              <a:buNone/>
+            </a:pPr>
+            <a:r>
+              <a:rPr b="1" lang="es-AR" sz="1200" spc="-1" strike="noStrike">
+                <a:latin typeface="Arial"/>
+              </a:rPr>
+              <a:t>Virtual</a:t>
+            </a:r>
+            <a:endParaRPr b="0" lang="es-AR" sz="1200" spc="-1" strike="noStrike">
+              <a:latin typeface="Arial"/>
+            </a:endParaRPr>
+          </a:p>
+          <a:p>
+            <a:pPr algn="ctr">
+              <a:buNone/>
+            </a:pPr>
+            <a:r>
+              <a:rPr b="1" lang="es-AR" sz="1200" spc="-1" strike="noStrike">
+                <a:latin typeface="Arial"/>
+              </a:rPr>
+              <a:t>Servers</a:t>
+            </a:r>
+            <a:endParaRPr b="0" lang="es-AR" sz="1200" spc="-1" strike="noStrike">
+              <a:latin typeface="Arial"/>
+            </a:endParaRPr>
+          </a:p>
+        </p:txBody>
+      </p:sp>
+      <p:sp>
+        <p:nvSpPr>
+          <p:cNvPr id="158" name=""/>
+          <p:cNvSpPr txBox="1"/>
+          <p:nvPr/>
+        </p:nvSpPr>
+        <p:spPr>
+          <a:xfrm>
+            <a:off x="7930080" y="1094760"/>
+            <a:ext cx="657720" cy="431640"/>
+          </a:xfrm>
+          <a:prstGeom prst="rect">
+            <a:avLst/>
+          </a:prstGeom>
+          <a:noFill/>
+          <a:ln w="0">
+            <a:noFill/>
+          </a:ln>
+        </p:spPr>
+        <p:txBody>
+          <a:bodyPr lIns="90000" rIns="90000" tIns="45000" bIns="45000" anchor="t">
+            <a:noAutofit/>
+          </a:bodyPr>
+          <a:p>
+            <a:pPr algn="ctr">
+              <a:buNone/>
+            </a:pPr>
+            <a:r>
+              <a:rPr b="1" lang="es-AR" sz="1200" spc="-1" strike="noStrike">
+                <a:latin typeface="Arial"/>
+              </a:rPr>
+              <a:t>File</a:t>
+            </a:r>
+            <a:endParaRPr b="0" lang="es-AR" sz="1200" spc="-1" strike="noStrike">
+              <a:latin typeface="Arial"/>
+            </a:endParaRPr>
+          </a:p>
+          <a:p>
+            <a:pPr algn="ctr">
+              <a:buNone/>
+            </a:pPr>
+            <a:r>
+              <a:rPr b="1" lang="es-AR" sz="1200" spc="-1" strike="noStrike">
+                <a:latin typeface="Arial"/>
+              </a:rPr>
+              <a:t>Server</a:t>
+            </a:r>
+            <a:endParaRPr b="0" lang="es-AR" sz="1200" spc="-1" strike="noStrike">
+              <a:latin typeface="Arial"/>
+            </a:endParaRPr>
+          </a:p>
+        </p:txBody>
+      </p:sp>
+      <p:sp>
+        <p:nvSpPr>
+          <p:cNvPr id="159" name=""/>
+          <p:cNvSpPr txBox="1"/>
+          <p:nvPr/>
+        </p:nvSpPr>
+        <p:spPr>
+          <a:xfrm>
+            <a:off x="466560" y="5878800"/>
+            <a:ext cx="749160" cy="431640"/>
+          </a:xfrm>
+          <a:prstGeom prst="rect">
+            <a:avLst/>
+          </a:prstGeom>
+          <a:noFill/>
+          <a:ln w="0">
+            <a:noFill/>
+          </a:ln>
+        </p:spPr>
+        <p:txBody>
+          <a:bodyPr lIns="90000" rIns="90000" tIns="45000" bIns="45000" anchor="t">
+            <a:noAutofit/>
+          </a:bodyPr>
+          <a:p>
+            <a:pPr algn="ctr">
+              <a:buNone/>
+            </a:pPr>
+            <a:r>
+              <a:rPr b="1" lang="es-AR" sz="1200" spc="-1" strike="noStrike">
+                <a:latin typeface="Arial"/>
+              </a:rPr>
+              <a:t>Storage</a:t>
+            </a:r>
+            <a:endParaRPr b="0" lang="es-AR" sz="1200" spc="-1" strike="noStrike">
+              <a:latin typeface="Arial"/>
+            </a:endParaRPr>
+          </a:p>
+          <a:p>
+            <a:pPr algn="ctr">
+              <a:buNone/>
+            </a:pPr>
+            <a:r>
+              <a:rPr b="1" lang="es-AR" sz="1200" spc="-1" strike="noStrike">
+                <a:latin typeface="Arial"/>
+              </a:rPr>
+              <a:t>Router</a:t>
+            </a:r>
+            <a:endParaRPr b="0" lang="es-AR" sz="1200" spc="-1" strike="noStrike">
+              <a:latin typeface="Arial"/>
+            </a:endParaRPr>
+          </a:p>
+        </p:txBody>
+      </p:sp>
+      <p:sp>
+        <p:nvSpPr>
+          <p:cNvPr id="160" name=""/>
+          <p:cNvSpPr txBox="1"/>
+          <p:nvPr/>
+        </p:nvSpPr>
+        <p:spPr>
+          <a:xfrm>
+            <a:off x="1186920" y="5879160"/>
+            <a:ext cx="860400" cy="261000"/>
+          </a:xfrm>
+          <a:prstGeom prst="rect">
+            <a:avLst/>
+          </a:prstGeom>
+          <a:noFill/>
+          <a:ln w="0">
+            <a:noFill/>
+          </a:ln>
+        </p:spPr>
+        <p:txBody>
+          <a:bodyPr lIns="90000" rIns="90000" tIns="45000" bIns="45000" anchor="t">
+            <a:noAutofit/>
+          </a:bodyPr>
+          <a:p>
+            <a:pPr algn="ctr">
+              <a:buNone/>
+            </a:pPr>
+            <a:r>
+              <a:rPr b="1" lang="es-AR" sz="1200" spc="-1" strike="noStrike">
+                <a:latin typeface="Arial"/>
+              </a:rPr>
+              <a:t>Database</a:t>
+            </a:r>
+            <a:endParaRPr b="0" lang="es-AR" sz="1200" spc="-1" strike="noStrike">
+              <a:latin typeface="Arial"/>
+            </a:endParaRPr>
+          </a:p>
+        </p:txBody>
+      </p:sp>
+      <p:sp>
+        <p:nvSpPr>
+          <p:cNvPr id="161" name=""/>
+          <p:cNvSpPr txBox="1"/>
+          <p:nvPr/>
+        </p:nvSpPr>
+        <p:spPr>
+          <a:xfrm>
+            <a:off x="2050920" y="5879520"/>
+            <a:ext cx="1198800" cy="431640"/>
+          </a:xfrm>
+          <a:prstGeom prst="rect">
+            <a:avLst/>
+          </a:prstGeom>
+          <a:noFill/>
+          <a:ln w="0">
+            <a:noFill/>
+          </a:ln>
+        </p:spPr>
+        <p:txBody>
+          <a:bodyPr lIns="90000" rIns="90000" tIns="45000" bIns="45000" anchor="t">
+            <a:noAutofit/>
+          </a:bodyPr>
+          <a:p>
+            <a:pPr algn="ctr">
+              <a:buNone/>
+            </a:pPr>
+            <a:r>
+              <a:rPr b="1" lang="es-AR" sz="1200" spc="-1" strike="noStrike">
+                <a:latin typeface="Arial"/>
+              </a:rPr>
+              <a:t>Fibre Channel</a:t>
+            </a:r>
+            <a:endParaRPr b="0" lang="es-AR" sz="1200" spc="-1" strike="noStrike">
+              <a:latin typeface="Arial"/>
+            </a:endParaRPr>
+          </a:p>
+          <a:p>
+            <a:pPr algn="ctr">
+              <a:buNone/>
+            </a:pPr>
+            <a:r>
+              <a:rPr b="1" lang="es-AR" sz="1200" spc="-1" strike="noStrike">
+                <a:latin typeface="Arial"/>
+              </a:rPr>
+              <a:t>Fabric Switch</a:t>
+            </a:r>
+            <a:endParaRPr b="0" lang="es-AR" sz="1200" spc="-1" strike="noStrike">
+              <a:latin typeface="Arial"/>
+            </a:endParaRPr>
+          </a:p>
+        </p:txBody>
+      </p:sp>
+      <p:sp>
+        <p:nvSpPr>
+          <p:cNvPr id="162" name=""/>
+          <p:cNvSpPr txBox="1"/>
+          <p:nvPr/>
+        </p:nvSpPr>
+        <p:spPr>
+          <a:xfrm>
+            <a:off x="3274920" y="5879880"/>
+            <a:ext cx="1198800" cy="431640"/>
+          </a:xfrm>
+          <a:prstGeom prst="rect">
+            <a:avLst/>
+          </a:prstGeom>
+          <a:noFill/>
+          <a:ln w="0">
+            <a:noFill/>
+          </a:ln>
+        </p:spPr>
+        <p:txBody>
+          <a:bodyPr lIns="90000" rIns="90000" tIns="45000" bIns="45000" anchor="t">
+            <a:noAutofit/>
+          </a:bodyPr>
+          <a:p>
+            <a:pPr algn="ctr">
+              <a:buNone/>
+            </a:pPr>
+            <a:r>
+              <a:rPr b="1" lang="es-AR" sz="1200" spc="-1" strike="noStrike">
+                <a:latin typeface="Arial"/>
+              </a:rPr>
+              <a:t>Fibre Channel</a:t>
+            </a:r>
+            <a:endParaRPr b="0" lang="es-AR" sz="1200" spc="-1" strike="noStrike">
+              <a:latin typeface="Arial"/>
+            </a:endParaRPr>
+          </a:p>
+          <a:p>
+            <a:pPr algn="ctr">
+              <a:buNone/>
+            </a:pPr>
+            <a:r>
+              <a:rPr b="1" lang="es-AR" sz="1200" spc="-1" strike="noStrike">
+                <a:latin typeface="Arial"/>
+              </a:rPr>
+              <a:t>Storage</a:t>
+            </a:r>
+            <a:endParaRPr b="0" lang="es-AR" sz="1200" spc="-1" strike="noStrike">
+              <a:latin typeface="Arial"/>
+            </a:endParaRPr>
+          </a:p>
+        </p:txBody>
+      </p:sp>
+      <p:sp>
+        <p:nvSpPr>
+          <p:cNvPr id="163" name=""/>
+          <p:cNvSpPr txBox="1"/>
+          <p:nvPr/>
+        </p:nvSpPr>
+        <p:spPr>
+          <a:xfrm>
+            <a:off x="4534920" y="6024240"/>
+            <a:ext cx="749160" cy="431640"/>
+          </a:xfrm>
+          <a:prstGeom prst="rect">
+            <a:avLst/>
+          </a:prstGeom>
+          <a:noFill/>
+          <a:ln w="0">
+            <a:noFill/>
+          </a:ln>
+        </p:spPr>
+        <p:txBody>
+          <a:bodyPr lIns="90000" rIns="90000" tIns="45000" bIns="45000" anchor="t">
+            <a:noAutofit/>
+          </a:bodyPr>
+          <a:p>
+            <a:pPr algn="ctr">
+              <a:buNone/>
+            </a:pPr>
+            <a:r>
+              <a:rPr b="1" lang="es-AR" sz="1200" spc="-1" strike="noStrike">
+                <a:latin typeface="Arial"/>
+              </a:rPr>
+              <a:t>Storage</a:t>
+            </a:r>
+            <a:endParaRPr b="0" lang="es-AR" sz="1200" spc="-1" strike="noStrike">
+              <a:latin typeface="Arial"/>
+            </a:endParaRPr>
+          </a:p>
+          <a:p>
+            <a:pPr algn="ctr">
+              <a:buNone/>
+            </a:pPr>
+            <a:r>
+              <a:rPr b="1" lang="es-AR" sz="1200" spc="-1" strike="noStrike">
+                <a:latin typeface="Arial"/>
+              </a:rPr>
+              <a:t>Array</a:t>
+            </a:r>
+            <a:endParaRPr b="0" lang="es-AR" sz="1200" spc="-1" strike="noStrike">
+              <a:latin typeface="Arial"/>
+            </a:endParaRPr>
+          </a:p>
+        </p:txBody>
+      </p:sp>
+      <p:pic>
+        <p:nvPicPr>
+          <p:cNvPr id="164" name="" descr=""/>
+          <p:cNvPicPr/>
+          <p:nvPr/>
+        </p:nvPicPr>
+        <p:blipFill>
+          <a:blip r:embed="rId21"/>
+          <a:srcRect l="5358" t="6013" r="5581" b="6404"/>
+          <a:stretch/>
+        </p:blipFill>
+        <p:spPr>
+          <a:xfrm>
+            <a:off x="328680" y="1952640"/>
+            <a:ext cx="761760" cy="666720"/>
+          </a:xfrm>
+          <a:prstGeom prst="rect">
+            <a:avLst/>
+          </a:prstGeom>
+          <a:ln w="0">
+            <a:noFill/>
+          </a:ln>
+        </p:spPr>
+      </p:pic>
+      <p:sp>
+        <p:nvSpPr>
+          <p:cNvPr id="165" name=""/>
+          <p:cNvSpPr txBox="1"/>
+          <p:nvPr/>
+        </p:nvSpPr>
+        <p:spPr>
+          <a:xfrm>
+            <a:off x="1753560" y="3322080"/>
+            <a:ext cx="1074960" cy="602280"/>
+          </a:xfrm>
+          <a:prstGeom prst="rect">
+            <a:avLst/>
+          </a:prstGeom>
+          <a:noFill/>
+          <a:ln w="0">
+            <a:noFill/>
+          </a:ln>
+        </p:spPr>
+        <p:txBody>
+          <a:bodyPr lIns="90000" rIns="90000" tIns="45000" bIns="45000" anchor="t">
+            <a:noAutofit/>
+          </a:bodyPr>
+          <a:p>
+            <a:pPr algn="ctr">
+              <a:buNone/>
+            </a:pPr>
+            <a:r>
+              <a:rPr b="1" lang="es-AR" sz="1200" spc="-1" strike="noStrike">
+                <a:latin typeface="Arial"/>
+              </a:rPr>
+              <a:t>Blade</a:t>
+            </a:r>
+            <a:endParaRPr b="0" lang="es-AR" sz="1200" spc="-1" strike="noStrike">
+              <a:latin typeface="Arial"/>
+            </a:endParaRPr>
+          </a:p>
+          <a:p>
+            <a:pPr algn="ctr">
+              <a:buNone/>
+            </a:pPr>
+            <a:r>
+              <a:rPr b="1" lang="es-AR" sz="1200" spc="-1" strike="noStrike">
+                <a:latin typeface="Arial"/>
+              </a:rPr>
+              <a:t>Enclosures</a:t>
+            </a:r>
+            <a:endParaRPr b="0" lang="es-AR" sz="1200" spc="-1" strike="noStrike">
+              <a:latin typeface="Arial"/>
+            </a:endParaRPr>
+          </a:p>
+        </p:txBody>
+      </p:sp>
+      <p:sp>
+        <p:nvSpPr>
+          <p:cNvPr id="166" name=""/>
+          <p:cNvSpPr/>
+          <p:nvPr/>
+        </p:nvSpPr>
+        <p:spPr>
+          <a:xfrm>
+            <a:off x="1332720" y="1983600"/>
+            <a:ext cx="2133000" cy="1000080"/>
+          </a:xfrm>
+          <a:custGeom>
+            <a:avLst/>
+            <a:gdLst/>
+            <a:ahLst/>
+            <a:rect l="l" t="t" r="r" b="b"/>
+            <a:pathLst>
+              <a:path w="46060" h="21600">
+                <a:moveTo>
+                  <a:pt x="3600" y="0"/>
+                </a:moveTo>
+                <a:arcTo wR="3600" hR="3600" stAng="16200000" swAng="-5400000"/>
+                <a:lnTo>
+                  <a:pt x="0" y="18000"/>
+                </a:lnTo>
+                <a:arcTo wR="3600" hR="3600" stAng="10800000" swAng="-5400000"/>
+                <a:lnTo>
+                  <a:pt x="42460" y="21600"/>
+                </a:lnTo>
+                <a:arcTo wR="20860" hR="3600" stAng="5400000" swAng="5400000"/>
+                <a:lnTo>
+                  <a:pt x="21600" y="3600"/>
+                </a:lnTo>
+                <a:arcTo wR="20860" hR="3600" stAng="10800000" swAng="5400000"/>
+                <a:close/>
+              </a:path>
+            </a:pathLst>
+          </a:custGeom>
+          <a:solidFill>
+            <a:srgbClr val="a5a5a5">
+              <a:alpha val="50000"/>
+            </a:srgbClr>
+          </a:solidFill>
+          <a:ln w="0">
+            <a:solidFill>
+              <a:srgbClr val="4c4c4c">
+                <a:alpha val="50000"/>
+              </a:srgbClr>
+            </a:solidFill>
+          </a:ln>
+        </p:spPr>
+        <p:style>
+          <a:lnRef idx="0"/>
+          <a:fillRef idx="0"/>
+          <a:effectRef idx="0"/>
+          <a:fontRef idx="minor"/>
+        </p:style>
+      </p:sp>
+      <p:pic>
+        <p:nvPicPr>
+          <p:cNvPr id="167" name="Picture 32" descr=""/>
+          <p:cNvPicPr/>
+          <p:nvPr/>
+        </p:nvPicPr>
+        <p:blipFill>
+          <a:blip r:embed="rId22"/>
+          <a:stretch/>
+        </p:blipFill>
+        <p:spPr>
+          <a:xfrm>
+            <a:off x="1515600" y="2313720"/>
+            <a:ext cx="1752480" cy="571320"/>
+          </a:xfrm>
+          <a:prstGeom prst="rect">
+            <a:avLst/>
+          </a:prstGeom>
+          <a:ln w="0">
+            <a:noFill/>
+          </a:ln>
+        </p:spPr>
+      </p:pic>
+      <p:pic>
+        <p:nvPicPr>
+          <p:cNvPr id="168" name="Picture 33" descr=""/>
+          <p:cNvPicPr/>
+          <p:nvPr/>
+        </p:nvPicPr>
+        <p:blipFill>
+          <a:blip r:embed="rId23"/>
+          <a:stretch/>
+        </p:blipFill>
+        <p:spPr>
+          <a:xfrm>
+            <a:off x="1529280" y="2059920"/>
+            <a:ext cx="464760" cy="198720"/>
+          </a:xfrm>
+          <a:prstGeom prst="rect">
+            <a:avLst/>
+          </a:prstGeom>
+          <a:ln w="0">
+            <a:noFill/>
+          </a:ln>
+        </p:spPr>
+      </p:pic>
+      <p:pic>
+        <p:nvPicPr>
+          <p:cNvPr id="169" name="Picture 34" descr=""/>
+          <p:cNvPicPr/>
+          <p:nvPr/>
+        </p:nvPicPr>
+        <p:blipFill>
+          <a:blip r:embed="rId24"/>
+          <a:stretch/>
+        </p:blipFill>
+        <p:spPr>
+          <a:xfrm>
+            <a:off x="2789640" y="2059920"/>
+            <a:ext cx="464760" cy="198720"/>
+          </a:xfrm>
+          <a:prstGeom prst="rect">
+            <a:avLst/>
+          </a:prstGeom>
+          <a:ln w="0">
+            <a:noFill/>
+          </a:ln>
+        </p:spPr>
+      </p:pic>
+      <p:sp>
+        <p:nvSpPr>
+          <p:cNvPr id="170" name=""/>
+          <p:cNvSpPr txBox="1"/>
+          <p:nvPr/>
+        </p:nvSpPr>
+        <p:spPr>
+          <a:xfrm>
+            <a:off x="2136240" y="2059920"/>
+            <a:ext cx="564840" cy="204840"/>
+          </a:xfrm>
+          <a:prstGeom prst="rect">
+            <a:avLst/>
+          </a:prstGeom>
+          <a:noFill/>
+          <a:ln w="0">
+            <a:noFill/>
+          </a:ln>
+        </p:spPr>
+        <p:txBody>
+          <a:bodyPr lIns="90000" rIns="90000" tIns="45000" bIns="45000" anchor="t">
+            <a:noAutofit/>
+          </a:bodyPr>
+          <a:p>
+            <a:pPr algn="ctr">
+              <a:buNone/>
+            </a:pPr>
+            <a:r>
+              <a:rPr b="1" lang="es-AR" sz="800" spc="-1" strike="noStrike">
+                <a:latin typeface="Arial"/>
+              </a:rPr>
+              <a:t>ToR SW</a:t>
+            </a:r>
+            <a:endParaRPr b="0" lang="es-AR" sz="800" spc="-1" strike="noStrike">
+              <a:latin typeface="Arial"/>
+            </a:endParaRPr>
+          </a:p>
+        </p:txBody>
+      </p:sp>
+      <p:sp>
+        <p:nvSpPr>
+          <p:cNvPr id="171" name=""/>
+          <p:cNvSpPr/>
+          <p:nvPr/>
+        </p:nvSpPr>
+        <p:spPr>
+          <a:xfrm>
+            <a:off x="3666960" y="1986840"/>
+            <a:ext cx="2133000" cy="2657880"/>
+          </a:xfrm>
+          <a:custGeom>
+            <a:avLst/>
+            <a:gdLst/>
+            <a:ahLst/>
+            <a:rect l="l" t="t" r="r" b="b"/>
+            <a:pathLst>
+              <a:path w="21600" h="26914">
+                <a:moveTo>
+                  <a:pt x="3600" y="0"/>
+                </a:moveTo>
+                <a:arcTo wR="3600" hR="3600" stAng="16200000" swAng="-5400000"/>
+                <a:lnTo>
+                  <a:pt x="0" y="23314"/>
+                </a:lnTo>
+                <a:arcTo wR="3600" hR="1714" stAng="10800000" swAng="5400000"/>
+                <a:lnTo>
+                  <a:pt x="18000" y="21600"/>
+                </a:lnTo>
+                <a:arcTo wR="3600" hR="1714" stAng="16200000" swAng="5400000"/>
+                <a:lnTo>
+                  <a:pt x="21600" y="3600"/>
+                </a:lnTo>
+                <a:arcTo wR="3600" hR="3600" stAng="0" swAng="-5400000"/>
+                <a:close/>
+              </a:path>
+            </a:pathLst>
+          </a:custGeom>
+          <a:solidFill>
+            <a:srgbClr val="a5a5a5">
+              <a:alpha val="50000"/>
+            </a:srgbClr>
+          </a:solidFill>
+          <a:ln w="0">
+            <a:solidFill>
+              <a:srgbClr val="4c4c4c">
+                <a:alpha val="50000"/>
+              </a:srgbClr>
+            </a:solidFill>
+          </a:ln>
+        </p:spPr>
+        <p:style>
+          <a:lnRef idx="0"/>
+          <a:fillRef idx="0"/>
+          <a:effectRef idx="0"/>
+          <a:fontRef idx="minor"/>
+        </p:style>
+      </p:sp>
+      <p:pic>
+        <p:nvPicPr>
+          <p:cNvPr id="172" name="Picture 35" descr=""/>
+          <p:cNvPicPr/>
+          <p:nvPr/>
+        </p:nvPicPr>
+        <p:blipFill>
+          <a:blip r:embed="rId25"/>
+          <a:stretch/>
+        </p:blipFill>
+        <p:spPr>
+          <a:xfrm>
+            <a:off x="3849840" y="3925080"/>
+            <a:ext cx="1752480" cy="571320"/>
+          </a:xfrm>
+          <a:prstGeom prst="rect">
+            <a:avLst/>
+          </a:prstGeom>
+          <a:ln w="0">
+            <a:noFill/>
+          </a:ln>
+        </p:spPr>
+      </p:pic>
+      <p:pic>
+        <p:nvPicPr>
+          <p:cNvPr id="173" name="Picture 36" descr=""/>
+          <p:cNvPicPr/>
+          <p:nvPr/>
+        </p:nvPicPr>
+        <p:blipFill>
+          <a:blip r:embed="rId26"/>
+          <a:stretch/>
+        </p:blipFill>
+        <p:spPr>
+          <a:xfrm>
+            <a:off x="3863520" y="2063160"/>
+            <a:ext cx="464760" cy="198720"/>
+          </a:xfrm>
+          <a:prstGeom prst="rect">
+            <a:avLst/>
+          </a:prstGeom>
+          <a:ln w="0">
+            <a:noFill/>
+          </a:ln>
+        </p:spPr>
+      </p:pic>
+      <p:pic>
+        <p:nvPicPr>
+          <p:cNvPr id="174" name="Picture 37" descr=""/>
+          <p:cNvPicPr/>
+          <p:nvPr/>
+        </p:nvPicPr>
+        <p:blipFill>
+          <a:blip r:embed="rId27"/>
+          <a:stretch/>
+        </p:blipFill>
+        <p:spPr>
+          <a:xfrm>
+            <a:off x="5123880" y="2063160"/>
+            <a:ext cx="464760" cy="198720"/>
+          </a:xfrm>
+          <a:prstGeom prst="rect">
+            <a:avLst/>
+          </a:prstGeom>
+          <a:ln w="0">
+            <a:noFill/>
+          </a:ln>
+        </p:spPr>
+      </p:pic>
+      <p:sp>
+        <p:nvSpPr>
+          <p:cNvPr id="175" name=""/>
+          <p:cNvSpPr txBox="1"/>
+          <p:nvPr/>
+        </p:nvSpPr>
+        <p:spPr>
+          <a:xfrm>
+            <a:off x="4470480" y="2063160"/>
+            <a:ext cx="564840" cy="204840"/>
+          </a:xfrm>
+          <a:prstGeom prst="rect">
+            <a:avLst/>
+          </a:prstGeom>
+          <a:noFill/>
+          <a:ln w="0">
+            <a:noFill/>
+          </a:ln>
+        </p:spPr>
+        <p:txBody>
+          <a:bodyPr lIns="90000" rIns="90000" tIns="45000" bIns="45000" anchor="t">
+            <a:noAutofit/>
+          </a:bodyPr>
+          <a:p>
+            <a:pPr algn="ctr">
+              <a:buNone/>
+            </a:pPr>
+            <a:r>
+              <a:rPr b="1" lang="es-AR" sz="800" spc="-1" strike="noStrike">
+                <a:latin typeface="Arial"/>
+              </a:rPr>
+              <a:t>ToR SW</a:t>
+            </a:r>
+            <a:endParaRPr b="0" lang="es-AR" sz="800" spc="-1" strike="noStrike">
+              <a:latin typeface="Arial"/>
+            </a:endParaRPr>
+          </a:p>
+        </p:txBody>
+      </p:sp>
+      <p:pic>
+        <p:nvPicPr>
+          <p:cNvPr id="176" name="Picture 38" descr=""/>
+          <p:cNvPicPr/>
+          <p:nvPr/>
+        </p:nvPicPr>
+        <p:blipFill>
+          <a:blip r:embed="rId28"/>
+          <a:stretch/>
+        </p:blipFill>
+        <p:spPr>
+          <a:xfrm>
+            <a:off x="3849840" y="3421440"/>
+            <a:ext cx="1752480" cy="571320"/>
+          </a:xfrm>
+          <a:prstGeom prst="rect">
+            <a:avLst/>
+          </a:prstGeom>
+          <a:ln w="0">
+            <a:noFill/>
+          </a:ln>
+        </p:spPr>
+      </p:pic>
+      <p:pic>
+        <p:nvPicPr>
+          <p:cNvPr id="177" name="Picture 39" descr=""/>
+          <p:cNvPicPr/>
+          <p:nvPr/>
+        </p:nvPicPr>
+        <p:blipFill>
+          <a:blip r:embed="rId29"/>
+          <a:stretch/>
+        </p:blipFill>
+        <p:spPr>
+          <a:xfrm>
+            <a:off x="3849840" y="2917800"/>
+            <a:ext cx="1752480" cy="571320"/>
+          </a:xfrm>
+          <a:prstGeom prst="rect">
+            <a:avLst/>
+          </a:prstGeom>
+          <a:ln w="0">
+            <a:noFill/>
+          </a:ln>
+        </p:spPr>
+      </p:pic>
+      <p:pic>
+        <p:nvPicPr>
+          <p:cNvPr id="178" name="Picture 40" descr=""/>
+          <p:cNvPicPr/>
+          <p:nvPr/>
+        </p:nvPicPr>
+        <p:blipFill>
+          <a:blip r:embed="rId30"/>
+          <a:stretch/>
+        </p:blipFill>
+        <p:spPr>
+          <a:xfrm>
+            <a:off x="3849840" y="2414160"/>
+            <a:ext cx="1752480" cy="571320"/>
+          </a:xfrm>
+          <a:prstGeom prst="rect">
+            <a:avLst/>
+          </a:prstGeom>
+          <a:ln w="0">
+            <a:noFill/>
+          </a:ln>
+        </p:spPr>
+      </p:pic>
+      <p:sp>
+        <p:nvSpPr>
+          <p:cNvPr id="179" name=""/>
+          <p:cNvSpPr/>
+          <p:nvPr/>
+        </p:nvSpPr>
+        <p:spPr>
+          <a:xfrm>
+            <a:off x="6130800" y="1991160"/>
+            <a:ext cx="2133000" cy="1539360"/>
+          </a:xfrm>
+          <a:custGeom>
+            <a:avLst/>
+            <a:gdLst/>
+            <a:ahLst/>
+            <a:rect l="l" t="t" r="r" b="b"/>
+            <a:pathLst>
+              <a:path w="29928" h="21600">
+                <a:moveTo>
+                  <a:pt x="3600" y="0"/>
+                </a:moveTo>
+                <a:arcTo wR="3600" hR="3600" stAng="16200000" swAng="-5400000"/>
+                <a:lnTo>
+                  <a:pt x="0" y="18000"/>
+                </a:lnTo>
+                <a:arcTo wR="3600" hR="3600" stAng="10800000" swAng="-5400000"/>
+                <a:lnTo>
+                  <a:pt x="26328" y="21600"/>
+                </a:lnTo>
+                <a:arcTo wR="4728" hR="3600" stAng="5400000" swAng="5400000"/>
+                <a:lnTo>
+                  <a:pt x="21600" y="3600"/>
+                </a:lnTo>
+                <a:arcTo wR="4728" hR="3600" stAng="10800000" swAng="5400000"/>
+                <a:close/>
+              </a:path>
+            </a:pathLst>
+          </a:custGeom>
+          <a:solidFill>
+            <a:srgbClr val="a5a5a5">
+              <a:alpha val="50000"/>
+            </a:srgbClr>
+          </a:solidFill>
+          <a:ln w="0">
+            <a:solidFill>
+              <a:srgbClr val="4c4c4c">
+                <a:alpha val="50000"/>
+              </a:srgbClr>
+            </a:solidFill>
+          </a:ln>
+        </p:spPr>
+        <p:style>
+          <a:lnRef idx="0"/>
+          <a:fillRef idx="0"/>
+          <a:effectRef idx="0"/>
+          <a:fontRef idx="minor"/>
+        </p:style>
+      </p:sp>
+      <p:sp>
+        <p:nvSpPr>
+          <p:cNvPr id="180" name=""/>
+          <p:cNvSpPr/>
+          <p:nvPr/>
+        </p:nvSpPr>
+        <p:spPr>
+          <a:xfrm>
+            <a:off x="6393600" y="2637720"/>
+            <a:ext cx="1603080" cy="729360"/>
+          </a:xfrm>
+          <a:prstGeom prst="rect">
+            <a:avLst/>
+          </a:prstGeom>
+          <a:solidFill>
+            <a:srgbClr val="b4c7dc"/>
+          </a:solidFill>
+          <a:ln w="18000">
+            <a:solidFill>
+              <a:srgbClr val="729fcf"/>
+            </a:solidFill>
+            <a:round/>
+          </a:ln>
+        </p:spPr>
+        <p:style>
+          <a:lnRef idx="0"/>
+          <a:fillRef idx="0"/>
+          <a:effectRef idx="0"/>
+          <a:fontRef idx="minor"/>
+        </p:style>
+      </p:sp>
+      <p:sp>
+        <p:nvSpPr>
+          <p:cNvPr id="181" name=""/>
+          <p:cNvSpPr txBox="1"/>
+          <p:nvPr/>
+        </p:nvSpPr>
+        <p:spPr>
+          <a:xfrm>
+            <a:off x="6516360" y="3001320"/>
+            <a:ext cx="1401480" cy="319320"/>
+          </a:xfrm>
+          <a:prstGeom prst="rect">
+            <a:avLst/>
+          </a:prstGeom>
+          <a:noFill/>
+          <a:ln w="0">
+            <a:noFill/>
+          </a:ln>
+        </p:spPr>
+        <p:txBody>
+          <a:bodyPr lIns="90000" rIns="90000" tIns="45000" bIns="45000" anchor="t">
+            <a:noAutofit/>
+          </a:bodyPr>
+          <a:p>
+            <a:pPr algn="ctr">
+              <a:buNone/>
+            </a:pPr>
+            <a:r>
+              <a:rPr b="1" lang="es-AR" sz="800" spc="-1" strike="noStrike">
+                <a:latin typeface="Arial"/>
+              </a:rPr>
+              <a:t>Hypervisor</a:t>
+            </a:r>
+            <a:endParaRPr b="0" lang="es-AR" sz="800" spc="-1" strike="noStrike">
+              <a:latin typeface="Arial"/>
+            </a:endParaRPr>
+          </a:p>
+          <a:p>
+            <a:pPr algn="ctr">
+              <a:buNone/>
+            </a:pPr>
+            <a:r>
+              <a:rPr b="0" lang="es-AR" sz="800" spc="-1" strike="noStrike">
+                <a:latin typeface="Arial"/>
+              </a:rPr>
+              <a:t>Vmware / Hyper-V / RHVM</a:t>
+            </a:r>
+            <a:endParaRPr b="0" lang="es-AR" sz="800" spc="-1" strike="noStrike">
+              <a:latin typeface="Arial"/>
+            </a:endParaRPr>
+          </a:p>
+        </p:txBody>
+      </p:sp>
+      <p:pic>
+        <p:nvPicPr>
+          <p:cNvPr id="182" name="Picture 41" descr=""/>
+          <p:cNvPicPr/>
+          <p:nvPr/>
+        </p:nvPicPr>
+        <p:blipFill>
+          <a:blip r:embed="rId31"/>
+          <a:stretch/>
+        </p:blipFill>
+        <p:spPr>
+          <a:xfrm>
+            <a:off x="6989760" y="2583360"/>
+            <a:ext cx="350640" cy="149760"/>
+          </a:xfrm>
+          <a:prstGeom prst="rect">
+            <a:avLst/>
+          </a:prstGeom>
+          <a:ln w="0">
+            <a:noFill/>
+          </a:ln>
+        </p:spPr>
+      </p:pic>
+      <p:sp>
+        <p:nvSpPr>
+          <p:cNvPr id="183" name=""/>
+          <p:cNvSpPr txBox="1"/>
+          <p:nvPr/>
+        </p:nvSpPr>
+        <p:spPr>
+          <a:xfrm>
+            <a:off x="7341840" y="2689560"/>
+            <a:ext cx="566280" cy="204840"/>
+          </a:xfrm>
+          <a:prstGeom prst="rect">
+            <a:avLst/>
+          </a:prstGeom>
+          <a:solidFill>
+            <a:srgbClr val="ffffff">
+              <a:alpha val="20000"/>
+            </a:srgbClr>
+          </a:solidFill>
+          <a:ln w="0">
+            <a:noFill/>
+          </a:ln>
+        </p:spPr>
+        <p:txBody>
+          <a:bodyPr lIns="90000" rIns="90000" tIns="45000" bIns="45000" anchor="t">
+            <a:noAutofit/>
+          </a:bodyPr>
+          <a:p>
+            <a:pPr algn="ctr">
+              <a:buNone/>
+            </a:pPr>
+            <a:r>
+              <a:rPr b="1" lang="es-AR" sz="800" spc="-1" strike="noStrike">
+                <a:solidFill>
+                  <a:srgbClr val="7f7f7f"/>
+                </a:solidFill>
+                <a:latin typeface="Arial"/>
+              </a:rPr>
+              <a:t>vSwitch</a:t>
+            </a:r>
+            <a:endParaRPr b="0" lang="es-AR" sz="800" spc="-1" strike="noStrike">
+              <a:latin typeface="Arial"/>
+            </a:endParaRPr>
+          </a:p>
+        </p:txBody>
+      </p:sp>
+      <p:pic>
+        <p:nvPicPr>
+          <p:cNvPr id="184" name="Picture 42" descr=""/>
+          <p:cNvPicPr/>
+          <p:nvPr/>
+        </p:nvPicPr>
+        <p:blipFill>
+          <a:blip r:embed="rId32"/>
+          <a:stretch/>
+        </p:blipFill>
+        <p:spPr>
+          <a:xfrm>
+            <a:off x="6458760" y="2058480"/>
+            <a:ext cx="464760" cy="198720"/>
+          </a:xfrm>
+          <a:prstGeom prst="rect">
+            <a:avLst/>
+          </a:prstGeom>
+          <a:ln w="0">
+            <a:noFill/>
+          </a:ln>
+        </p:spPr>
+      </p:pic>
+      <p:pic>
+        <p:nvPicPr>
+          <p:cNvPr id="185" name="Picture 43" descr=""/>
+          <p:cNvPicPr/>
+          <p:nvPr/>
+        </p:nvPicPr>
+        <p:blipFill>
+          <a:blip r:embed="rId33"/>
+          <a:stretch/>
+        </p:blipFill>
+        <p:spPr>
+          <a:xfrm>
+            <a:off x="7539120" y="2058480"/>
+            <a:ext cx="464760" cy="198720"/>
+          </a:xfrm>
+          <a:prstGeom prst="rect">
+            <a:avLst/>
+          </a:prstGeom>
+          <a:ln w="0">
+            <a:noFill/>
+          </a:ln>
+        </p:spPr>
+      </p:pic>
+      <p:sp>
+        <p:nvSpPr>
+          <p:cNvPr id="186" name=""/>
+          <p:cNvSpPr txBox="1"/>
+          <p:nvPr/>
+        </p:nvSpPr>
+        <p:spPr>
+          <a:xfrm>
+            <a:off x="6921720" y="2058480"/>
+            <a:ext cx="564840" cy="204840"/>
+          </a:xfrm>
+          <a:prstGeom prst="rect">
+            <a:avLst/>
+          </a:prstGeom>
+          <a:noFill/>
+          <a:ln w="0">
+            <a:noFill/>
+          </a:ln>
+        </p:spPr>
+        <p:txBody>
+          <a:bodyPr lIns="90000" rIns="90000" tIns="45000" bIns="45000" anchor="t">
+            <a:noAutofit/>
+          </a:bodyPr>
+          <a:p>
+            <a:pPr algn="ctr">
+              <a:buNone/>
+            </a:pPr>
+            <a:r>
+              <a:rPr b="1" lang="es-AR" sz="800" spc="-1" strike="noStrike">
+                <a:latin typeface="Arial"/>
+              </a:rPr>
+              <a:t>ToR SW</a:t>
+            </a:r>
+            <a:endParaRPr b="0" lang="es-AR" sz="800" spc="-1" strike="noStrike">
+              <a:latin typeface="Arial"/>
+            </a:endParaRPr>
+          </a:p>
+        </p:txBody>
+      </p:sp>
+      <p:cxnSp>
+        <p:nvCxnSpPr>
+          <p:cNvPr id="187" name=""/>
+          <p:cNvCxnSpPr>
+            <a:stCxn id="182" idx="0"/>
+            <a:endCxn id="184" idx="2"/>
+          </p:cNvCxnSpPr>
+          <p:nvPr/>
+        </p:nvCxnSpPr>
+        <p:spPr>
+          <a:xfrm flipH="1" flipV="1">
+            <a:off x="6690960" y="2257200"/>
+            <a:ext cx="474480" cy="326520"/>
+          </a:xfrm>
+          <a:prstGeom prst="straightConnector1">
+            <a:avLst/>
+          </a:prstGeom>
+          <a:ln w="18000">
+            <a:solidFill>
+              <a:srgbClr val="999999"/>
+            </a:solidFill>
+            <a:round/>
+          </a:ln>
+        </p:spPr>
+      </p:cxnSp>
+      <p:cxnSp>
+        <p:nvCxnSpPr>
+          <p:cNvPr id="188" name=""/>
+          <p:cNvCxnSpPr>
+            <a:stCxn id="182" idx="0"/>
+            <a:endCxn id="185" idx="2"/>
+          </p:cNvCxnSpPr>
+          <p:nvPr/>
+        </p:nvCxnSpPr>
+        <p:spPr>
+          <a:xfrm flipV="1">
+            <a:off x="7165080" y="2257200"/>
+            <a:ext cx="606600" cy="326520"/>
+          </a:xfrm>
+          <a:prstGeom prst="straightConnector1">
+            <a:avLst/>
+          </a:prstGeom>
+          <a:ln w="18000">
+            <a:solidFill>
+              <a:srgbClr val="999999"/>
+            </a:solidFill>
+            <a:round/>
+          </a:ln>
+        </p:spPr>
+      </p:cxnSp>
     </p:spTree>
   </p:cSld>
   <mc:AlternateContent>
